--- a/zillow_ts.pptx
+++ b/zillow_ts.pptx
@@ -7,12 +7,13 @@
   <p:sldIdLst>
     <p:sldId id="256" r:id="rId2"/>
     <p:sldId id="257" r:id="rId3"/>
-    <p:sldId id="259" r:id="rId4"/>
-    <p:sldId id="260" r:id="rId5"/>
-    <p:sldId id="261" r:id="rId6"/>
-    <p:sldId id="262" r:id="rId7"/>
-    <p:sldId id="263" r:id="rId8"/>
-    <p:sldId id="258" r:id="rId9"/>
+    <p:sldId id="264" r:id="rId4"/>
+    <p:sldId id="259" r:id="rId5"/>
+    <p:sldId id="260" r:id="rId6"/>
+    <p:sldId id="261" r:id="rId7"/>
+    <p:sldId id="262" r:id="rId8"/>
+    <p:sldId id="263" r:id="rId9"/>
+    <p:sldId id="258" r:id="rId10"/>
   </p:sldIdLst>
   <p:sldSz cx="12192000" cy="6858000"/>
   <p:notesSz cx="6858000" cy="9144000"/>
@@ -3503,23 +3504,28 @@
           <a:p>
             <a:r>
               <a:rPr lang="en-US" dirty="0"/>
-              <a:t>Recommendations based on ROI on average and the low and upper end of time period.</a:t>
+              <a:t>Recommendations based on ROI on average and the low and upper forecasting time periods.</a:t>
             </a:r>
           </a:p>
           <a:p>
             <a:r>
               <a:rPr lang="en-US" dirty="0"/>
-              <a:t>Build model which will forecast the ROI for </a:t>
+              <a:t>Recommendations also based on risk factors</a:t>
+            </a:r>
+          </a:p>
+          <a:p>
+            <a:r>
+              <a:rPr lang="en-US" dirty="0"/>
+              <a:t>Build statistical models which will forecast the ROI for </a:t>
             </a:r>
             <a:r>
               <a:rPr lang="en-US" dirty="0" err="1"/>
               <a:t>zipcodes</a:t>
             </a:r>
             <a:r>
-              <a:rPr lang="en-US"/>
+              <a:rPr lang="en-US" dirty="0"/>
               <a:t> from 4/1/2018 to 2021.</a:t>
             </a:r>
-            <a:endParaRPr lang="en-US" dirty="0"/>
           </a:p>
         </p:txBody>
       </p:sp>
@@ -3537,6 +3543,147 @@
 </file>
 
 <file path=ppt/slides/slide3.xml><?xml version="1.0" encoding="utf-8"?>
+<p:sld xmlns:a="http://schemas.openxmlformats.org/drawingml/2006/main" xmlns:r="http://schemas.openxmlformats.org/officeDocument/2006/relationships" xmlns:p="http://schemas.openxmlformats.org/presentationml/2006/main">
+  <p:cSld>
+    <p:spTree>
+      <p:nvGrpSpPr>
+        <p:cNvPr id="1" name=""/>
+        <p:cNvGrpSpPr/>
+        <p:nvPr/>
+      </p:nvGrpSpPr>
+      <p:grpSpPr>
+        <a:xfrm>
+          <a:off x="0" y="0"/>
+          <a:ext cx="0" cy="0"/>
+          <a:chOff x="0" y="0"/>
+          <a:chExt cx="0" cy="0"/>
+        </a:xfrm>
+      </p:grpSpPr>
+      <p:sp>
+        <p:nvSpPr>
+          <p:cNvPr id="2" name="Title 1">
+            <a:extLst>
+              <a:ext uri="{FF2B5EF4-FFF2-40B4-BE49-F238E27FC236}">
+                <a16:creationId xmlns:a16="http://schemas.microsoft.com/office/drawing/2014/main" id="{2B31CE1F-6FE3-E844-8513-F253A6FC89C9}"/>
+              </a:ext>
+            </a:extLst>
+          </p:cNvPr>
+          <p:cNvSpPr>
+            <a:spLocks noGrp="1"/>
+          </p:cNvSpPr>
+          <p:nvPr>
+            <p:ph type="title"/>
+          </p:nvPr>
+        </p:nvSpPr>
+        <p:spPr/>
+        <p:txBody>
+          <a:bodyPr/>
+          <a:lstStyle/>
+          <a:p>
+            <a:r>
+              <a:rPr lang="en-US" b="1" dirty="0"/>
+              <a:t>Trends in Housing Prices</a:t>
+            </a:r>
+          </a:p>
+        </p:txBody>
+      </p:sp>
+      <p:sp>
+        <p:nvSpPr>
+          <p:cNvPr id="3" name="Content Placeholder 2">
+            <a:extLst>
+              <a:ext uri="{FF2B5EF4-FFF2-40B4-BE49-F238E27FC236}">
+                <a16:creationId xmlns:a16="http://schemas.microsoft.com/office/drawing/2014/main" id="{E548CD52-3CA1-9642-BDA9-0FF86DC37BF7}"/>
+              </a:ext>
+            </a:extLst>
+          </p:cNvPr>
+          <p:cNvSpPr>
+            <a:spLocks noGrp="1"/>
+          </p:cNvSpPr>
+          <p:nvPr>
+            <p:ph sz="half" idx="1"/>
+          </p:nvPr>
+        </p:nvSpPr>
+        <p:spPr/>
+        <p:txBody>
+          <a:bodyPr/>
+          <a:lstStyle/>
+          <a:p>
+            <a:r>
+              <a:rPr lang="en-US" dirty="0"/>
+              <a:t>Housing market crash in 2008</a:t>
+            </a:r>
+          </a:p>
+        </p:txBody>
+      </p:sp>
+      <p:sp>
+        <p:nvSpPr>
+          <p:cNvPr id="4" name="Content Placeholder 3">
+            <a:extLst>
+              <a:ext uri="{FF2B5EF4-FFF2-40B4-BE49-F238E27FC236}">
+                <a16:creationId xmlns:a16="http://schemas.microsoft.com/office/drawing/2014/main" id="{98BDE718-C17F-4241-8D4D-C78528AFE2C8}"/>
+              </a:ext>
+            </a:extLst>
+          </p:cNvPr>
+          <p:cNvSpPr>
+            <a:spLocks noGrp="1"/>
+          </p:cNvSpPr>
+          <p:nvPr>
+            <p:ph sz="half" idx="2"/>
+          </p:nvPr>
+        </p:nvSpPr>
+        <p:spPr/>
+        <p:txBody>
+          <a:bodyPr/>
+          <a:lstStyle/>
+          <a:p>
+            <a:endParaRPr lang="en-US"/>
+          </a:p>
+        </p:txBody>
+      </p:sp>
+      <p:pic>
+        <p:nvPicPr>
+          <p:cNvPr id="5" name="Picture 4">
+            <a:extLst>
+              <a:ext uri="{FF2B5EF4-FFF2-40B4-BE49-F238E27FC236}">
+                <a16:creationId xmlns:a16="http://schemas.microsoft.com/office/drawing/2014/main" id="{2847CD73-BEC9-EE49-9997-E13E84F99C1C}"/>
+              </a:ext>
+            </a:extLst>
+          </p:cNvPr>
+          <p:cNvPicPr>
+            <a:picLocks noChangeAspect="1"/>
+          </p:cNvPicPr>
+          <p:nvPr/>
+        </p:nvPicPr>
+        <p:blipFill>
+          <a:blip r:embed="rId2"/>
+          <a:stretch>
+            <a:fillRect/>
+          </a:stretch>
+        </p:blipFill>
+        <p:spPr>
+          <a:xfrm>
+            <a:off x="5436306" y="1580382"/>
+            <a:ext cx="5917494" cy="4841824"/>
+          </a:xfrm>
+          <a:prstGeom prst="rect">
+            <a:avLst/>
+          </a:prstGeom>
+        </p:spPr>
+      </p:pic>
+    </p:spTree>
+    <p:extLst>
+      <p:ext uri="{BB962C8B-B14F-4D97-AF65-F5344CB8AC3E}">
+        <p14:creationId xmlns:p14="http://schemas.microsoft.com/office/powerpoint/2010/main" val="3439333596"/>
+      </p:ext>
+    </p:extLst>
+  </p:cSld>
+  <p:clrMapOvr>
+    <a:masterClrMapping/>
+  </p:clrMapOvr>
+</p:sld>
+</file>
+
+<file path=ppt/slides/slide4.xml><?xml version="1.0" encoding="utf-8"?>
 <p:sld xmlns:a="http://schemas.openxmlformats.org/drawingml/2006/main" xmlns:r="http://schemas.openxmlformats.org/officeDocument/2006/relationships" xmlns:p="http://schemas.openxmlformats.org/presentationml/2006/main">
   <p:cSld>
     <p:spTree>
@@ -3777,7 +3924,7 @@
 </p:sld>
 </file>
 
-<file path=ppt/slides/slide4.xml><?xml version="1.0" encoding="utf-8"?>
+<file path=ppt/slides/slide5.xml><?xml version="1.0" encoding="utf-8"?>
 <p:sld xmlns:a="http://schemas.openxmlformats.org/drawingml/2006/main" xmlns:r="http://schemas.openxmlformats.org/officeDocument/2006/relationships" xmlns:p="http://schemas.openxmlformats.org/presentationml/2006/main">
   <p:cSld>
     <p:spTree>
@@ -4053,7 +4200,7 @@
 </p:sld>
 </file>
 
-<file path=ppt/slides/slide5.xml><?xml version="1.0" encoding="utf-8"?>
+<file path=ppt/slides/slide6.xml><?xml version="1.0" encoding="utf-8"?>
 <p:sld xmlns:a="http://schemas.openxmlformats.org/drawingml/2006/main" xmlns:r="http://schemas.openxmlformats.org/officeDocument/2006/relationships" xmlns:p="http://schemas.openxmlformats.org/presentationml/2006/main">
   <p:cSld>
     <p:spTree>
@@ -4294,7 +4441,7 @@
 </p:sld>
 </file>
 
-<file path=ppt/slides/slide6.xml><?xml version="1.0" encoding="utf-8"?>
+<file path=ppt/slides/slide7.xml><?xml version="1.0" encoding="utf-8"?>
 <p:sld xmlns:a="http://schemas.openxmlformats.org/drawingml/2006/main" xmlns:r="http://schemas.openxmlformats.org/officeDocument/2006/relationships" xmlns:p="http://schemas.openxmlformats.org/presentationml/2006/main">
   <p:cSld>
     <p:spTree>
@@ -4552,7 +4699,7 @@
 </p:sld>
 </file>
 
-<file path=ppt/slides/slide7.xml><?xml version="1.0" encoding="utf-8"?>
+<file path=ppt/slides/slide8.xml><?xml version="1.0" encoding="utf-8"?>
 <p:sld xmlns:a="http://schemas.openxmlformats.org/drawingml/2006/main" xmlns:r="http://schemas.openxmlformats.org/officeDocument/2006/relationships" xmlns:p="http://schemas.openxmlformats.org/presentationml/2006/main">
   <p:cSld>
     <p:spTree>
@@ -4796,7 +4943,7 @@
 </p:sld>
 </file>
 
-<file path=ppt/slides/slide8.xml><?xml version="1.0" encoding="utf-8"?>
+<file path=ppt/slides/slide9.xml><?xml version="1.0" encoding="utf-8"?>
 <p:sld xmlns:a="http://schemas.openxmlformats.org/drawingml/2006/main" xmlns:r="http://schemas.openxmlformats.org/officeDocument/2006/relationships" xmlns:p="http://schemas.openxmlformats.org/presentationml/2006/main">
   <p:cSld>
     <p:spTree>
@@ -4872,7 +5019,7 @@
             </a:r>
             <a:r>
               <a:rPr lang="en-US" dirty="0"/>
-              <a:t> are: 11226, 11233, 11218, 11230, 11212</a:t>
+              <a:t> for ROI: 11226, 11233, 11218, 11230, 11212</a:t>
             </a:r>
           </a:p>
           <a:p>
@@ -4893,6 +5040,50 @@
             <a:r>
               <a:rPr lang="en-US" dirty="0"/>
               <a:t>: 11218, 11226, 11233, 11212, 11216</a:t>
+            </a:r>
+          </a:p>
+          <a:p>
+            <a:r>
+              <a:rPr lang="en-US" dirty="0"/>
+              <a:t>Winners: 11226, ranked 1</a:t>
+            </a:r>
+            <a:r>
+              <a:rPr lang="en-US" baseline="30000" dirty="0"/>
+              <a:t>st</a:t>
+            </a:r>
+            <a:r>
+              <a:rPr lang="en-US" dirty="0"/>
+              <a:t> on average &amp; w/in 3 </a:t>
+            </a:r>
+            <a:r>
+              <a:rPr lang="en-US" dirty="0" err="1"/>
+              <a:t>yrs</a:t>
+            </a:r>
+            <a:r>
+              <a:rPr lang="en-US" dirty="0"/>
+              <a:t> ROI is ranked 2</a:t>
+            </a:r>
+            <a:r>
+              <a:rPr lang="en-US" baseline="30000" dirty="0"/>
+              <a:t>nd</a:t>
+            </a:r>
+            <a:r>
+              <a:rPr lang="en-US" dirty="0"/>
+              <a:t> w/ROI 86% on upper end</a:t>
+            </a:r>
+          </a:p>
+          <a:p>
+            <a:r>
+              <a:rPr lang="en-US" dirty="0"/>
+              <a:t>Risk Assessment- only data from a </a:t>
+            </a:r>
+            <a:r>
+              <a:rPr lang="en-US" dirty="0" err="1"/>
+              <a:t>uni</a:t>
+            </a:r>
+            <a:r>
+              <a:rPr lang="en-US" dirty="0"/>
+              <a:t>-variate time series, means only considering the relationship between the y-axis value the x-axis time points.  Not considering </a:t>
             </a:r>
           </a:p>
           <a:p>

--- a/zillow_ts.pptx
+++ b/zillow_ts.pptx
@@ -14,6 +14,8 @@
     <p:sldId id="262" r:id="rId8"/>
     <p:sldId id="263" r:id="rId9"/>
     <p:sldId id="258" r:id="rId10"/>
+    <p:sldId id="265" r:id="rId11"/>
+    <p:sldId id="267" r:id="rId12"/>
   </p:sldIdLst>
   <p:sldSz cx="12192000" cy="6858000"/>
   <p:notesSz cx="6858000" cy="9144000"/>
@@ -267,7 +269,7 @@
           <a:p>
             <a:fld id="{A70138C3-DC66-AC46-BBED-5BC5CEF98FA7}" type="datetimeFigureOut">
               <a:rPr lang="en-US" smtClean="0"/>
-              <a:t>12/6/20</a:t>
+              <a:t>12/10/20</a:t>
             </a:fld>
             <a:endParaRPr lang="en-US"/>
           </a:p>
@@ -465,7 +467,7 @@
           <a:p>
             <a:fld id="{A70138C3-DC66-AC46-BBED-5BC5CEF98FA7}" type="datetimeFigureOut">
               <a:rPr lang="en-US" smtClean="0"/>
-              <a:t>12/6/20</a:t>
+              <a:t>12/10/20</a:t>
             </a:fld>
             <a:endParaRPr lang="en-US"/>
           </a:p>
@@ -673,7 +675,7 @@
           <a:p>
             <a:fld id="{A70138C3-DC66-AC46-BBED-5BC5CEF98FA7}" type="datetimeFigureOut">
               <a:rPr lang="en-US" smtClean="0"/>
-              <a:t>12/6/20</a:t>
+              <a:t>12/10/20</a:t>
             </a:fld>
             <a:endParaRPr lang="en-US"/>
           </a:p>
@@ -871,7 +873,7 @@
           <a:p>
             <a:fld id="{A70138C3-DC66-AC46-BBED-5BC5CEF98FA7}" type="datetimeFigureOut">
               <a:rPr lang="en-US" smtClean="0"/>
-              <a:t>12/6/20</a:t>
+              <a:t>12/10/20</a:t>
             </a:fld>
             <a:endParaRPr lang="en-US"/>
           </a:p>
@@ -1146,7 +1148,7 @@
           <a:p>
             <a:fld id="{A70138C3-DC66-AC46-BBED-5BC5CEF98FA7}" type="datetimeFigureOut">
               <a:rPr lang="en-US" smtClean="0"/>
-              <a:t>12/6/20</a:t>
+              <a:t>12/10/20</a:t>
             </a:fld>
             <a:endParaRPr lang="en-US"/>
           </a:p>
@@ -1411,7 +1413,7 @@
           <a:p>
             <a:fld id="{A70138C3-DC66-AC46-BBED-5BC5CEF98FA7}" type="datetimeFigureOut">
               <a:rPr lang="en-US" smtClean="0"/>
-              <a:t>12/6/20</a:t>
+              <a:t>12/10/20</a:t>
             </a:fld>
             <a:endParaRPr lang="en-US"/>
           </a:p>
@@ -1823,7 +1825,7 @@
           <a:p>
             <a:fld id="{A70138C3-DC66-AC46-BBED-5BC5CEF98FA7}" type="datetimeFigureOut">
               <a:rPr lang="en-US" smtClean="0"/>
-              <a:t>12/6/20</a:t>
+              <a:t>12/10/20</a:t>
             </a:fld>
             <a:endParaRPr lang="en-US"/>
           </a:p>
@@ -1964,7 +1966,7 @@
           <a:p>
             <a:fld id="{A70138C3-DC66-AC46-BBED-5BC5CEF98FA7}" type="datetimeFigureOut">
               <a:rPr lang="en-US" smtClean="0"/>
-              <a:t>12/6/20</a:t>
+              <a:t>12/10/20</a:t>
             </a:fld>
             <a:endParaRPr lang="en-US"/>
           </a:p>
@@ -2077,7 +2079,7 @@
           <a:p>
             <a:fld id="{A70138C3-DC66-AC46-BBED-5BC5CEF98FA7}" type="datetimeFigureOut">
               <a:rPr lang="en-US" smtClean="0"/>
-              <a:t>12/6/20</a:t>
+              <a:t>12/10/20</a:t>
             </a:fld>
             <a:endParaRPr lang="en-US"/>
           </a:p>
@@ -2388,7 +2390,7 @@
           <a:p>
             <a:fld id="{A70138C3-DC66-AC46-BBED-5BC5CEF98FA7}" type="datetimeFigureOut">
               <a:rPr lang="en-US" smtClean="0"/>
-              <a:t>12/6/20</a:t>
+              <a:t>12/10/20</a:t>
             </a:fld>
             <a:endParaRPr lang="en-US"/>
           </a:p>
@@ -2676,7 +2678,7 @@
           <a:p>
             <a:fld id="{A70138C3-DC66-AC46-BBED-5BC5CEF98FA7}" type="datetimeFigureOut">
               <a:rPr lang="en-US" smtClean="0"/>
-              <a:t>12/6/20</a:t>
+              <a:t>12/10/20</a:t>
             </a:fld>
             <a:endParaRPr lang="en-US"/>
           </a:p>
@@ -2917,7 +2919,7 @@
           <a:p>
             <a:fld id="{A70138C3-DC66-AC46-BBED-5BC5CEF98FA7}" type="datetimeFigureOut">
               <a:rPr lang="en-US" smtClean="0"/>
-              <a:t>12/6/20</a:t>
+              <a:t>12/10/20</a:t>
             </a:fld>
             <a:endParaRPr lang="en-US"/>
           </a:p>
@@ -3350,20 +3352,29 @@
             <p:ph type="ctrTitle"/>
           </p:nvPr>
         </p:nvSpPr>
-        <p:spPr/>
-        <p:txBody>
-          <a:bodyPr/>
+        <p:spPr>
+          <a:xfrm>
+            <a:off x="1524000" y="457201"/>
+            <a:ext cx="9144000" cy="1615439"/>
+          </a:xfrm>
+        </p:spPr>
+        <p:txBody>
+          <a:bodyPr>
+            <a:normAutofit fontScale="90000"/>
+          </a:bodyPr>
           <a:lstStyle/>
           <a:p>
             <a:r>
               <a:rPr lang="en-US" dirty="0"/>
               <a:t>Brooklyn </a:t>
             </a:r>
-            <a:r>
-              <a:rPr lang="en-US" dirty="0" err="1"/>
-              <a:t>Zipcodes</a:t>
-            </a:r>
-            <a:endParaRPr lang="en-US" dirty="0"/>
+            <a:br>
+              <a:rPr lang="en-US" dirty="0"/>
+            </a:br>
+            <a:r>
+              <a:rPr lang="en-US" dirty="0"/>
+              <a:t>Neighborhoods</a:t>
+            </a:r>
           </a:p>
         </p:txBody>
       </p:sp>
@@ -3383,9 +3394,16 @@
             <p:ph type="subTitle" idx="1"/>
           </p:nvPr>
         </p:nvSpPr>
-        <p:spPr/>
-        <p:txBody>
-          <a:bodyPr/>
+        <p:spPr>
+          <a:xfrm>
+            <a:off x="1524000" y="2194560"/>
+            <a:ext cx="9144000" cy="396240"/>
+          </a:xfrm>
+        </p:spPr>
+        <p:txBody>
+          <a:bodyPr>
+            <a:normAutofit lnSpcReduction="10000"/>
+          </a:bodyPr>
           <a:lstStyle/>
           <a:p>
             <a:r>
@@ -3395,10 +3413,246 @@
           </a:p>
         </p:txBody>
       </p:sp>
+      <p:pic>
+        <p:nvPicPr>
+          <p:cNvPr id="7" name="Picture 6" descr="A picture containing building, sitting, wooden, large&#10;&#10;Description automatically generated">
+            <a:extLst>
+              <a:ext uri="{FF2B5EF4-FFF2-40B4-BE49-F238E27FC236}">
+                <a16:creationId xmlns:a16="http://schemas.microsoft.com/office/drawing/2014/main" id="{A07B41E9-3479-7642-90A1-EBA190403E4D}"/>
+              </a:ext>
+            </a:extLst>
+          </p:cNvPr>
+          <p:cNvPicPr>
+            <a:picLocks noChangeAspect="1"/>
+          </p:cNvPicPr>
+          <p:nvPr/>
+        </p:nvPicPr>
+        <p:blipFill>
+          <a:blip r:embed="rId2"/>
+          <a:stretch>
+            <a:fillRect/>
+          </a:stretch>
+        </p:blipFill>
+        <p:spPr>
+          <a:xfrm>
+            <a:off x="3238500" y="2712720"/>
+            <a:ext cx="5715000" cy="3810000"/>
+          </a:xfrm>
+          <a:prstGeom prst="rect">
+            <a:avLst/>
+          </a:prstGeom>
+        </p:spPr>
+      </p:pic>
     </p:spTree>
     <p:extLst>
       <p:ext uri="{BB962C8B-B14F-4D97-AF65-F5344CB8AC3E}">
         <p14:creationId xmlns:p14="http://schemas.microsoft.com/office/powerpoint/2010/main" val="564643634"/>
+      </p:ext>
+    </p:extLst>
+  </p:cSld>
+  <p:clrMapOvr>
+    <a:masterClrMapping/>
+  </p:clrMapOvr>
+</p:sld>
+</file>
+
+<file path=ppt/slides/slide10.xml><?xml version="1.0" encoding="utf-8"?>
+<p:sld xmlns:a="http://schemas.openxmlformats.org/drawingml/2006/main" xmlns:r="http://schemas.openxmlformats.org/officeDocument/2006/relationships" xmlns:p="http://schemas.openxmlformats.org/presentationml/2006/main">
+  <p:cSld>
+    <p:spTree>
+      <p:nvGrpSpPr>
+        <p:cNvPr id="1" name=""/>
+        <p:cNvGrpSpPr/>
+        <p:nvPr/>
+      </p:nvGrpSpPr>
+      <p:grpSpPr>
+        <a:xfrm>
+          <a:off x="0" y="0"/>
+          <a:ext cx="0" cy="0"/>
+          <a:chOff x="0" y="0"/>
+          <a:chExt cx="0" cy="0"/>
+        </a:xfrm>
+      </p:grpSpPr>
+      <p:sp>
+        <p:nvSpPr>
+          <p:cNvPr id="2" name="Title 1">
+            <a:extLst>
+              <a:ext uri="{FF2B5EF4-FFF2-40B4-BE49-F238E27FC236}">
+                <a16:creationId xmlns:a16="http://schemas.microsoft.com/office/drawing/2014/main" id="{24A14185-530A-354E-863A-C7191BB1C17C}"/>
+              </a:ext>
+            </a:extLst>
+          </p:cNvPr>
+          <p:cNvSpPr>
+            <a:spLocks noGrp="1"/>
+          </p:cNvSpPr>
+          <p:nvPr>
+            <p:ph type="title"/>
+          </p:nvPr>
+        </p:nvSpPr>
+        <p:spPr>
+          <a:xfrm>
+            <a:off x="838200" y="365125"/>
+            <a:ext cx="10515600" cy="2606675"/>
+          </a:xfrm>
+        </p:spPr>
+        <p:txBody>
+          <a:bodyPr>
+            <a:normAutofit/>
+          </a:bodyPr>
+          <a:lstStyle/>
+          <a:p>
+            <a:r>
+              <a:rPr lang="en-US" dirty="0"/>
+              <a:t>Thank You</a:t>
+            </a:r>
+            <a:br>
+              <a:rPr lang="en-US" dirty="0"/>
+            </a:br>
+            <a:br>
+              <a:rPr lang="en-US" dirty="0"/>
+            </a:br>
+            <a:r>
+              <a:rPr lang="en-US" sz="2200" dirty="0"/>
+              <a:t>Thank you for taking the time to listen to my presentation today. Hopefully, you found it helpful.  If you have any questions, please don’t hesitate to reach out to me.  I can be reached via email or my cell</a:t>
+            </a:r>
+          </a:p>
+        </p:txBody>
+      </p:sp>
+    </p:spTree>
+    <p:extLst>
+      <p:ext uri="{BB962C8B-B14F-4D97-AF65-F5344CB8AC3E}">
+        <p14:creationId xmlns:p14="http://schemas.microsoft.com/office/powerpoint/2010/main" val="1425670410"/>
+      </p:ext>
+    </p:extLst>
+  </p:cSld>
+  <p:clrMapOvr>
+    <a:masterClrMapping/>
+  </p:clrMapOvr>
+</p:sld>
+</file>
+
+<file path=ppt/slides/slide11.xml><?xml version="1.0" encoding="utf-8"?>
+<p:sld xmlns:a="http://schemas.openxmlformats.org/drawingml/2006/main" xmlns:r="http://schemas.openxmlformats.org/officeDocument/2006/relationships" xmlns:p="http://schemas.openxmlformats.org/presentationml/2006/main">
+  <p:cSld>
+    <p:spTree>
+      <p:nvGrpSpPr>
+        <p:cNvPr id="1" name=""/>
+        <p:cNvGrpSpPr/>
+        <p:nvPr/>
+      </p:nvGrpSpPr>
+      <p:grpSpPr>
+        <a:xfrm>
+          <a:off x="0" y="0"/>
+          <a:ext cx="0" cy="0"/>
+          <a:chOff x="0" y="0"/>
+          <a:chExt cx="0" cy="0"/>
+        </a:xfrm>
+      </p:grpSpPr>
+      <p:sp>
+        <p:nvSpPr>
+          <p:cNvPr id="2" name="TextBox 1">
+            <a:extLst>
+              <a:ext uri="{FF2B5EF4-FFF2-40B4-BE49-F238E27FC236}">
+                <a16:creationId xmlns:a16="http://schemas.microsoft.com/office/drawing/2014/main" id="{8E9EDEFF-2A4A-3743-B0B1-A562394C151E}"/>
+              </a:ext>
+            </a:extLst>
+          </p:cNvPr>
+          <p:cNvSpPr txBox="1"/>
+          <p:nvPr/>
+        </p:nvSpPr>
+        <p:spPr>
+          <a:xfrm>
+            <a:off x="1310640" y="579120"/>
+            <a:ext cx="10881360" cy="2031325"/>
+          </a:xfrm>
+          <a:prstGeom prst="rect">
+            <a:avLst/>
+          </a:prstGeom>
+          <a:noFill/>
+        </p:spPr>
+        <p:txBody>
+          <a:bodyPr wrap="square" rtlCol="0">
+            <a:spAutoFit/>
+          </a:bodyPr>
+          <a:lstStyle/>
+          <a:p>
+            <a:r>
+              <a:rPr lang="en-US" dirty="0"/>
+              <a:t>If I had more time I would work on the following parts to the model:</a:t>
+            </a:r>
+          </a:p>
+          <a:p>
+            <a:endParaRPr lang="en-US" dirty="0"/>
+          </a:p>
+          <a:p>
+            <a:pPr marL="342900" indent="-342900">
+              <a:buAutoNum type="arabicPeriod"/>
+            </a:pPr>
+            <a:r>
+              <a:rPr lang="en-US" dirty="0"/>
+              <a:t>I would add </a:t>
+            </a:r>
+            <a:r>
+              <a:rPr lang="en-US" dirty="0" err="1"/>
+              <a:t>plotly</a:t>
+            </a:r>
+            <a:r>
+              <a:rPr lang="en-US" dirty="0"/>
+              <a:t> or dashboard to my model.  It needs to be interactive where user can adjust the time period </a:t>
+            </a:r>
+          </a:p>
+          <a:p>
+            <a:r>
+              <a:rPr lang="en-US" dirty="0"/>
+              <a:t>      for forecasting moving a bar. </a:t>
+            </a:r>
+          </a:p>
+          <a:p>
+            <a:r>
+              <a:rPr lang="en-US" dirty="0"/>
+              <a:t> </a:t>
+            </a:r>
+          </a:p>
+          <a:p>
+            <a:pPr marL="342900" indent="-342900">
+              <a:buAutoNum type="arabicPeriod" startAt="2"/>
+            </a:pPr>
+            <a:r>
+              <a:rPr lang="en-US" dirty="0"/>
+              <a:t>Need to explore what the risk aspects are to investing in these </a:t>
+            </a:r>
+            <a:r>
+              <a:rPr lang="en-US" dirty="0" err="1"/>
+              <a:t>xipcodes</a:t>
+            </a:r>
+            <a:r>
+              <a:rPr lang="en-US" dirty="0"/>
+              <a:t>.</a:t>
+            </a:r>
+          </a:p>
+          <a:p>
+            <a:pPr marL="342900" indent="-342900">
+              <a:buAutoNum type="arabicPeriod" startAt="2"/>
+            </a:pPr>
+            <a:r>
+              <a:rPr lang="en-US" dirty="0"/>
+              <a:t>Want to create models that consider other features besides average </a:t>
+            </a:r>
+            <a:r>
+              <a:rPr lang="en-US" dirty="0" err="1"/>
+              <a:t>montly</a:t>
+            </a:r>
+            <a:r>
+              <a:rPr lang="en-US" dirty="0"/>
+              <a:t> sales price.</a:t>
+            </a:r>
+          </a:p>
+        </p:txBody>
+      </p:sp>
+    </p:spTree>
+    <p:extLst>
+      <p:ext uri="{BB962C8B-B14F-4D97-AF65-F5344CB8AC3E}">
+        <p14:creationId xmlns:p14="http://schemas.microsoft.com/office/powerpoint/2010/main" val="1758168217"/>
       </p:ext>
     </p:extLst>
   </p:cSld>
@@ -3582,7 +3836,7 @@
           <a:p>
             <a:r>
               <a:rPr lang="en-US" b="1" dirty="0"/>
-              <a:t>Trends in Housing Prices</a:t>
+              <a:t>Trends in Housing Prices up to 4-1-2018</a:t>
             </a:r>
           </a:p>
         </p:txBody>
@@ -3603,37 +3857,142 @@
             <p:ph sz="half" idx="1"/>
           </p:nvPr>
         </p:nvSpPr>
+        <p:spPr>
+          <a:xfrm>
+            <a:off x="838200" y="1825625"/>
+            <a:ext cx="4800600" cy="4841824"/>
+          </a:xfrm>
+        </p:spPr>
+        <p:txBody>
+          <a:bodyPr>
+            <a:normAutofit lnSpcReduction="10000"/>
+          </a:bodyPr>
+          <a:lstStyle/>
+          <a:p>
+            <a:r>
+              <a:rPr lang="en-US" dirty="0"/>
+              <a:t>Housing market crash in 2008</a:t>
+            </a:r>
+          </a:p>
+          <a:p>
+            <a:r>
+              <a:rPr lang="en-US" dirty="0"/>
+              <a:t>11217 (gray)       3.5+</a:t>
+            </a:r>
+          </a:p>
+          <a:p>
+            <a:pPr marL="0" indent="0">
+              <a:buNone/>
+            </a:pPr>
+            <a:r>
+              <a:rPr lang="en-US" dirty="0"/>
+              <a:t>   High:    3,656,000</a:t>
+            </a:r>
+          </a:p>
+          <a:p>
+            <a:pPr marL="0" indent="0">
+              <a:buNone/>
+            </a:pPr>
+            <a:r>
+              <a:rPr lang="en-US" dirty="0"/>
+              <a:t>   Mean: 1,647,587</a:t>
+            </a:r>
+          </a:p>
+          <a:p>
+            <a:pPr marL="0" indent="0">
+              <a:buNone/>
+            </a:pPr>
+            <a:r>
+              <a:rPr lang="en-US" dirty="0"/>
+              <a:t>   ROI -3</a:t>
+            </a:r>
+            <a:r>
+              <a:rPr lang="en-US" baseline="30000" dirty="0"/>
+              <a:t>rd</a:t>
+            </a:r>
+            <a:r>
+              <a:rPr lang="en-US" dirty="0"/>
+              <a:t> yr.</a:t>
+            </a:r>
+          </a:p>
+          <a:p>
+            <a:r>
+              <a:rPr lang="en-US" dirty="0"/>
+              <a:t>11218 (brown)   3.0</a:t>
+            </a:r>
+          </a:p>
+          <a:p>
+            <a:r>
+              <a:rPr lang="en-US" dirty="0"/>
+              <a:t>11205                  2.25</a:t>
+            </a:r>
+          </a:p>
+          <a:p>
+            <a:r>
+              <a:rPr lang="en-US" dirty="0"/>
+              <a:t>11215 (</a:t>
+            </a:r>
+            <a:r>
+              <a:rPr lang="en-US" dirty="0" err="1"/>
+              <a:t>acqua</a:t>
+            </a:r>
+            <a:r>
+              <a:rPr lang="en-US" dirty="0"/>
+              <a:t>)    2.25</a:t>
+            </a:r>
+          </a:p>
+          <a:p>
+            <a:r>
+              <a:rPr lang="en-US" dirty="0"/>
+              <a:t>11212   428,400</a:t>
+            </a:r>
+          </a:p>
+          <a:p>
+            <a:pPr marL="0" indent="0">
+              <a:buNone/>
+            </a:pPr>
+            <a:r>
+              <a:rPr lang="en-US" dirty="0"/>
+              <a:t>   ROI-3</a:t>
+            </a:r>
+            <a:r>
+              <a:rPr lang="en-US" baseline="30000" dirty="0"/>
+              <a:t>rd</a:t>
+            </a:r>
+            <a:r>
+              <a:rPr lang="en-US" dirty="0"/>
+              <a:t> yr. </a:t>
+            </a:r>
+          </a:p>
+          <a:p>
+            <a:endParaRPr lang="en-US" dirty="0"/>
+          </a:p>
+          <a:p>
+            <a:endParaRPr lang="en-US" dirty="0"/>
+          </a:p>
+        </p:txBody>
+      </p:sp>
+      <p:sp>
+        <p:nvSpPr>
+          <p:cNvPr id="4" name="Content Placeholder 3">
+            <a:extLst>
+              <a:ext uri="{FF2B5EF4-FFF2-40B4-BE49-F238E27FC236}">
+                <a16:creationId xmlns:a16="http://schemas.microsoft.com/office/drawing/2014/main" id="{98BDE718-C17F-4241-8D4D-C78528AFE2C8}"/>
+              </a:ext>
+            </a:extLst>
+          </p:cNvPr>
+          <p:cNvSpPr>
+            <a:spLocks noGrp="1"/>
+          </p:cNvSpPr>
+          <p:nvPr>
+            <p:ph sz="half" idx="2"/>
+          </p:nvPr>
+        </p:nvSpPr>
         <p:spPr/>
         <p:txBody>
-          <a:bodyPr/>
-          <a:lstStyle/>
-          <a:p>
-            <a:r>
-              <a:rPr lang="en-US" dirty="0"/>
-              <a:t>Housing market crash in 2008</a:t>
-            </a:r>
-          </a:p>
-        </p:txBody>
-      </p:sp>
-      <p:sp>
-        <p:nvSpPr>
-          <p:cNvPr id="4" name="Content Placeholder 3">
-            <a:extLst>
-              <a:ext uri="{FF2B5EF4-FFF2-40B4-BE49-F238E27FC236}">
-                <a16:creationId xmlns:a16="http://schemas.microsoft.com/office/drawing/2014/main" id="{98BDE718-C17F-4241-8D4D-C78528AFE2C8}"/>
-              </a:ext>
-            </a:extLst>
-          </p:cNvPr>
-          <p:cNvSpPr>
-            <a:spLocks noGrp="1"/>
-          </p:cNvSpPr>
-          <p:nvPr>
-            <p:ph sz="half" idx="2"/>
-          </p:nvPr>
-        </p:nvSpPr>
-        <p:spPr/>
-        <p:txBody>
-          <a:bodyPr/>
+          <a:bodyPr>
+            <a:normAutofit lnSpcReduction="10000"/>
+          </a:bodyPr>
           <a:lstStyle/>
           <a:p>
             <a:endParaRPr lang="en-US"/>
@@ -3663,7 +4022,7 @@
         <p:spPr>
           <a:xfrm>
             <a:off x="5436306" y="1580382"/>
-            <a:ext cx="5917494" cy="4841824"/>
+            <a:ext cx="5917494" cy="5277618"/>
           </a:xfrm>
           <a:prstGeom prst="rect">
             <a:avLst/>
@@ -4366,6 +4725,32 @@
             <a:endParaRPr lang="en-US" dirty="0"/>
           </a:p>
           <a:p>
+            <a:r>
+              <a:rPr lang="en-US" dirty="0"/>
+              <a:t>1</a:t>
+            </a:r>
+            <a:r>
+              <a:rPr lang="en-US" baseline="30000" dirty="0"/>
+              <a:t>st</a:t>
+            </a:r>
+            <a:r>
+              <a:rPr lang="en-US" dirty="0"/>
+              <a:t>  for 3yr. investment</a:t>
+            </a:r>
+          </a:p>
+          <a:p>
+            <a:pPr marL="0" indent="0">
+              <a:buNone/>
+            </a:pPr>
+            <a:endParaRPr lang="en-US" dirty="0"/>
+          </a:p>
+          <a:p>
+            <a:pPr marL="0" indent="0">
+              <a:buNone/>
+            </a:pPr>
+            <a:endParaRPr lang="en-US" dirty="0"/>
+          </a:p>
+          <a:p>
             <a:endParaRPr lang="en-US" dirty="0"/>
           </a:p>
         </p:txBody>
@@ -4976,13 +5361,19 @@
             <p:ph type="title"/>
           </p:nvPr>
         </p:nvSpPr>
-        <p:spPr/>
-        <p:txBody>
-          <a:bodyPr/>
-          <a:lstStyle/>
-          <a:p>
-            <a:r>
-              <a:rPr lang="en-US" dirty="0"/>
+        <p:spPr>
+          <a:xfrm>
+            <a:off x="838200" y="365125"/>
+            <a:ext cx="10515600" cy="854075"/>
+          </a:xfrm>
+        </p:spPr>
+        <p:txBody>
+          <a:bodyPr/>
+          <a:lstStyle/>
+          <a:p>
+            <a:pPr algn="ctr"/>
+            <a:r>
+              <a:rPr lang="en-US" b="1" dirty="0"/>
               <a:t>Recommendations</a:t>
             </a:r>
           </a:p>
@@ -5004,9 +5395,16 @@
             <p:ph idx="1"/>
           </p:nvPr>
         </p:nvSpPr>
-        <p:spPr/>
-        <p:txBody>
-          <a:bodyPr/>
+        <p:spPr>
+          <a:xfrm>
+            <a:off x="838200" y="1219200"/>
+            <a:ext cx="10515600" cy="4957763"/>
+          </a:xfrm>
+        </p:spPr>
+        <p:txBody>
+          <a:bodyPr>
+            <a:normAutofit/>
+          </a:bodyPr>
           <a:lstStyle/>
           <a:p>
             <a:r>
@@ -5019,13 +5417,13 @@
             </a:r>
             <a:r>
               <a:rPr lang="en-US" dirty="0"/>
-              <a:t> for ROI: 11226, 11233, 11218, 11230, 11212</a:t>
-            </a:r>
-          </a:p>
-          <a:p>
-            <a:r>
-              <a:rPr lang="en-US" dirty="0"/>
-              <a:t>ROI w/in 1 yr.: 11217, 11238,11230, 11229, 11233</a:t>
+              <a:t> for ROI: 11226 (37%),  11233(43%),  11218(38%), 11230(38%),  11212(37%)</a:t>
+            </a:r>
+          </a:p>
+          <a:p>
+            <a:r>
+              <a:rPr lang="en-US" dirty="0"/>
+              <a:t>ROI w/in 1 yr. (low): 11217, 11238,11230, 11229, 11233</a:t>
             </a:r>
           </a:p>
           <a:p>
@@ -5039,7 +5437,7 @@
             </a:r>
             <a:r>
               <a:rPr lang="en-US" dirty="0"/>
-              <a:t>: 11218, 11226, 11233, 11212, 11216</a:t>
+              <a:t> (upper): 11218, 11226, 11233, 11212, 11216</a:t>
             </a:r>
           </a:p>
           <a:p>
@@ -5073,6 +5471,39 @@
             </a:r>
           </a:p>
           <a:p>
+            <a:pPr marL="0" indent="0">
+              <a:buNone/>
+            </a:pPr>
+            <a:r>
+              <a:rPr lang="en-US" dirty="0"/>
+              <a:t>   11230: ranked 3</a:t>
+            </a:r>
+            <a:r>
+              <a:rPr lang="en-US" baseline="30000" dirty="0"/>
+              <a:t>rd</a:t>
+            </a:r>
+            <a:r>
+              <a:rPr lang="en-US" dirty="0"/>
+              <a:t> for 1</a:t>
+            </a:r>
+            <a:r>
+              <a:rPr lang="en-US" baseline="30000" dirty="0"/>
+              <a:t>st</a:t>
+            </a:r>
+            <a:r>
+              <a:rPr lang="en-US" dirty="0"/>
+              <a:t> year;  11233 ranked for 3</a:t>
+            </a:r>
+            <a:r>
+              <a:rPr lang="en-US" baseline="30000" dirty="0"/>
+              <a:t>rd</a:t>
+            </a:r>
+            <a:r>
+              <a:rPr lang="en-US" dirty="0"/>
+              <a:t> yr. </a:t>
+            </a:r>
+          </a:p>
+          <a:p>
             <a:r>
               <a:rPr lang="en-US" dirty="0"/>
               <a:t>Risk Assessment- only data from a </a:t>
@@ -5083,7 +5514,7 @@
             </a:r>
             <a:r>
               <a:rPr lang="en-US" dirty="0"/>
-              <a:t>-variate time series, means only considering the relationship between the y-axis value the x-axis time points.  Not considering </a:t>
+              <a:t>-variate time series, means only considering the relationship between the average monthly home prices and  the date time points.  Not considering factors such income, geography etc. </a:t>
             </a:r>
           </a:p>
           <a:p>

--- a/zillow_ts.pptx
+++ b/zillow_ts.pptx
@@ -7,15 +7,20 @@
   <p:sldIdLst>
     <p:sldId id="256" r:id="rId2"/>
     <p:sldId id="257" r:id="rId3"/>
-    <p:sldId id="264" r:id="rId4"/>
-    <p:sldId id="259" r:id="rId5"/>
-    <p:sldId id="260" r:id="rId6"/>
-    <p:sldId id="261" r:id="rId7"/>
-    <p:sldId id="262" r:id="rId8"/>
-    <p:sldId id="263" r:id="rId9"/>
-    <p:sldId id="258" r:id="rId10"/>
-    <p:sldId id="265" r:id="rId11"/>
-    <p:sldId id="267" r:id="rId12"/>
+    <p:sldId id="268" r:id="rId4"/>
+    <p:sldId id="264" r:id="rId5"/>
+    <p:sldId id="269" r:id="rId6"/>
+    <p:sldId id="259" r:id="rId7"/>
+    <p:sldId id="260" r:id="rId8"/>
+    <p:sldId id="261" r:id="rId9"/>
+    <p:sldId id="262" r:id="rId10"/>
+    <p:sldId id="263" r:id="rId11"/>
+    <p:sldId id="258" r:id="rId12"/>
+    <p:sldId id="270" r:id="rId13"/>
+    <p:sldId id="271" r:id="rId14"/>
+    <p:sldId id="272" r:id="rId15"/>
+    <p:sldId id="265" r:id="rId16"/>
+    <p:sldId id="267" r:id="rId17"/>
   </p:sldIdLst>
   <p:sldSz cx="12192000" cy="6858000"/>
   <p:notesSz cx="6858000" cy="9144000"/>
@@ -269,7 +274,7 @@
           <a:p>
             <a:fld id="{A70138C3-DC66-AC46-BBED-5BC5CEF98FA7}" type="datetimeFigureOut">
               <a:rPr lang="en-US" smtClean="0"/>
-              <a:t>12/10/20</a:t>
+              <a:t>12/14/20</a:t>
             </a:fld>
             <a:endParaRPr lang="en-US"/>
           </a:p>
@@ -467,7 +472,7 @@
           <a:p>
             <a:fld id="{A70138C3-DC66-AC46-BBED-5BC5CEF98FA7}" type="datetimeFigureOut">
               <a:rPr lang="en-US" smtClean="0"/>
-              <a:t>12/10/20</a:t>
+              <a:t>12/14/20</a:t>
             </a:fld>
             <a:endParaRPr lang="en-US"/>
           </a:p>
@@ -675,7 +680,7 @@
           <a:p>
             <a:fld id="{A70138C3-DC66-AC46-BBED-5BC5CEF98FA7}" type="datetimeFigureOut">
               <a:rPr lang="en-US" smtClean="0"/>
-              <a:t>12/10/20</a:t>
+              <a:t>12/14/20</a:t>
             </a:fld>
             <a:endParaRPr lang="en-US"/>
           </a:p>
@@ -873,7 +878,7 @@
           <a:p>
             <a:fld id="{A70138C3-DC66-AC46-BBED-5BC5CEF98FA7}" type="datetimeFigureOut">
               <a:rPr lang="en-US" smtClean="0"/>
-              <a:t>12/10/20</a:t>
+              <a:t>12/14/20</a:t>
             </a:fld>
             <a:endParaRPr lang="en-US"/>
           </a:p>
@@ -1148,7 +1153,7 @@
           <a:p>
             <a:fld id="{A70138C3-DC66-AC46-BBED-5BC5CEF98FA7}" type="datetimeFigureOut">
               <a:rPr lang="en-US" smtClean="0"/>
-              <a:t>12/10/20</a:t>
+              <a:t>12/14/20</a:t>
             </a:fld>
             <a:endParaRPr lang="en-US"/>
           </a:p>
@@ -1413,7 +1418,7 @@
           <a:p>
             <a:fld id="{A70138C3-DC66-AC46-BBED-5BC5CEF98FA7}" type="datetimeFigureOut">
               <a:rPr lang="en-US" smtClean="0"/>
-              <a:t>12/10/20</a:t>
+              <a:t>12/14/20</a:t>
             </a:fld>
             <a:endParaRPr lang="en-US"/>
           </a:p>
@@ -1825,7 +1830,7 @@
           <a:p>
             <a:fld id="{A70138C3-DC66-AC46-BBED-5BC5CEF98FA7}" type="datetimeFigureOut">
               <a:rPr lang="en-US" smtClean="0"/>
-              <a:t>12/10/20</a:t>
+              <a:t>12/14/20</a:t>
             </a:fld>
             <a:endParaRPr lang="en-US"/>
           </a:p>
@@ -1966,7 +1971,7 @@
           <a:p>
             <a:fld id="{A70138C3-DC66-AC46-BBED-5BC5CEF98FA7}" type="datetimeFigureOut">
               <a:rPr lang="en-US" smtClean="0"/>
-              <a:t>12/10/20</a:t>
+              <a:t>12/14/20</a:t>
             </a:fld>
             <a:endParaRPr lang="en-US"/>
           </a:p>
@@ -2079,7 +2084,7 @@
           <a:p>
             <a:fld id="{A70138C3-DC66-AC46-BBED-5BC5CEF98FA7}" type="datetimeFigureOut">
               <a:rPr lang="en-US" smtClean="0"/>
-              <a:t>12/10/20</a:t>
+              <a:t>12/14/20</a:t>
             </a:fld>
             <a:endParaRPr lang="en-US"/>
           </a:p>
@@ -2390,7 +2395,7 @@
           <a:p>
             <a:fld id="{A70138C3-DC66-AC46-BBED-5BC5CEF98FA7}" type="datetimeFigureOut">
               <a:rPr lang="en-US" smtClean="0"/>
-              <a:t>12/10/20</a:t>
+              <a:t>12/14/20</a:t>
             </a:fld>
             <a:endParaRPr lang="en-US"/>
           </a:p>
@@ -2678,7 +2683,7 @@
           <a:p>
             <a:fld id="{A70138C3-DC66-AC46-BBED-5BC5CEF98FA7}" type="datetimeFigureOut">
               <a:rPr lang="en-US" smtClean="0"/>
-              <a:t>12/10/20</a:t>
+              <a:t>12/14/20</a:t>
             </a:fld>
             <a:endParaRPr lang="en-US"/>
           </a:p>
@@ -2919,7 +2924,7 @@
           <a:p>
             <a:fld id="{A70138C3-DC66-AC46-BBED-5BC5CEF98FA7}" type="datetimeFigureOut">
               <a:rPr lang="en-US" smtClean="0"/>
-              <a:t>12/10/20</a:t>
+              <a:t>12/14/20</a:t>
             </a:fld>
             <a:endParaRPr lang="en-US"/>
           </a:p>
@@ -3478,6 +3483,884 @@
           <p:cNvPr id="2" name="Title 1">
             <a:extLst>
               <a:ext uri="{FF2B5EF4-FFF2-40B4-BE49-F238E27FC236}">
+                <a16:creationId xmlns:a16="http://schemas.microsoft.com/office/drawing/2014/main" id="{89800C5F-571B-6345-942C-508BCBD85D88}"/>
+              </a:ext>
+            </a:extLst>
+          </p:cNvPr>
+          <p:cNvSpPr>
+            <a:spLocks noGrp="1"/>
+          </p:cNvSpPr>
+          <p:nvPr>
+            <p:ph type="title"/>
+          </p:nvPr>
+        </p:nvSpPr>
+        <p:spPr/>
+        <p:txBody>
+          <a:bodyPr>
+            <a:normAutofit fontScale="90000"/>
+          </a:bodyPr>
+          <a:lstStyle/>
+          <a:p>
+            <a:br>
+              <a:rPr lang="en-US" sz="2200" dirty="0"/>
+            </a:br>
+            <a:br>
+              <a:rPr lang="en-US" sz="2200" dirty="0"/>
+            </a:br>
+            <a:r>
+              <a:rPr lang="en-US" sz="3300" b="1" dirty="0" err="1"/>
+              <a:t>Zipcode</a:t>
+            </a:r>
+            <a:r>
+              <a:rPr lang="en-US" sz="3300" b="1" dirty="0"/>
+              <a:t>: 11212</a:t>
+            </a:r>
+            <a:br>
+              <a:rPr lang="en-US" sz="2200" dirty="0"/>
+            </a:br>
+            <a:br>
+              <a:rPr lang="en-US" sz="2200" dirty="0"/>
+            </a:br>
+            <a:r>
+              <a:rPr lang="en-US" sz="2200" dirty="0"/>
+              <a:t>ROI                1</a:t>
+            </a:r>
+            <a:r>
+              <a:rPr lang="en-US" sz="2200" baseline="30000" dirty="0"/>
+              <a:t>st</a:t>
+            </a:r>
+            <a:r>
+              <a:rPr lang="en-US" sz="2200" dirty="0"/>
+              <a:t> yr.              3</a:t>
+            </a:r>
+            <a:r>
+              <a:rPr lang="en-US" sz="2200" baseline="30000" dirty="0"/>
+              <a:t>rd</a:t>
+            </a:r>
+            <a:r>
+              <a:rPr lang="en-US" sz="2200" dirty="0"/>
+              <a:t> yr. </a:t>
+            </a:r>
+            <a:br>
+              <a:rPr lang="en-US" sz="2200" dirty="0"/>
+            </a:br>
+            <a:r>
+              <a:rPr lang="en-US" sz="2200" dirty="0"/>
+              <a:t> 0.371624    -0.027713      0.77096</a:t>
+            </a:r>
+            <a:br>
+              <a:rPr lang="en-US" sz="2200" dirty="0"/>
+            </a:br>
+            <a:br>
+              <a:rPr lang="en-US" sz="2200" dirty="0"/>
+            </a:br>
+            <a:endParaRPr lang="en-US" sz="2200" dirty="0"/>
+          </a:p>
+        </p:txBody>
+      </p:sp>
+      <p:sp>
+        <p:nvSpPr>
+          <p:cNvPr id="3" name="Content Placeholder 2">
+            <a:extLst>
+              <a:ext uri="{FF2B5EF4-FFF2-40B4-BE49-F238E27FC236}">
+                <a16:creationId xmlns:a16="http://schemas.microsoft.com/office/drawing/2014/main" id="{BDEB33CD-10F8-6241-A7A5-4DB3C979965F}"/>
+              </a:ext>
+            </a:extLst>
+          </p:cNvPr>
+          <p:cNvSpPr>
+            <a:spLocks noGrp="1"/>
+          </p:cNvSpPr>
+          <p:nvPr>
+            <p:ph sz="half" idx="1"/>
+          </p:nvPr>
+        </p:nvSpPr>
+        <p:spPr>
+          <a:xfrm>
+            <a:off x="838200" y="1825625"/>
+            <a:ext cx="4003623" cy="4351338"/>
+          </a:xfrm>
+        </p:spPr>
+        <p:txBody>
+          <a:bodyPr/>
+          <a:lstStyle/>
+          <a:p>
+            <a:r>
+              <a:rPr lang="en-US" dirty="0"/>
+              <a:t>Average ROI 37%</a:t>
+            </a:r>
+          </a:p>
+          <a:p>
+            <a:r>
+              <a:rPr lang="en-US" dirty="0"/>
+              <a:t>1</a:t>
+            </a:r>
+            <a:r>
+              <a:rPr lang="en-US" baseline="30000" dirty="0"/>
+              <a:t>st</a:t>
+            </a:r>
+            <a:r>
+              <a:rPr lang="en-US" dirty="0"/>
+              <a:t> yr. -2%</a:t>
+            </a:r>
+          </a:p>
+          <a:p>
+            <a:r>
+              <a:rPr lang="en-US" dirty="0"/>
+              <a:t>3</a:t>
+            </a:r>
+            <a:r>
+              <a:rPr lang="en-US" baseline="30000" dirty="0"/>
+              <a:t>rd</a:t>
+            </a:r>
+            <a:r>
+              <a:rPr lang="en-US" dirty="0"/>
+              <a:t> yr. 77%</a:t>
+            </a:r>
+          </a:p>
+          <a:p>
+            <a:pPr marL="0" indent="0">
+              <a:buNone/>
+            </a:pPr>
+            <a:r>
+              <a:rPr lang="en-US" dirty="0"/>
+              <a:t>   </a:t>
+            </a:r>
+          </a:p>
+          <a:p>
+            <a:pPr marL="0" indent="0">
+              <a:buNone/>
+            </a:pPr>
+            <a:endParaRPr lang="en-US" dirty="0"/>
+          </a:p>
+          <a:p>
+            <a:endParaRPr lang="en-US" dirty="0"/>
+          </a:p>
+        </p:txBody>
+      </p:sp>
+      <p:sp>
+        <p:nvSpPr>
+          <p:cNvPr id="4" name="Content Placeholder 3">
+            <a:extLst>
+              <a:ext uri="{FF2B5EF4-FFF2-40B4-BE49-F238E27FC236}">
+                <a16:creationId xmlns:a16="http://schemas.microsoft.com/office/drawing/2014/main" id="{2EB85BBF-B8E0-594E-AC07-6725C8C5E620}"/>
+              </a:ext>
+            </a:extLst>
+          </p:cNvPr>
+          <p:cNvSpPr>
+            <a:spLocks noGrp="1"/>
+          </p:cNvSpPr>
+          <p:nvPr>
+            <p:ph sz="half" idx="2"/>
+          </p:nvPr>
+        </p:nvSpPr>
+        <p:spPr/>
+        <p:txBody>
+          <a:bodyPr/>
+          <a:lstStyle/>
+          <a:p>
+            <a:pPr marL="0" indent="0">
+              <a:buNone/>
+            </a:pPr>
+            <a:endParaRPr lang="en-US" dirty="0"/>
+          </a:p>
+        </p:txBody>
+      </p:sp>
+      <p:pic>
+        <p:nvPicPr>
+          <p:cNvPr id="6" name="Picture 5">
+            <a:extLst>
+              <a:ext uri="{FF2B5EF4-FFF2-40B4-BE49-F238E27FC236}">
+                <a16:creationId xmlns:a16="http://schemas.microsoft.com/office/drawing/2014/main" id="{C5075A4D-0DB4-F146-9660-5C10ACE9393A}"/>
+              </a:ext>
+            </a:extLst>
+          </p:cNvPr>
+          <p:cNvPicPr>
+            <a:picLocks noChangeAspect="1"/>
+          </p:cNvPicPr>
+          <p:nvPr/>
+        </p:nvPicPr>
+        <p:blipFill>
+          <a:blip r:embed="rId2"/>
+          <a:stretch>
+            <a:fillRect/>
+          </a:stretch>
+        </p:blipFill>
+        <p:spPr>
+          <a:xfrm>
+            <a:off x="5638800" y="1582616"/>
+            <a:ext cx="5715000" cy="5072184"/>
+          </a:xfrm>
+          <a:prstGeom prst="rect">
+            <a:avLst/>
+          </a:prstGeom>
+        </p:spPr>
+      </p:pic>
+    </p:spTree>
+    <p:extLst>
+      <p:ext uri="{BB962C8B-B14F-4D97-AF65-F5344CB8AC3E}">
+        <p14:creationId xmlns:p14="http://schemas.microsoft.com/office/powerpoint/2010/main" val="2146623399"/>
+      </p:ext>
+    </p:extLst>
+  </p:cSld>
+  <p:clrMapOvr>
+    <a:masterClrMapping/>
+  </p:clrMapOvr>
+</p:sld>
+</file>
+
+<file path=ppt/slides/slide11.xml><?xml version="1.0" encoding="utf-8"?>
+<p:sld xmlns:a="http://schemas.openxmlformats.org/drawingml/2006/main" xmlns:r="http://schemas.openxmlformats.org/officeDocument/2006/relationships" xmlns:p="http://schemas.openxmlformats.org/presentationml/2006/main">
+  <p:cSld>
+    <p:spTree>
+      <p:nvGrpSpPr>
+        <p:cNvPr id="1" name=""/>
+        <p:cNvGrpSpPr/>
+        <p:nvPr/>
+      </p:nvGrpSpPr>
+      <p:grpSpPr>
+        <a:xfrm>
+          <a:off x="0" y="0"/>
+          <a:ext cx="0" cy="0"/>
+          <a:chOff x="0" y="0"/>
+          <a:chExt cx="0" cy="0"/>
+        </a:xfrm>
+      </p:grpSpPr>
+      <p:sp>
+        <p:nvSpPr>
+          <p:cNvPr id="2" name="Title 1">
+            <a:extLst>
+              <a:ext uri="{FF2B5EF4-FFF2-40B4-BE49-F238E27FC236}">
+                <a16:creationId xmlns:a16="http://schemas.microsoft.com/office/drawing/2014/main" id="{CAD467CA-FD46-EC46-A121-B14218D54329}"/>
+              </a:ext>
+            </a:extLst>
+          </p:cNvPr>
+          <p:cNvSpPr>
+            <a:spLocks noGrp="1"/>
+          </p:cNvSpPr>
+          <p:nvPr>
+            <p:ph type="title"/>
+          </p:nvPr>
+        </p:nvSpPr>
+        <p:spPr>
+          <a:xfrm>
+            <a:off x="838200" y="365125"/>
+            <a:ext cx="10515600" cy="854075"/>
+          </a:xfrm>
+        </p:spPr>
+        <p:txBody>
+          <a:bodyPr>
+            <a:normAutofit fontScale="90000"/>
+          </a:bodyPr>
+          <a:lstStyle/>
+          <a:p>
+            <a:pPr algn="ctr"/>
+            <a:r>
+              <a:rPr lang="en-US" b="1" dirty="0"/>
+              <a:t>Recommendations</a:t>
+            </a:r>
+            <a:br>
+              <a:rPr lang="en-US" b="1" dirty="0"/>
+            </a:br>
+            <a:r>
+              <a:rPr lang="en-US" sz="3300" b="1" dirty="0"/>
+              <a:t>Mean ROI</a:t>
+            </a:r>
+          </a:p>
+        </p:txBody>
+      </p:sp>
+      <p:sp>
+        <p:nvSpPr>
+          <p:cNvPr id="3" name="Content Placeholder 2">
+            <a:extLst>
+              <a:ext uri="{FF2B5EF4-FFF2-40B4-BE49-F238E27FC236}">
+                <a16:creationId xmlns:a16="http://schemas.microsoft.com/office/drawing/2014/main" id="{7712C570-4AF5-0F4B-981A-6B3B7C16E3B0}"/>
+              </a:ext>
+            </a:extLst>
+          </p:cNvPr>
+          <p:cNvSpPr>
+            <a:spLocks noGrp="1"/>
+          </p:cNvSpPr>
+          <p:nvPr>
+            <p:ph idx="1"/>
+          </p:nvPr>
+        </p:nvSpPr>
+        <p:spPr>
+          <a:xfrm>
+            <a:off x="838200" y="1219200"/>
+            <a:ext cx="10515600" cy="4957763"/>
+          </a:xfrm>
+        </p:spPr>
+        <p:txBody>
+          <a:bodyPr>
+            <a:normAutofit/>
+          </a:bodyPr>
+          <a:lstStyle/>
+          <a:p>
+            <a:r>
+              <a:rPr lang="en-US" dirty="0"/>
+              <a:t>Top 5 </a:t>
+            </a:r>
+            <a:r>
+              <a:rPr lang="en-US" dirty="0" err="1"/>
+              <a:t>zipcodes</a:t>
+            </a:r>
+            <a:r>
+              <a:rPr lang="en-US" dirty="0"/>
+              <a:t> for mean ROI: </a:t>
+            </a:r>
+          </a:p>
+          <a:p>
+            <a:r>
+              <a:rPr lang="en-US" dirty="0"/>
+              <a:t>11210  (60%) </a:t>
+            </a:r>
+          </a:p>
+          <a:p>
+            <a:r>
+              <a:rPr lang="en-US" dirty="0"/>
+              <a:t>11233  (43%)  </a:t>
+            </a:r>
+          </a:p>
+          <a:p>
+            <a:r>
+              <a:rPr lang="en-US" dirty="0"/>
+              <a:t>11218  (38%) </a:t>
+            </a:r>
+          </a:p>
+          <a:p>
+            <a:r>
+              <a:rPr lang="en-US" dirty="0"/>
+              <a:t>11230  (38%)  </a:t>
+            </a:r>
+          </a:p>
+          <a:p>
+            <a:r>
+              <a:rPr lang="en-US" dirty="0"/>
+              <a:t>11212  (37%)</a:t>
+            </a:r>
+          </a:p>
+        </p:txBody>
+      </p:sp>
+    </p:spTree>
+    <p:extLst>
+      <p:ext uri="{BB962C8B-B14F-4D97-AF65-F5344CB8AC3E}">
+        <p14:creationId xmlns:p14="http://schemas.microsoft.com/office/powerpoint/2010/main" val="1644498437"/>
+      </p:ext>
+    </p:extLst>
+  </p:cSld>
+  <p:clrMapOvr>
+    <a:masterClrMapping/>
+  </p:clrMapOvr>
+</p:sld>
+</file>
+
+<file path=ppt/slides/slide12.xml><?xml version="1.0" encoding="utf-8"?>
+<p:sld xmlns:a="http://schemas.openxmlformats.org/drawingml/2006/main" xmlns:r="http://schemas.openxmlformats.org/officeDocument/2006/relationships" xmlns:p="http://schemas.openxmlformats.org/presentationml/2006/main">
+  <p:cSld>
+    <p:spTree>
+      <p:nvGrpSpPr>
+        <p:cNvPr id="1" name=""/>
+        <p:cNvGrpSpPr/>
+        <p:nvPr/>
+      </p:nvGrpSpPr>
+      <p:grpSpPr>
+        <a:xfrm>
+          <a:off x="0" y="0"/>
+          <a:ext cx="0" cy="0"/>
+          <a:chOff x="0" y="0"/>
+          <a:chExt cx="0" cy="0"/>
+        </a:xfrm>
+      </p:grpSpPr>
+      <p:sp>
+        <p:nvSpPr>
+          <p:cNvPr id="2" name="Title 1">
+            <a:extLst>
+              <a:ext uri="{FF2B5EF4-FFF2-40B4-BE49-F238E27FC236}">
+                <a16:creationId xmlns:a16="http://schemas.microsoft.com/office/drawing/2014/main" id="{CAD467CA-FD46-EC46-A121-B14218D54329}"/>
+              </a:ext>
+            </a:extLst>
+          </p:cNvPr>
+          <p:cNvSpPr>
+            <a:spLocks noGrp="1"/>
+          </p:cNvSpPr>
+          <p:nvPr>
+            <p:ph type="title"/>
+          </p:nvPr>
+        </p:nvSpPr>
+        <p:spPr>
+          <a:xfrm>
+            <a:off x="838200" y="365125"/>
+            <a:ext cx="10515600" cy="854075"/>
+          </a:xfrm>
+        </p:spPr>
+        <p:txBody>
+          <a:bodyPr>
+            <a:normAutofit fontScale="90000"/>
+          </a:bodyPr>
+          <a:lstStyle/>
+          <a:p>
+            <a:pPr algn="ctr"/>
+            <a:r>
+              <a:rPr lang="en-US" b="1" dirty="0"/>
+              <a:t>Recommendations</a:t>
+            </a:r>
+            <a:br>
+              <a:rPr lang="en-US" b="1" dirty="0"/>
+            </a:br>
+            <a:r>
+              <a:rPr lang="en-US" sz="3300" b="1" dirty="0"/>
+              <a:t>1</a:t>
+            </a:r>
+            <a:r>
+              <a:rPr lang="en-US" sz="3300" b="1" baseline="30000" dirty="0"/>
+              <a:t>st</a:t>
+            </a:r>
+            <a:r>
+              <a:rPr lang="en-US" sz="3300" b="1" dirty="0"/>
+              <a:t> Year</a:t>
+            </a:r>
+          </a:p>
+        </p:txBody>
+      </p:sp>
+      <p:sp>
+        <p:nvSpPr>
+          <p:cNvPr id="3" name="Content Placeholder 2">
+            <a:extLst>
+              <a:ext uri="{FF2B5EF4-FFF2-40B4-BE49-F238E27FC236}">
+                <a16:creationId xmlns:a16="http://schemas.microsoft.com/office/drawing/2014/main" id="{7712C570-4AF5-0F4B-981A-6B3B7C16E3B0}"/>
+              </a:ext>
+            </a:extLst>
+          </p:cNvPr>
+          <p:cNvSpPr>
+            <a:spLocks noGrp="1"/>
+          </p:cNvSpPr>
+          <p:nvPr>
+            <p:ph idx="1"/>
+          </p:nvPr>
+        </p:nvSpPr>
+        <p:spPr>
+          <a:xfrm>
+            <a:off x="838200" y="1219200"/>
+            <a:ext cx="10515600" cy="4957763"/>
+          </a:xfrm>
+        </p:spPr>
+        <p:txBody>
+          <a:bodyPr>
+            <a:normAutofit/>
+          </a:bodyPr>
+          <a:lstStyle/>
+          <a:p>
+            <a:endParaRPr lang="en-US" dirty="0"/>
+          </a:p>
+          <a:p>
+            <a:r>
+              <a:rPr lang="en-US" dirty="0"/>
+              <a:t>ROI  around 1 yr.: </a:t>
+            </a:r>
+          </a:p>
+          <a:p>
+            <a:r>
+              <a:rPr lang="en-US" dirty="0"/>
+              <a:t>11238  (19%)</a:t>
+            </a:r>
+          </a:p>
+          <a:p>
+            <a:r>
+              <a:rPr lang="en-US" dirty="0"/>
+              <a:t>11217  (15%)</a:t>
+            </a:r>
+          </a:p>
+          <a:p>
+            <a:r>
+              <a:rPr lang="en-US" dirty="0"/>
+              <a:t>11220  (11%)</a:t>
+            </a:r>
+          </a:p>
+          <a:p>
+            <a:r>
+              <a:rPr lang="en-US" dirty="0"/>
+              <a:t>11230  (9.8%)</a:t>
+            </a:r>
+          </a:p>
+          <a:p>
+            <a:r>
+              <a:rPr lang="en-US" dirty="0"/>
+              <a:t>11224  (8.7%)</a:t>
+            </a:r>
+          </a:p>
+        </p:txBody>
+      </p:sp>
+    </p:spTree>
+    <p:extLst>
+      <p:ext uri="{BB962C8B-B14F-4D97-AF65-F5344CB8AC3E}">
+        <p14:creationId xmlns:p14="http://schemas.microsoft.com/office/powerpoint/2010/main" val="2672828733"/>
+      </p:ext>
+    </p:extLst>
+  </p:cSld>
+  <p:clrMapOvr>
+    <a:masterClrMapping/>
+  </p:clrMapOvr>
+</p:sld>
+</file>
+
+<file path=ppt/slides/slide13.xml><?xml version="1.0" encoding="utf-8"?>
+<p:sld xmlns:a="http://schemas.openxmlformats.org/drawingml/2006/main" xmlns:r="http://schemas.openxmlformats.org/officeDocument/2006/relationships" xmlns:p="http://schemas.openxmlformats.org/presentationml/2006/main">
+  <p:cSld>
+    <p:spTree>
+      <p:nvGrpSpPr>
+        <p:cNvPr id="1" name=""/>
+        <p:cNvGrpSpPr/>
+        <p:nvPr/>
+      </p:nvGrpSpPr>
+      <p:grpSpPr>
+        <a:xfrm>
+          <a:off x="0" y="0"/>
+          <a:ext cx="0" cy="0"/>
+          <a:chOff x="0" y="0"/>
+          <a:chExt cx="0" cy="0"/>
+        </a:xfrm>
+      </p:grpSpPr>
+      <p:sp>
+        <p:nvSpPr>
+          <p:cNvPr id="2" name="Title 1">
+            <a:extLst>
+              <a:ext uri="{FF2B5EF4-FFF2-40B4-BE49-F238E27FC236}">
+                <a16:creationId xmlns:a16="http://schemas.microsoft.com/office/drawing/2014/main" id="{CAD467CA-FD46-EC46-A121-B14218D54329}"/>
+              </a:ext>
+            </a:extLst>
+          </p:cNvPr>
+          <p:cNvSpPr>
+            <a:spLocks noGrp="1"/>
+          </p:cNvSpPr>
+          <p:nvPr>
+            <p:ph type="title"/>
+          </p:nvPr>
+        </p:nvSpPr>
+        <p:spPr>
+          <a:xfrm>
+            <a:off x="838200" y="365125"/>
+            <a:ext cx="10515600" cy="854075"/>
+          </a:xfrm>
+        </p:spPr>
+        <p:txBody>
+          <a:bodyPr>
+            <a:normAutofit fontScale="90000"/>
+          </a:bodyPr>
+          <a:lstStyle/>
+          <a:p>
+            <a:pPr algn="ctr"/>
+            <a:r>
+              <a:rPr lang="en-US" b="1" dirty="0"/>
+              <a:t>Recommendations</a:t>
+            </a:r>
+            <a:br>
+              <a:rPr lang="en-US" b="1" dirty="0"/>
+            </a:br>
+            <a:r>
+              <a:rPr lang="en-US" sz="3300" b="1" dirty="0"/>
+              <a:t>3</a:t>
+            </a:r>
+            <a:r>
+              <a:rPr lang="en-US" sz="3300" b="1" baseline="30000" dirty="0"/>
+              <a:t>rd</a:t>
+            </a:r>
+            <a:r>
+              <a:rPr lang="en-US" sz="3300" b="1" dirty="0"/>
+              <a:t> Year</a:t>
+            </a:r>
+          </a:p>
+        </p:txBody>
+      </p:sp>
+      <p:sp>
+        <p:nvSpPr>
+          <p:cNvPr id="3" name="Content Placeholder 2">
+            <a:extLst>
+              <a:ext uri="{FF2B5EF4-FFF2-40B4-BE49-F238E27FC236}">
+                <a16:creationId xmlns:a16="http://schemas.microsoft.com/office/drawing/2014/main" id="{7712C570-4AF5-0F4B-981A-6B3B7C16E3B0}"/>
+              </a:ext>
+            </a:extLst>
+          </p:cNvPr>
+          <p:cNvSpPr>
+            <a:spLocks noGrp="1"/>
+          </p:cNvSpPr>
+          <p:nvPr>
+            <p:ph idx="1"/>
+          </p:nvPr>
+        </p:nvSpPr>
+        <p:spPr>
+          <a:xfrm>
+            <a:off x="838200" y="1219200"/>
+            <a:ext cx="10515600" cy="4957763"/>
+          </a:xfrm>
+        </p:spPr>
+        <p:txBody>
+          <a:bodyPr>
+            <a:normAutofit/>
+          </a:bodyPr>
+          <a:lstStyle/>
+          <a:p>
+            <a:endParaRPr lang="en-US" dirty="0"/>
+          </a:p>
+          <a:p>
+            <a:r>
+              <a:rPr lang="en-US" dirty="0"/>
+              <a:t>ROI around 3 yrs.: </a:t>
+            </a:r>
+          </a:p>
+          <a:p>
+            <a:r>
+              <a:rPr lang="en-US" dirty="0"/>
+              <a:t>11210  (489%) </a:t>
+            </a:r>
+          </a:p>
+          <a:p>
+            <a:r>
+              <a:rPr lang="en-US" dirty="0"/>
+              <a:t>11221  (192%)</a:t>
+            </a:r>
+          </a:p>
+          <a:p>
+            <a:r>
+              <a:rPr lang="en-US" dirty="0"/>
+              <a:t>11218  (90%)</a:t>
+            </a:r>
+          </a:p>
+          <a:p>
+            <a:r>
+              <a:rPr lang="en-US" dirty="0"/>
+              <a:t>11233  (79%) </a:t>
+            </a:r>
+          </a:p>
+          <a:p>
+            <a:r>
+              <a:rPr lang="en-US" dirty="0"/>
+              <a:t>11212  (77%)</a:t>
+            </a:r>
+          </a:p>
+        </p:txBody>
+      </p:sp>
+    </p:spTree>
+    <p:extLst>
+      <p:ext uri="{BB962C8B-B14F-4D97-AF65-F5344CB8AC3E}">
+        <p14:creationId xmlns:p14="http://schemas.microsoft.com/office/powerpoint/2010/main" val="2309166535"/>
+      </p:ext>
+    </p:extLst>
+  </p:cSld>
+  <p:clrMapOvr>
+    <a:masterClrMapping/>
+  </p:clrMapOvr>
+</p:sld>
+</file>
+
+<file path=ppt/slides/slide14.xml><?xml version="1.0" encoding="utf-8"?>
+<p:sld xmlns:a="http://schemas.openxmlformats.org/drawingml/2006/main" xmlns:r="http://schemas.openxmlformats.org/officeDocument/2006/relationships" xmlns:p="http://schemas.openxmlformats.org/presentationml/2006/main">
+  <p:cSld>
+    <p:spTree>
+      <p:nvGrpSpPr>
+        <p:cNvPr id="1" name=""/>
+        <p:cNvGrpSpPr/>
+        <p:nvPr/>
+      </p:nvGrpSpPr>
+      <p:grpSpPr>
+        <a:xfrm>
+          <a:off x="0" y="0"/>
+          <a:ext cx="0" cy="0"/>
+          <a:chOff x="0" y="0"/>
+          <a:chExt cx="0" cy="0"/>
+        </a:xfrm>
+      </p:grpSpPr>
+      <p:sp>
+        <p:nvSpPr>
+          <p:cNvPr id="2" name="Title 1">
+            <a:extLst>
+              <a:ext uri="{FF2B5EF4-FFF2-40B4-BE49-F238E27FC236}">
+                <a16:creationId xmlns:a16="http://schemas.microsoft.com/office/drawing/2014/main" id="{CAD467CA-FD46-EC46-A121-B14218D54329}"/>
+              </a:ext>
+            </a:extLst>
+          </p:cNvPr>
+          <p:cNvSpPr>
+            <a:spLocks noGrp="1"/>
+          </p:cNvSpPr>
+          <p:nvPr>
+            <p:ph type="title"/>
+          </p:nvPr>
+        </p:nvSpPr>
+        <p:spPr>
+          <a:xfrm>
+            <a:off x="838200" y="365125"/>
+            <a:ext cx="10515600" cy="854075"/>
+          </a:xfrm>
+        </p:spPr>
+        <p:txBody>
+          <a:bodyPr>
+            <a:normAutofit fontScale="90000"/>
+          </a:bodyPr>
+          <a:lstStyle/>
+          <a:p>
+            <a:pPr algn="ctr"/>
+            <a:r>
+              <a:rPr lang="en-US" b="1" dirty="0"/>
+              <a:t>Recommendations</a:t>
+            </a:r>
+            <a:br>
+              <a:rPr lang="en-US" b="1" dirty="0"/>
+            </a:br>
+            <a:r>
+              <a:rPr lang="en-US" sz="3300" b="1" dirty="0"/>
+              <a:t>Winners</a:t>
+            </a:r>
+          </a:p>
+        </p:txBody>
+      </p:sp>
+      <p:sp>
+        <p:nvSpPr>
+          <p:cNvPr id="3" name="Content Placeholder 2">
+            <a:extLst>
+              <a:ext uri="{FF2B5EF4-FFF2-40B4-BE49-F238E27FC236}">
+                <a16:creationId xmlns:a16="http://schemas.microsoft.com/office/drawing/2014/main" id="{7712C570-4AF5-0F4B-981A-6B3B7C16E3B0}"/>
+              </a:ext>
+            </a:extLst>
+          </p:cNvPr>
+          <p:cNvSpPr>
+            <a:spLocks noGrp="1"/>
+          </p:cNvSpPr>
+          <p:nvPr>
+            <p:ph idx="1"/>
+          </p:nvPr>
+        </p:nvSpPr>
+        <p:spPr>
+          <a:xfrm>
+            <a:off x="838200" y="1219200"/>
+            <a:ext cx="10515600" cy="4957763"/>
+          </a:xfrm>
+        </p:spPr>
+        <p:txBody>
+          <a:bodyPr>
+            <a:normAutofit/>
+          </a:bodyPr>
+          <a:lstStyle/>
+          <a:p>
+            <a:endParaRPr lang="en-US" dirty="0"/>
+          </a:p>
+          <a:p>
+            <a:pPr marL="0" indent="0">
+              <a:buNone/>
+            </a:pPr>
+            <a:r>
+              <a:rPr lang="en-US" dirty="0"/>
+              <a:t>      </a:t>
+            </a:r>
+            <a:r>
+              <a:rPr lang="en-US" u="sng" dirty="0"/>
+              <a:t>Mean ROI</a:t>
+            </a:r>
+            <a:r>
+              <a:rPr lang="en-US" dirty="0"/>
+              <a:t>	            	</a:t>
+            </a:r>
+            <a:r>
+              <a:rPr lang="en-US" u="sng" dirty="0"/>
+              <a:t>1st yr.</a:t>
+            </a:r>
+            <a:r>
+              <a:rPr lang="en-US" dirty="0"/>
+              <a:t>		</a:t>
+            </a:r>
+            <a:r>
+              <a:rPr lang="en-US" u="sng" dirty="0"/>
+              <a:t>3</a:t>
+            </a:r>
+            <a:r>
+              <a:rPr lang="en-US" u="sng" baseline="30000" dirty="0"/>
+              <a:t>rd</a:t>
+            </a:r>
+            <a:r>
+              <a:rPr lang="en-US" u="sng" dirty="0"/>
+              <a:t> yr.</a:t>
+            </a:r>
+          </a:p>
+          <a:p>
+            <a:pPr marL="0" indent="0">
+              <a:buNone/>
+            </a:pPr>
+            <a:r>
+              <a:rPr lang="en-US" dirty="0"/>
+              <a:t>1.) 11210  (60%) 					11210    (489%) 1st</a:t>
+            </a:r>
+          </a:p>
+          <a:p>
+            <a:pPr marL="0" indent="0">
+              <a:buNone/>
+            </a:pPr>
+            <a:r>
+              <a:rPr lang="en-US" dirty="0"/>
+              <a:t>2.) 11233  (42.5%)                                      	11233    (79%)   4th</a:t>
+            </a:r>
+          </a:p>
+          <a:p>
+            <a:pPr marL="0" indent="0">
+              <a:buNone/>
+            </a:pPr>
+            <a:r>
+              <a:rPr lang="en-US" dirty="0"/>
+              <a:t>3.) 11218  (37.8%)                                      	11218    (90%)   3rd</a:t>
+            </a:r>
+          </a:p>
+          <a:p>
+            <a:pPr marL="0" indent="0">
+              <a:buNone/>
+            </a:pPr>
+            <a:r>
+              <a:rPr lang="en-US" dirty="0"/>
+              <a:t>4.) 11230  (37.8%)     	11230 (9.8%)  4th</a:t>
+            </a:r>
+          </a:p>
+          <a:p>
+            <a:pPr marL="0" indent="0">
+              <a:buNone/>
+            </a:pPr>
+            <a:r>
+              <a:rPr lang="en-US" dirty="0"/>
+              <a:t>5.) 11212  (37%) 					11212     (77%)  5th</a:t>
+            </a:r>
+          </a:p>
+        </p:txBody>
+      </p:sp>
+    </p:spTree>
+    <p:extLst>
+      <p:ext uri="{BB962C8B-B14F-4D97-AF65-F5344CB8AC3E}">
+        <p14:creationId xmlns:p14="http://schemas.microsoft.com/office/powerpoint/2010/main" val="4046421150"/>
+      </p:ext>
+    </p:extLst>
+  </p:cSld>
+  <p:clrMapOvr>
+    <a:masterClrMapping/>
+  </p:clrMapOvr>
+</p:sld>
+</file>
+
+<file path=ppt/slides/slide15.xml><?xml version="1.0" encoding="utf-8"?>
+<p:sld xmlns:a="http://schemas.openxmlformats.org/drawingml/2006/main" xmlns:r="http://schemas.openxmlformats.org/officeDocument/2006/relationships" xmlns:p="http://schemas.openxmlformats.org/presentationml/2006/main">
+  <p:cSld>
+    <p:spTree>
+      <p:nvGrpSpPr>
+        <p:cNvPr id="1" name=""/>
+        <p:cNvGrpSpPr/>
+        <p:nvPr/>
+      </p:nvGrpSpPr>
+      <p:grpSpPr>
+        <a:xfrm>
+          <a:off x="0" y="0"/>
+          <a:ext cx="0" cy="0"/>
+          <a:chOff x="0" y="0"/>
+          <a:chExt cx="0" cy="0"/>
+        </a:xfrm>
+      </p:grpSpPr>
+      <p:sp>
+        <p:nvSpPr>
+          <p:cNvPr id="2" name="Title 1">
+            <a:extLst>
+              <a:ext uri="{FF2B5EF4-FFF2-40B4-BE49-F238E27FC236}">
                 <a16:creationId xmlns:a16="http://schemas.microsoft.com/office/drawing/2014/main" id="{24A14185-530A-354E-863A-C7191BB1C17C}"/>
               </a:ext>
             </a:extLst>
@@ -3531,7 +4414,7 @@
 </p:sld>
 </file>
 
-<file path=ppt/slides/slide11.xml><?xml version="1.0" encoding="utf-8"?>
+<file path=ppt/slides/slide16.xml><?xml version="1.0" encoding="utf-8"?>
 <p:sld xmlns:a="http://schemas.openxmlformats.org/drawingml/2006/main" xmlns:r="http://schemas.openxmlformats.org/officeDocument/2006/relationships" xmlns:p="http://schemas.openxmlformats.org/presentationml/2006/main">
   <p:cSld>
     <p:spTree>
@@ -3738,7 +4621,7 @@
             </a:r>
             <a:r>
               <a:rPr lang="en-US" dirty="0"/>
-              <a:t> to invest in in Brooklyn, NY based on investment time period of 3 years. </a:t>
+              <a:t> to invest in in Brooklyn, NY based on investment time up to 3 years. </a:t>
             </a:r>
           </a:p>
           <a:p>
@@ -3753,32 +4636,6 @@
             <a:r>
               <a:rPr lang="en-US" dirty="0"/>
               <a:t> 4/1/1996 – 4/1/2018 </a:t>
-            </a:r>
-          </a:p>
-          <a:p>
-            <a:r>
-              <a:rPr lang="en-US" dirty="0"/>
-              <a:t>Recommendations based on ROI on average and the low and upper forecasting time periods.</a:t>
-            </a:r>
-          </a:p>
-          <a:p>
-            <a:r>
-              <a:rPr lang="en-US" dirty="0"/>
-              <a:t>Recommendations also based on risk factors</a:t>
-            </a:r>
-          </a:p>
-          <a:p>
-            <a:r>
-              <a:rPr lang="en-US" dirty="0"/>
-              <a:t>Build statistical models which will forecast the ROI for </a:t>
-            </a:r>
-            <a:r>
-              <a:rPr lang="en-US" dirty="0" err="1"/>
-              <a:t>zipcodes</a:t>
-            </a:r>
-            <a:r>
-              <a:rPr lang="en-US" dirty="0"/>
-              <a:t> from 4/1/2018 to 2021.</a:t>
             </a:r>
           </a:p>
         </p:txBody>
@@ -3818,6 +4675,135 @@
           <p:cNvPr id="2" name="Title 1">
             <a:extLst>
               <a:ext uri="{FF2B5EF4-FFF2-40B4-BE49-F238E27FC236}">
+                <a16:creationId xmlns:a16="http://schemas.microsoft.com/office/drawing/2014/main" id="{D8AECAF4-BDC8-4641-BED1-22DFEFB074E1}"/>
+              </a:ext>
+            </a:extLst>
+          </p:cNvPr>
+          <p:cNvSpPr>
+            <a:spLocks noGrp="1"/>
+          </p:cNvSpPr>
+          <p:nvPr>
+            <p:ph type="title"/>
+          </p:nvPr>
+        </p:nvSpPr>
+        <p:spPr/>
+        <p:txBody>
+          <a:bodyPr/>
+          <a:lstStyle/>
+          <a:p>
+            <a:pPr algn="ctr"/>
+            <a:r>
+              <a:rPr lang="en-US" b="1" dirty="0"/>
+              <a:t>Problem Statement</a:t>
+            </a:r>
+          </a:p>
+        </p:txBody>
+      </p:sp>
+      <p:sp>
+        <p:nvSpPr>
+          <p:cNvPr id="3" name="Content Placeholder 2">
+            <a:extLst>
+              <a:ext uri="{FF2B5EF4-FFF2-40B4-BE49-F238E27FC236}">
+                <a16:creationId xmlns:a16="http://schemas.microsoft.com/office/drawing/2014/main" id="{5BD4FB39-C1CD-F944-A131-D923B7DF9C43}"/>
+              </a:ext>
+            </a:extLst>
+          </p:cNvPr>
+          <p:cNvSpPr>
+            <a:spLocks noGrp="1"/>
+          </p:cNvSpPr>
+          <p:nvPr>
+            <p:ph idx="1"/>
+          </p:nvPr>
+        </p:nvSpPr>
+        <p:spPr/>
+        <p:txBody>
+          <a:bodyPr/>
+          <a:lstStyle/>
+          <a:p>
+            <a:r>
+              <a:rPr lang="en-US" dirty="0"/>
+              <a:t>Investment time period of 1 to 3 years. </a:t>
+            </a:r>
+          </a:p>
+          <a:p>
+            <a:r>
+              <a:rPr lang="en-US" dirty="0"/>
+              <a:t>Top 5 </a:t>
+            </a:r>
+            <a:r>
+              <a:rPr lang="en-US" dirty="0" err="1"/>
+              <a:t>zipcodes</a:t>
+            </a:r>
+            <a:r>
+              <a:rPr lang="en-US" dirty="0"/>
+              <a:t> with ROI on average for investment period?</a:t>
+            </a:r>
+          </a:p>
+          <a:p>
+            <a:r>
+              <a:rPr lang="en-US" dirty="0"/>
+              <a:t> Top 5 </a:t>
+            </a:r>
+            <a:r>
+              <a:rPr lang="en-US" dirty="0" err="1"/>
+              <a:t>zipcodes</a:t>
+            </a:r>
+            <a:r>
+              <a:rPr lang="en-US" dirty="0"/>
+              <a:t> with ROI on average for 1 year?</a:t>
+            </a:r>
+          </a:p>
+          <a:p>
+            <a:r>
+              <a:rPr lang="en-US" dirty="0"/>
+              <a:t> Top 5 </a:t>
+            </a:r>
+            <a:r>
+              <a:rPr lang="en-US" dirty="0" err="1"/>
+              <a:t>zipcodes</a:t>
+            </a:r>
+            <a:r>
+              <a:rPr lang="en-US" dirty="0"/>
+              <a:t> with ROI on average for 3 years?</a:t>
+            </a:r>
+          </a:p>
+        </p:txBody>
+      </p:sp>
+    </p:spTree>
+    <p:extLst>
+      <p:ext uri="{BB962C8B-B14F-4D97-AF65-F5344CB8AC3E}">
+        <p14:creationId xmlns:p14="http://schemas.microsoft.com/office/powerpoint/2010/main" val="926401756"/>
+      </p:ext>
+    </p:extLst>
+  </p:cSld>
+  <p:clrMapOvr>
+    <a:masterClrMapping/>
+  </p:clrMapOvr>
+</p:sld>
+</file>
+
+<file path=ppt/slides/slide4.xml><?xml version="1.0" encoding="utf-8"?>
+<p:sld xmlns:a="http://schemas.openxmlformats.org/drawingml/2006/main" xmlns:r="http://schemas.openxmlformats.org/officeDocument/2006/relationships" xmlns:p="http://schemas.openxmlformats.org/presentationml/2006/main">
+  <p:cSld>
+    <p:spTree>
+      <p:nvGrpSpPr>
+        <p:cNvPr id="1" name=""/>
+        <p:cNvGrpSpPr/>
+        <p:nvPr/>
+      </p:nvGrpSpPr>
+      <p:grpSpPr>
+        <a:xfrm>
+          <a:off x="0" y="0"/>
+          <a:ext cx="0" cy="0"/>
+          <a:chOff x="0" y="0"/>
+          <a:chExt cx="0" cy="0"/>
+        </a:xfrm>
+      </p:grpSpPr>
+      <p:sp>
+        <p:nvSpPr>
+          <p:cNvPr id="2" name="Title 1">
+            <a:extLst>
+              <a:ext uri="{FF2B5EF4-FFF2-40B4-BE49-F238E27FC236}">
                 <a16:creationId xmlns:a16="http://schemas.microsoft.com/office/drawing/2014/main" id="{2B31CE1F-6FE3-E844-8513-F253A6FC89C9}"/>
               </a:ext>
             </a:extLst>
@@ -3865,7 +4851,7 @@
         </p:spPr>
         <p:txBody>
           <a:bodyPr>
-            <a:normAutofit lnSpcReduction="10000"/>
+            <a:normAutofit/>
           </a:bodyPr>
           <a:lstStyle/>
           <a:p>
@@ -3877,54 +4863,13 @@
           <a:p>
             <a:r>
               <a:rPr lang="en-US" dirty="0"/>
-              <a:t>11217 (gray)       3.5+</a:t>
-            </a:r>
-          </a:p>
-          <a:p>
-            <a:pPr marL="0" indent="0">
-              <a:buNone/>
-            </a:pPr>
-            <a:r>
-              <a:rPr lang="en-US" dirty="0"/>
-              <a:t>   High:    3,656,000</a:t>
-            </a:r>
-          </a:p>
-          <a:p>
-            <a:pPr marL="0" indent="0">
-              <a:buNone/>
-            </a:pPr>
-            <a:r>
-              <a:rPr lang="en-US" dirty="0"/>
-              <a:t>   Mean: 1,647,587</a:t>
-            </a:r>
-          </a:p>
-          <a:p>
-            <a:pPr marL="0" indent="0">
-              <a:buNone/>
-            </a:pPr>
-            <a:r>
-              <a:rPr lang="en-US" dirty="0"/>
-              <a:t>   ROI -3</a:t>
-            </a:r>
-            <a:r>
-              <a:rPr lang="en-US" baseline="30000" dirty="0"/>
-              <a:t>rd</a:t>
-            </a:r>
-            <a:r>
-              <a:rPr lang="en-US" dirty="0"/>
-              <a:t> yr.</a:t>
-            </a:r>
-          </a:p>
-          <a:p>
-            <a:r>
-              <a:rPr lang="en-US" dirty="0"/>
-              <a:t>11218 (brown)   3.0</a:t>
-            </a:r>
-          </a:p>
-          <a:p>
-            <a:r>
-              <a:rPr lang="en-US" dirty="0"/>
-              <a:t>11205                  2.25</a:t>
+              <a:t>11217 (gray)       $3.66 million</a:t>
+            </a:r>
+          </a:p>
+          <a:p>
+            <a:r>
+              <a:rPr lang="en-US" dirty="0"/>
+              <a:t>11238 (brown)   $2.8 million</a:t>
             </a:r>
           </a:p>
           <a:p>
@@ -3938,13 +4883,13 @@
             </a:r>
             <a:r>
               <a:rPr lang="en-US" dirty="0"/>
-              <a:t>)    2.25</a:t>
-            </a:r>
-          </a:p>
-          <a:p>
-            <a:r>
-              <a:rPr lang="en-US" dirty="0"/>
-              <a:t>11212   428,400</a:t>
+              <a:t>)    $2.2 million</a:t>
+            </a:r>
+          </a:p>
+          <a:p>
+            <a:r>
+              <a:rPr lang="en-US" dirty="0"/>
+              <a:t>11212                   $428,400</a:t>
             </a:r>
           </a:p>
           <a:p>
@@ -3953,15 +4898,7 @@
             </a:pPr>
             <a:r>
               <a:rPr lang="en-US" dirty="0"/>
-              <a:t>   ROI-3</a:t>
-            </a:r>
-            <a:r>
-              <a:rPr lang="en-US" baseline="30000" dirty="0"/>
-              <a:t>rd</a:t>
-            </a:r>
-            <a:r>
-              <a:rPr lang="en-US" dirty="0"/>
-              <a:t> yr. </a:t>
+              <a:t>   </a:t>
             </a:r>
           </a:p>
           <a:p>
@@ -3991,7 +4928,7 @@
         <p:spPr/>
         <p:txBody>
           <a:bodyPr>
-            <a:normAutofit lnSpcReduction="10000"/>
+            <a:normAutofit/>
           </a:bodyPr>
           <a:lstStyle/>
           <a:p>
@@ -4042,247 +4979,6 @@
 </p:sld>
 </file>
 
-<file path=ppt/slides/slide4.xml><?xml version="1.0" encoding="utf-8"?>
-<p:sld xmlns:a="http://schemas.openxmlformats.org/drawingml/2006/main" xmlns:r="http://schemas.openxmlformats.org/officeDocument/2006/relationships" xmlns:p="http://schemas.openxmlformats.org/presentationml/2006/main">
-  <p:cSld>
-    <p:spTree>
-      <p:nvGrpSpPr>
-        <p:cNvPr id="1" name=""/>
-        <p:cNvGrpSpPr/>
-        <p:nvPr/>
-      </p:nvGrpSpPr>
-      <p:grpSpPr>
-        <a:xfrm>
-          <a:off x="0" y="0"/>
-          <a:ext cx="0" cy="0"/>
-          <a:chOff x="0" y="0"/>
-          <a:chExt cx="0" cy="0"/>
-        </a:xfrm>
-      </p:grpSpPr>
-      <p:sp>
-        <p:nvSpPr>
-          <p:cNvPr id="2" name="Title 1">
-            <a:extLst>
-              <a:ext uri="{FF2B5EF4-FFF2-40B4-BE49-F238E27FC236}">
-                <a16:creationId xmlns:a16="http://schemas.microsoft.com/office/drawing/2014/main" id="{89800C5F-571B-6345-942C-508BCBD85D88}"/>
-              </a:ext>
-            </a:extLst>
-          </p:cNvPr>
-          <p:cNvSpPr>
-            <a:spLocks noGrp="1"/>
-          </p:cNvSpPr>
-          <p:nvPr>
-            <p:ph type="title"/>
-          </p:nvPr>
-        </p:nvSpPr>
-        <p:spPr/>
-        <p:txBody>
-          <a:bodyPr>
-            <a:normAutofit fontScale="90000"/>
-          </a:bodyPr>
-          <a:lstStyle/>
-          <a:p>
-            <a:br>
-              <a:rPr lang="en-US" sz="2200" dirty="0"/>
-            </a:br>
-            <a:br>
-              <a:rPr lang="en-US" sz="2200" dirty="0"/>
-            </a:br>
-            <a:r>
-              <a:rPr lang="en-US" sz="3300" b="1" dirty="0" err="1"/>
-              <a:t>Zipcode</a:t>
-            </a:r>
-            <a:r>
-              <a:rPr lang="en-US" sz="3300" b="1" dirty="0"/>
-              <a:t>: 11226 </a:t>
-            </a:r>
-            <a:br>
-              <a:rPr lang="en-US" sz="2200" dirty="0"/>
-            </a:br>
-            <a:br>
-              <a:rPr lang="en-US" sz="2200" dirty="0"/>
-            </a:br>
-            <a:r>
-              <a:rPr lang="en-US" sz="2200" dirty="0" err="1"/>
-              <a:t>roi</a:t>
-            </a:r>
-            <a:r>
-              <a:rPr lang="en-US" sz="2200" dirty="0"/>
-              <a:t>                </a:t>
-            </a:r>
-            <a:r>
-              <a:rPr lang="en-US" sz="2200" dirty="0" err="1"/>
-              <a:t>roi_lower</a:t>
-            </a:r>
-            <a:r>
-              <a:rPr lang="en-US" sz="2200" dirty="0"/>
-              <a:t>       </a:t>
-            </a:r>
-            <a:r>
-              <a:rPr lang="en-US" sz="2200" dirty="0" err="1"/>
-              <a:t>roi_upper</a:t>
-            </a:r>
-            <a:r>
-              <a:rPr lang="en-US" sz="2200" dirty="0"/>
-              <a:t> </a:t>
-            </a:r>
-            <a:br>
-              <a:rPr lang="en-US" sz="2200" dirty="0"/>
-            </a:br>
-            <a:r>
-              <a:rPr lang="en-US" sz="2200" dirty="0"/>
-              <a:t>0.457944    0.052723       0.863166 </a:t>
-            </a:r>
-            <a:br>
-              <a:rPr lang="en-US" dirty="0"/>
-            </a:br>
-            <a:endParaRPr lang="en-US" dirty="0"/>
-          </a:p>
-        </p:txBody>
-      </p:sp>
-      <p:sp>
-        <p:nvSpPr>
-          <p:cNvPr id="3" name="Content Placeholder 2">
-            <a:extLst>
-              <a:ext uri="{FF2B5EF4-FFF2-40B4-BE49-F238E27FC236}">
-                <a16:creationId xmlns:a16="http://schemas.microsoft.com/office/drawing/2014/main" id="{BDEB33CD-10F8-6241-A7A5-4DB3C979965F}"/>
-              </a:ext>
-            </a:extLst>
-          </p:cNvPr>
-          <p:cNvSpPr>
-            <a:spLocks noGrp="1"/>
-          </p:cNvSpPr>
-          <p:nvPr>
-            <p:ph sz="half" idx="1"/>
-          </p:nvPr>
-        </p:nvSpPr>
-        <p:spPr>
-          <a:xfrm>
-            <a:off x="838200" y="1825625"/>
-            <a:ext cx="4003623" cy="4351338"/>
-          </a:xfrm>
-        </p:spPr>
-        <p:txBody>
-          <a:bodyPr/>
-          <a:lstStyle/>
-          <a:p>
-            <a:r>
-              <a:rPr lang="en-US" dirty="0"/>
-              <a:t>Average return 46%</a:t>
-            </a:r>
-          </a:p>
-          <a:p>
-            <a:r>
-              <a:rPr lang="en-US" dirty="0"/>
-              <a:t>Lower end 6%</a:t>
-            </a:r>
-          </a:p>
-          <a:p>
-            <a:pPr marL="0" indent="0">
-              <a:buNone/>
-            </a:pPr>
-            <a:r>
-              <a:rPr lang="en-US" dirty="0"/>
-              <a:t>   Around 2018</a:t>
-            </a:r>
-          </a:p>
-          <a:p>
-            <a:r>
-              <a:rPr lang="en-US" dirty="0"/>
-              <a:t>Upper end 86%</a:t>
-            </a:r>
-          </a:p>
-          <a:p>
-            <a:pPr marL="0" indent="0">
-              <a:buNone/>
-            </a:pPr>
-            <a:r>
-              <a:rPr lang="en-US" dirty="0"/>
-              <a:t>   Around 2021</a:t>
-            </a:r>
-          </a:p>
-          <a:p>
-            <a:pPr marL="0" indent="0">
-              <a:buNone/>
-            </a:pPr>
-            <a:endParaRPr lang="en-US" dirty="0"/>
-          </a:p>
-          <a:p>
-            <a:endParaRPr lang="en-US" dirty="0"/>
-          </a:p>
-        </p:txBody>
-      </p:sp>
-      <p:sp>
-        <p:nvSpPr>
-          <p:cNvPr id="4" name="Content Placeholder 3">
-            <a:extLst>
-              <a:ext uri="{FF2B5EF4-FFF2-40B4-BE49-F238E27FC236}">
-                <a16:creationId xmlns:a16="http://schemas.microsoft.com/office/drawing/2014/main" id="{2EB85BBF-B8E0-594E-AC07-6725C8C5E620}"/>
-              </a:ext>
-            </a:extLst>
-          </p:cNvPr>
-          <p:cNvSpPr>
-            <a:spLocks noGrp="1"/>
-          </p:cNvSpPr>
-          <p:nvPr>
-            <p:ph sz="half" idx="2"/>
-          </p:nvPr>
-        </p:nvSpPr>
-        <p:spPr/>
-        <p:txBody>
-          <a:bodyPr/>
-          <a:lstStyle/>
-          <a:p>
-            <a:pPr marL="0" indent="0">
-              <a:buNone/>
-            </a:pPr>
-            <a:endParaRPr lang="en-US" dirty="0"/>
-          </a:p>
-        </p:txBody>
-      </p:sp>
-      <p:pic>
-        <p:nvPicPr>
-          <p:cNvPr id="5" name="Picture 4">
-            <a:extLst>
-              <a:ext uri="{FF2B5EF4-FFF2-40B4-BE49-F238E27FC236}">
-                <a16:creationId xmlns:a16="http://schemas.microsoft.com/office/drawing/2014/main" id="{DC64A1E3-0ACB-C848-BD29-0E7134892B90}"/>
-              </a:ext>
-            </a:extLst>
-          </p:cNvPr>
-          <p:cNvPicPr>
-            <a:picLocks noChangeAspect="1"/>
-          </p:cNvPicPr>
-          <p:nvPr/>
-        </p:nvPicPr>
-        <p:blipFill>
-          <a:blip r:embed="rId2"/>
-          <a:stretch>
-            <a:fillRect/>
-          </a:stretch>
-        </p:blipFill>
-        <p:spPr>
-          <a:xfrm>
-            <a:off x="4841823" y="1663701"/>
-            <a:ext cx="6511977" cy="4829174"/>
-          </a:xfrm>
-          <a:prstGeom prst="rect">
-            <a:avLst/>
-          </a:prstGeom>
-        </p:spPr>
-      </p:pic>
-    </p:spTree>
-    <p:extLst>
-      <p:ext uri="{BB962C8B-B14F-4D97-AF65-F5344CB8AC3E}">
-        <p14:creationId xmlns:p14="http://schemas.microsoft.com/office/powerpoint/2010/main" val="2288085106"/>
-      </p:ext>
-    </p:extLst>
-  </p:cSld>
-  <p:clrMapOvr>
-    <a:masterClrMapping/>
-  </p:clrMapOvr>
-</p:sld>
-</file>
-
 <file path=ppt/slides/slide5.xml><?xml version="1.0" encoding="utf-8"?>
 <p:sld xmlns:a="http://schemas.openxmlformats.org/drawingml/2006/main" xmlns:r="http://schemas.openxmlformats.org/officeDocument/2006/relationships" xmlns:p="http://schemas.openxmlformats.org/presentationml/2006/main">
   <p:cSld>
@@ -4305,7 +5001,7 @@
           <p:cNvPr id="2" name="Title 1">
             <a:extLst>
               <a:ext uri="{FF2B5EF4-FFF2-40B4-BE49-F238E27FC236}">
-                <a16:creationId xmlns:a16="http://schemas.microsoft.com/office/drawing/2014/main" id="{89800C5F-571B-6345-942C-508BCBD85D88}"/>
+                <a16:creationId xmlns:a16="http://schemas.microsoft.com/office/drawing/2014/main" id="{10A83149-DA1B-E34E-8A33-2F099DDE83B6}"/>
               </a:ext>
             </a:extLst>
           </p:cNvPr>
@@ -4314,108 +5010,63 @@
           </p:cNvSpPr>
           <p:nvPr>
             <p:ph type="title"/>
-          </p:nvPr>
-        </p:nvSpPr>
-        <p:spPr/>
-        <p:txBody>
-          <a:bodyPr>
-            <a:normAutofit fontScale="90000"/>
-          </a:bodyPr>
-          <a:lstStyle/>
-          <a:p>
-            <a:br>
-              <a:rPr lang="en-US" sz="2200" dirty="0"/>
-            </a:br>
-            <a:br>
-              <a:rPr lang="en-US" sz="2200" dirty="0"/>
-            </a:br>
-            <a:r>
-              <a:rPr lang="en-US" sz="3300" b="1" dirty="0" err="1"/>
-              <a:t>Zipcode</a:t>
-            </a:r>
-            <a:r>
-              <a:rPr lang="en-US" sz="3300" b="1" dirty="0"/>
-              <a:t>: 11233</a:t>
-            </a:r>
-            <a:br>
-              <a:rPr lang="en-US" sz="2200" dirty="0"/>
-            </a:br>
-            <a:br>
-              <a:rPr lang="en-US" sz="2200" dirty="0"/>
-            </a:br>
-            <a:r>
-              <a:rPr lang="en-US" sz="2200" dirty="0" err="1"/>
-              <a:t>roi</a:t>
-            </a:r>
-            <a:r>
-              <a:rPr lang="en-US" sz="2200" dirty="0"/>
-              <a:t>                </a:t>
-            </a:r>
-            <a:r>
-              <a:rPr lang="en-US" sz="2200" dirty="0" err="1"/>
-              <a:t>roi_lower</a:t>
-            </a:r>
-            <a:r>
-              <a:rPr lang="en-US" sz="2200" dirty="0"/>
-              <a:t>       </a:t>
-            </a:r>
-            <a:r>
-              <a:rPr lang="en-US" sz="2200" dirty="0" err="1"/>
-              <a:t>roi_upper</a:t>
-            </a:r>
-            <a:r>
-              <a:rPr lang="en-US" sz="2200" dirty="0"/>
-              <a:t> </a:t>
-            </a:r>
-            <a:br>
-              <a:rPr lang="en-US" sz="2200" dirty="0"/>
-            </a:br>
-            <a:r>
-              <a:rPr lang="en-US" sz="2200" dirty="0"/>
-              <a:t>0.425923    0.062776       0.78907</a:t>
-            </a:r>
-            <a:br>
-              <a:rPr lang="en-US" sz="2200" dirty="0"/>
-            </a:br>
-            <a:endParaRPr lang="en-US" dirty="0"/>
-          </a:p>
-        </p:txBody>
-      </p:sp>
-      <p:sp>
-        <p:nvSpPr>
-          <p:cNvPr id="3" name="Content Placeholder 2">
-            <a:extLst>
-              <a:ext uri="{FF2B5EF4-FFF2-40B4-BE49-F238E27FC236}">
-                <a16:creationId xmlns:a16="http://schemas.microsoft.com/office/drawing/2014/main" id="{BDEB33CD-10F8-6241-A7A5-4DB3C979965F}"/>
-              </a:ext>
-            </a:extLst>
-          </p:cNvPr>
-          <p:cNvSpPr>
-            <a:spLocks noGrp="1"/>
-          </p:cNvSpPr>
-          <p:nvPr>
-            <p:ph sz="half" idx="1"/>
           </p:nvPr>
         </p:nvSpPr>
         <p:spPr>
           <a:xfrm>
-            <a:off x="838200" y="1825625"/>
-            <a:ext cx="4003623" cy="4351338"/>
+            <a:off x="838200" y="365126"/>
+            <a:ext cx="10515600" cy="889244"/>
           </a:xfrm>
         </p:spPr>
         <p:txBody>
           <a:bodyPr/>
           <a:lstStyle/>
           <a:p>
-            <a:r>
-              <a:rPr lang="en-US" dirty="0"/>
-              <a:t>Average return 43%</a:t>
-            </a:r>
-          </a:p>
-          <a:p>
-            <a:r>
-              <a:rPr lang="en-US" dirty="0"/>
-              <a:t>Lower end 6%</a:t>
+            <a:pPr algn="ctr"/>
+            <a:r>
+              <a:rPr lang="en-US" b="1" dirty="0"/>
+              <a:t>Top 5 </a:t>
+            </a:r>
+            <a:r>
+              <a:rPr lang="en-US" b="1" dirty="0" err="1"/>
+              <a:t>Zipcodes</a:t>
+            </a:r>
+            <a:r>
+              <a:rPr lang="en-US" b="1" dirty="0"/>
+              <a:t> w/highest ROI</a:t>
+            </a:r>
+          </a:p>
+        </p:txBody>
+      </p:sp>
+      <p:sp>
+        <p:nvSpPr>
+          <p:cNvPr id="3" name="Content Placeholder 2">
+            <a:extLst>
+              <a:ext uri="{FF2B5EF4-FFF2-40B4-BE49-F238E27FC236}">
+                <a16:creationId xmlns:a16="http://schemas.microsoft.com/office/drawing/2014/main" id="{3531DD98-B81D-264A-9A42-10C1499265C1}"/>
+              </a:ext>
+            </a:extLst>
+          </p:cNvPr>
+          <p:cNvSpPr>
+            <a:spLocks noGrp="1"/>
+          </p:cNvSpPr>
+          <p:nvPr>
+            <p:ph sz="half" idx="1"/>
+          </p:nvPr>
+        </p:nvSpPr>
+        <p:spPr>
+          <a:xfrm>
+            <a:off x="838200" y="1524000"/>
+            <a:ext cx="5181600" cy="4652963"/>
+          </a:xfrm>
+        </p:spPr>
+        <p:txBody>
+          <a:bodyPr/>
+          <a:lstStyle/>
+          <a:p>
+            <a:r>
+              <a:rPr lang="en-US" dirty="0"/>
+              <a:t>Highest mean ROI:</a:t>
             </a:r>
           </a:p>
           <a:p>
@@ -4424,13 +5075,7 @@
             </a:pPr>
             <a:r>
               <a:rPr lang="en-US" dirty="0"/>
-              <a:t>   Around 2018</a:t>
-            </a:r>
-          </a:p>
-          <a:p>
-            <a:r>
-              <a:rPr lang="en-US" dirty="0"/>
-              <a:t>Upper end 79%</a:t>
+              <a:t>   11210</a:t>
             </a:r>
           </a:p>
           <a:p>
@@ -4439,27 +5084,16 @@
             </a:pPr>
             <a:r>
               <a:rPr lang="en-US" dirty="0"/>
-              <a:t>   Around 2021</a:t>
+              <a:t>   11233</a:t>
             </a:r>
           </a:p>
           <a:p>
             <a:pPr marL="0" indent="0">
               <a:buNone/>
             </a:pPr>
-            <a:endParaRPr lang="en-US" dirty="0"/>
-          </a:p>
-          <a:p>
-            <a:r>
-              <a:rPr lang="en-US" dirty="0"/>
-              <a:t>5</a:t>
-            </a:r>
-            <a:r>
-              <a:rPr lang="en-US" baseline="30000" dirty="0"/>
-              <a:t>th</a:t>
-            </a:r>
-            <a:r>
-              <a:rPr lang="en-US" dirty="0"/>
-              <a:t> for 1 yr. investment</a:t>
+            <a:r>
+              <a:rPr lang="en-US" dirty="0"/>
+              <a:t>   11218</a:t>
             </a:r>
           </a:p>
           <a:p>
@@ -4468,67 +5102,35 @@
             </a:pPr>
             <a:r>
               <a:rPr lang="en-US" dirty="0"/>
-              <a:t>   </a:t>
+              <a:t>   11230</a:t>
             </a:r>
           </a:p>
           <a:p>
             <a:pPr marL="0" indent="0">
               <a:buNone/>
             </a:pPr>
-            <a:endParaRPr lang="en-US" dirty="0"/>
-          </a:p>
-          <a:p>
-            <a:pPr marL="0" indent="0">
-              <a:buNone/>
-            </a:pPr>
-            <a:endParaRPr lang="en-US" dirty="0"/>
-          </a:p>
-          <a:p>
-            <a:endParaRPr lang="en-US" dirty="0"/>
-          </a:p>
-        </p:txBody>
-      </p:sp>
-      <p:sp>
-        <p:nvSpPr>
-          <p:cNvPr id="4" name="Content Placeholder 3">
-            <a:extLst>
-              <a:ext uri="{FF2B5EF4-FFF2-40B4-BE49-F238E27FC236}">
-                <a16:creationId xmlns:a16="http://schemas.microsoft.com/office/drawing/2014/main" id="{2EB85BBF-B8E0-594E-AC07-6725C8C5E620}"/>
-              </a:ext>
-            </a:extLst>
-          </p:cNvPr>
-          <p:cNvSpPr>
-            <a:spLocks noGrp="1"/>
-          </p:cNvSpPr>
-          <p:nvPr>
-            <p:ph sz="half" idx="2"/>
-          </p:nvPr>
-        </p:nvSpPr>
-        <p:spPr/>
-        <p:txBody>
-          <a:bodyPr/>
-          <a:lstStyle/>
-          <a:p>
-            <a:pPr marL="0" indent="0">
-              <a:buNone/>
-            </a:pPr>
-            <a:endParaRPr lang="en-US" dirty="0"/>
+            <a:r>
+              <a:rPr lang="en-US" dirty="0"/>
+              <a:t>   11212</a:t>
+            </a:r>
           </a:p>
         </p:txBody>
       </p:sp>
       <p:pic>
         <p:nvPicPr>
-          <p:cNvPr id="6" name="Picture 5">
-            <a:extLst>
-              <a:ext uri="{FF2B5EF4-FFF2-40B4-BE49-F238E27FC236}">
-                <a16:creationId xmlns:a16="http://schemas.microsoft.com/office/drawing/2014/main" id="{43DE380F-6D87-E44B-A04D-0139ADFA667C}"/>
+          <p:cNvPr id="10" name="Content Placeholder 9" descr="Table&#10;&#10;Description automatically generated">
+            <a:extLst>
+              <a:ext uri="{FF2B5EF4-FFF2-40B4-BE49-F238E27FC236}">
+                <a16:creationId xmlns:a16="http://schemas.microsoft.com/office/drawing/2014/main" id="{53A53B4D-3675-8141-9350-E3108F5BF772}"/>
               </a:ext>
             </a:extLst>
           </p:cNvPr>
           <p:cNvPicPr>
-            <a:picLocks noChangeAspect="1"/>
+            <a:picLocks noGrp="1" noChangeAspect="1"/>
           </p:cNvPicPr>
-          <p:nvPr/>
+          <p:nvPr>
+            <p:ph sz="half" idx="2"/>
+          </p:nvPr>
         </p:nvPicPr>
         <p:blipFill>
           <a:blip r:embed="rId2"/>
@@ -4538,18 +5140,15 @@
         </p:blipFill>
         <p:spPr>
           <a:xfrm>
-            <a:off x="4392118" y="1543987"/>
-            <a:ext cx="7135318" cy="5110812"/>
+            <a:off x="6019800" y="1523999"/>
+            <a:ext cx="4914900" cy="4208585"/>
           </a:xfrm>
-          <a:prstGeom prst="rect">
-            <a:avLst/>
-          </a:prstGeom>
         </p:spPr>
       </p:pic>
     </p:spTree>
     <p:extLst>
       <p:ext uri="{BB962C8B-B14F-4D97-AF65-F5344CB8AC3E}">
-        <p14:creationId xmlns:p14="http://schemas.microsoft.com/office/powerpoint/2010/main" val="765170090"/>
+        <p14:creationId xmlns:p14="http://schemas.microsoft.com/office/powerpoint/2010/main" val="3735929384"/>
       </p:ext>
     </p:extLst>
   </p:cSld>
@@ -4611,7 +5210,7 @@
             </a:r>
             <a:r>
               <a:rPr lang="en-US" sz="3300" b="1" dirty="0"/>
-              <a:t>: 11218</a:t>
+              <a:t>: 11210 </a:t>
             </a:r>
             <a:br>
               <a:rPr lang="en-US" sz="2200" dirty="0"/>
@@ -4620,38 +5219,26 @@
               <a:rPr lang="en-US" sz="2200" dirty="0"/>
             </a:br>
             <a:r>
-              <a:rPr lang="en-US" sz="2200" dirty="0" err="1"/>
-              <a:t>roi</a:t>
-            </a:r>
-            <a:r>
               <a:rPr lang="en-US" sz="2200" dirty="0"/>
-              <a:t>                </a:t>
-            </a:r>
-            <a:r>
-              <a:rPr lang="en-US" sz="2200" dirty="0" err="1"/>
-              <a:t>roi_lower</a:t>
+              <a:t>ROI                1st yr.           3</a:t>
+            </a:r>
+            <a:r>
+              <a:rPr lang="en-US" sz="2200" baseline="30000" dirty="0"/>
+              <a:t>rd</a:t>
             </a:r>
             <a:r>
               <a:rPr lang="en-US" sz="2200" dirty="0"/>
-              <a:t>       </a:t>
-            </a:r>
-            <a:r>
-              <a:rPr lang="en-US" sz="2200" dirty="0" err="1"/>
-              <a:t>roi_upper</a:t>
-            </a:r>
-            <a:r>
-              <a:rPr lang="en-US" sz="2200" dirty="0"/>
-              <a:t> </a:t>
+              <a:t> yr. </a:t>
             </a:r>
             <a:br>
               <a:rPr lang="en-US" sz="2200" dirty="0"/>
             </a:br>
             <a:r>
               <a:rPr lang="en-US" sz="2200" dirty="0"/>
-              <a:t> 0.378893   -0.144644     0.902429</a:t>
+              <a:t>0.595686    -3.70768       4.899052</a:t>
             </a:r>
             <a:br>
-              <a:rPr lang="en-US" sz="2200" dirty="0"/>
+              <a:rPr lang="en-US" dirty="0"/>
             </a:br>
             <a:endParaRPr lang="en-US" dirty="0"/>
           </a:p>
@@ -4685,37 +5272,38 @@
           <a:p>
             <a:r>
               <a:rPr lang="en-US" dirty="0"/>
-              <a:t>Average return 38%</a:t>
-            </a:r>
-          </a:p>
-          <a:p>
-            <a:r>
-              <a:rPr lang="en-US" dirty="0"/>
-              <a:t>Lower end -14%</a:t>
-            </a:r>
-          </a:p>
-          <a:p>
-            <a:pPr marL="0" indent="0">
-              <a:buNone/>
-            </a:pPr>
-            <a:r>
-              <a:rPr lang="en-US" dirty="0"/>
-              <a:t>   Around 2018</a:t>
-            </a:r>
-          </a:p>
-          <a:p>
-            <a:r>
-              <a:rPr lang="en-US" dirty="0"/>
-              <a:t>Upper end 90%</a:t>
-            </a:r>
-          </a:p>
-          <a:p>
-            <a:pPr marL="0" indent="0">
-              <a:buNone/>
-            </a:pPr>
-            <a:r>
-              <a:rPr lang="en-US" dirty="0"/>
-              <a:t>   Around 2021</a:t>
+              <a:t>Average ROI 59%</a:t>
+            </a:r>
+          </a:p>
+          <a:p>
+            <a:endParaRPr lang="en-US" dirty="0"/>
+          </a:p>
+          <a:p>
+            <a:r>
+              <a:rPr lang="en-US" dirty="0"/>
+              <a:t> 1</a:t>
+            </a:r>
+            <a:r>
+              <a:rPr lang="en-US" baseline="30000" dirty="0"/>
+              <a:t>st</a:t>
+            </a:r>
+            <a:r>
+              <a:rPr lang="en-US" dirty="0"/>
+              <a:t> yr. -3%   </a:t>
+            </a:r>
+          </a:p>
+          <a:p>
+            <a:r>
+              <a:rPr lang="en-US" dirty="0"/>
+              <a:t>3</a:t>
+            </a:r>
+            <a:r>
+              <a:rPr lang="en-US" baseline="30000" dirty="0"/>
+              <a:t>rd</a:t>
+            </a:r>
+            <a:r>
+              <a:rPr lang="en-US" dirty="0"/>
+              <a:t> yr.  5%</a:t>
             </a:r>
           </a:p>
           <a:p>
@@ -4725,77 +5313,25 @@
             <a:endParaRPr lang="en-US" dirty="0"/>
           </a:p>
           <a:p>
-            <a:r>
-              <a:rPr lang="en-US" dirty="0"/>
-              <a:t>1</a:t>
-            </a:r>
-            <a:r>
-              <a:rPr lang="en-US" baseline="30000" dirty="0"/>
-              <a:t>st</a:t>
-            </a:r>
-            <a:r>
-              <a:rPr lang="en-US" dirty="0"/>
-              <a:t>  for 3yr. investment</a:t>
-            </a:r>
-          </a:p>
-          <a:p>
-            <a:pPr marL="0" indent="0">
-              <a:buNone/>
-            </a:pPr>
-            <a:endParaRPr lang="en-US" dirty="0"/>
-          </a:p>
-          <a:p>
-            <a:pPr marL="0" indent="0">
-              <a:buNone/>
-            </a:pPr>
-            <a:endParaRPr lang="en-US" dirty="0"/>
-          </a:p>
-          <a:p>
-            <a:endParaRPr lang="en-US" dirty="0"/>
-          </a:p>
-        </p:txBody>
-      </p:sp>
-      <p:sp>
-        <p:nvSpPr>
-          <p:cNvPr id="4" name="Content Placeholder 3">
-            <a:extLst>
-              <a:ext uri="{FF2B5EF4-FFF2-40B4-BE49-F238E27FC236}">
-                <a16:creationId xmlns:a16="http://schemas.microsoft.com/office/drawing/2014/main" id="{2EB85BBF-B8E0-594E-AC07-6725C8C5E620}"/>
-              </a:ext>
-            </a:extLst>
-          </p:cNvPr>
-          <p:cNvSpPr>
-            <a:spLocks noGrp="1"/>
-          </p:cNvSpPr>
-          <p:nvPr>
-            <p:ph sz="half" idx="2"/>
-          </p:nvPr>
-        </p:nvSpPr>
-        <p:spPr/>
-        <p:txBody>
-          <a:bodyPr/>
-          <a:lstStyle/>
-          <a:p>
-            <a:pPr marL="0" indent="0">
-              <a:buNone/>
-            </a:pPr>
             <a:endParaRPr lang="en-US" dirty="0"/>
           </a:p>
         </p:txBody>
       </p:sp>
       <p:pic>
         <p:nvPicPr>
-          <p:cNvPr id="5" name="Picture 4">
-            <a:extLst>
-              <a:ext uri="{FF2B5EF4-FFF2-40B4-BE49-F238E27FC236}">
-                <a16:creationId xmlns:a16="http://schemas.microsoft.com/office/drawing/2014/main" id="{83BB8900-AC3A-134F-93EF-9AAE0D6EAC9B}"/>
+          <p:cNvPr id="7" name="Content Placeholder 6" descr="Chart, funnel chart&#10;&#10;Description automatically generated">
+            <a:extLst>
+              <a:ext uri="{FF2B5EF4-FFF2-40B4-BE49-F238E27FC236}">
+                <a16:creationId xmlns:a16="http://schemas.microsoft.com/office/drawing/2014/main" id="{709034A3-8174-D243-9702-D670C2E115CF}"/>
               </a:ext>
             </a:extLst>
           </p:cNvPr>
           <p:cNvPicPr>
-            <a:picLocks noChangeAspect="1"/>
+            <a:picLocks noGrp="1" noChangeAspect="1"/>
           </p:cNvPicPr>
-          <p:nvPr/>
+          <p:nvPr>
+            <p:ph sz="half" idx="2"/>
+          </p:nvPr>
         </p:nvPicPr>
         <p:blipFill>
           <a:blip r:embed="rId2"/>
@@ -4805,18 +5341,15 @@
         </p:blipFill>
         <p:spPr>
           <a:xfrm>
-            <a:off x="4841822" y="1690688"/>
-            <a:ext cx="6625653" cy="4964112"/>
+            <a:off x="6172200" y="1690688"/>
+            <a:ext cx="5181600" cy="4229031"/>
           </a:xfrm>
-          <a:prstGeom prst="rect">
-            <a:avLst/>
-          </a:prstGeom>
         </p:spPr>
       </p:pic>
     </p:spTree>
     <p:extLst>
       <p:ext uri="{BB962C8B-B14F-4D97-AF65-F5344CB8AC3E}">
-        <p14:creationId xmlns:p14="http://schemas.microsoft.com/office/powerpoint/2010/main" val="1012706562"/>
+        <p14:creationId xmlns:p14="http://schemas.microsoft.com/office/powerpoint/2010/main" val="2288085106"/>
       </p:ext>
     </p:extLst>
   </p:cSld>
@@ -4878,7 +5411,7 @@
             </a:r>
             <a:r>
               <a:rPr lang="en-US" sz="3300" b="1" dirty="0"/>
-              <a:t>: 11230</a:t>
+              <a:t>: 11233</a:t>
             </a:r>
             <a:br>
               <a:rPr lang="en-US" sz="2200" dirty="0"/>
@@ -4887,43 +5420,36 @@
               <a:rPr lang="en-US" sz="2200" dirty="0"/>
             </a:br>
             <a:r>
-              <a:rPr lang="en-US" sz="2200" dirty="0" err="1"/>
-              <a:t>roi</a:t>
-            </a:r>
-            <a:r>
               <a:rPr lang="en-US" sz="2200" dirty="0"/>
-              <a:t>                </a:t>
-            </a:r>
-            <a:r>
-              <a:rPr lang="en-US" sz="2200" dirty="0" err="1"/>
-              <a:t>roi_lower</a:t>
+              <a:t>ROI               1</a:t>
+            </a:r>
+            <a:r>
+              <a:rPr lang="en-US" sz="2200" baseline="30000" dirty="0"/>
+              <a:t>st</a:t>
             </a:r>
             <a:r>
               <a:rPr lang="en-US" sz="2200" dirty="0"/>
-              <a:t>       </a:t>
-            </a:r>
-            <a:r>
-              <a:rPr lang="en-US" sz="2200" dirty="0" err="1"/>
-              <a:t>roi_upper</a:t>
+              <a:t> yr.               3</a:t>
+            </a:r>
+            <a:r>
+              <a:rPr lang="en-US" sz="2200" baseline="30000" dirty="0"/>
+              <a:t>rd</a:t>
             </a:r>
             <a:r>
               <a:rPr lang="en-US" sz="2200" dirty="0"/>
-              <a:t> </a:t>
+              <a:t> yr. </a:t>
             </a:r>
             <a:br>
               <a:rPr lang="en-US" sz="2200" dirty="0"/>
             </a:br>
             <a:r>
               <a:rPr lang="en-US" sz="2200" dirty="0"/>
-              <a:t> 0.378108   0.098586       0.657631 </a:t>
+              <a:t>0.425923    0.062776       0.78907</a:t>
             </a:r>
             <a:br>
               <a:rPr lang="en-US" sz="2200" dirty="0"/>
             </a:br>
-            <a:br>
-              <a:rPr lang="en-US" sz="2200" dirty="0"/>
-            </a:br>
-            <a:endParaRPr lang="en-US" sz="2200" dirty="0"/>
+            <a:endParaRPr lang="en-US" dirty="0"/>
           </a:p>
         </p:txBody>
       </p:sp>
@@ -4955,37 +5481,35 @@
           <a:p>
             <a:r>
               <a:rPr lang="en-US" dirty="0"/>
-              <a:t>Average return 38%</a:t>
-            </a:r>
-          </a:p>
-          <a:p>
-            <a:r>
-              <a:rPr lang="en-US" dirty="0"/>
-              <a:t>Lower end 9%</a:t>
-            </a:r>
-          </a:p>
-          <a:p>
-            <a:pPr marL="0" indent="0">
-              <a:buNone/>
-            </a:pPr>
-            <a:r>
-              <a:rPr lang="en-US" dirty="0"/>
-              <a:t>   Around 2018</a:t>
-            </a:r>
-          </a:p>
-          <a:p>
-            <a:r>
-              <a:rPr lang="en-US" dirty="0"/>
-              <a:t>Upper end 66%</a:t>
-            </a:r>
-          </a:p>
-          <a:p>
-            <a:pPr marL="0" indent="0">
-              <a:buNone/>
-            </a:pPr>
-            <a:r>
-              <a:rPr lang="en-US" dirty="0"/>
-              <a:t>   Around 2021</a:t>
+              <a:t>Average ROI 43%</a:t>
+            </a:r>
+          </a:p>
+          <a:p>
+            <a:r>
+              <a:rPr lang="en-US" dirty="0"/>
+              <a:t>1</a:t>
+            </a:r>
+            <a:r>
+              <a:rPr lang="en-US" baseline="30000" dirty="0"/>
+              <a:t>st</a:t>
+            </a:r>
+            <a:r>
+              <a:rPr lang="en-US" dirty="0"/>
+              <a:t> yr.  6%  </a:t>
+            </a:r>
+          </a:p>
+          <a:p>
+            <a:r>
+              <a:rPr lang="en-US" dirty="0"/>
+              <a:t>3</a:t>
+            </a:r>
+            <a:r>
+              <a:rPr lang="en-US" baseline="30000" dirty="0"/>
+              <a:t>rd</a:t>
+            </a:r>
+            <a:r>
+              <a:rPr lang="en-US" dirty="0"/>
+              <a:t> yr. 79%</a:t>
             </a:r>
           </a:p>
           <a:p>
@@ -4997,56 +5521,77 @@
           <a:p>
             <a:r>
               <a:rPr lang="en-US" dirty="0"/>
-              <a:t>3</a:t>
+              <a:t>5</a:t>
             </a:r>
             <a:r>
               <a:rPr lang="en-US" baseline="30000" dirty="0"/>
-              <a:t>rd</a:t>
-            </a:r>
-            <a:r>
-              <a:rPr lang="en-US" dirty="0"/>
-              <a:t> for 1 investment</a:t>
-            </a:r>
-          </a:p>
-          <a:p>
-            <a:endParaRPr lang="en-US" dirty="0"/>
-          </a:p>
-        </p:txBody>
-      </p:sp>
-      <p:sp>
-        <p:nvSpPr>
-          <p:cNvPr id="4" name="Content Placeholder 3">
-            <a:extLst>
-              <a:ext uri="{FF2B5EF4-FFF2-40B4-BE49-F238E27FC236}">
-                <a16:creationId xmlns:a16="http://schemas.microsoft.com/office/drawing/2014/main" id="{2EB85BBF-B8E0-594E-AC07-6725C8C5E620}"/>
-              </a:ext>
-            </a:extLst>
-          </p:cNvPr>
-          <p:cNvSpPr>
-            <a:spLocks noGrp="1"/>
-          </p:cNvSpPr>
-          <p:nvPr>
-            <p:ph sz="half" idx="2"/>
-          </p:nvPr>
-        </p:nvSpPr>
-        <p:spPr/>
-        <p:txBody>
-          <a:bodyPr/>
-          <a:lstStyle/>
+              <a:t>th</a:t>
+            </a:r>
+            <a:r>
+              <a:rPr lang="en-US" dirty="0"/>
+              <a:t> for 1 yr. investment</a:t>
+            </a:r>
+          </a:p>
+          <a:p>
+            <a:pPr marL="0" indent="0">
+              <a:buNone/>
+            </a:pPr>
+            <a:r>
+              <a:rPr lang="en-US" dirty="0"/>
+              <a:t>   </a:t>
+            </a:r>
+          </a:p>
           <a:p>
             <a:pPr marL="0" indent="0">
               <a:buNone/>
             </a:pPr>
             <a:endParaRPr lang="en-US" dirty="0"/>
           </a:p>
+          <a:p>
+            <a:pPr marL="0" indent="0">
+              <a:buNone/>
+            </a:pPr>
+            <a:endParaRPr lang="en-US" dirty="0"/>
+          </a:p>
+          <a:p>
+            <a:endParaRPr lang="en-US" dirty="0"/>
+          </a:p>
+        </p:txBody>
+      </p:sp>
+      <p:sp>
+        <p:nvSpPr>
+          <p:cNvPr id="4" name="Content Placeholder 3">
+            <a:extLst>
+              <a:ext uri="{FF2B5EF4-FFF2-40B4-BE49-F238E27FC236}">
+                <a16:creationId xmlns:a16="http://schemas.microsoft.com/office/drawing/2014/main" id="{2EB85BBF-B8E0-594E-AC07-6725C8C5E620}"/>
+              </a:ext>
+            </a:extLst>
+          </p:cNvPr>
+          <p:cNvSpPr>
+            <a:spLocks noGrp="1"/>
+          </p:cNvSpPr>
+          <p:nvPr>
+            <p:ph sz="half" idx="2"/>
+          </p:nvPr>
+        </p:nvSpPr>
+        <p:spPr/>
+        <p:txBody>
+          <a:bodyPr/>
+          <a:lstStyle/>
+          <a:p>
+            <a:pPr marL="0" indent="0">
+              <a:buNone/>
+            </a:pPr>
+            <a:endParaRPr lang="en-US" dirty="0"/>
+          </a:p>
         </p:txBody>
       </p:sp>
       <p:pic>
         <p:nvPicPr>
-          <p:cNvPr id="6" name="Picture 5">
-            <a:extLst>
-              <a:ext uri="{FF2B5EF4-FFF2-40B4-BE49-F238E27FC236}">
-                <a16:creationId xmlns:a16="http://schemas.microsoft.com/office/drawing/2014/main" id="{F7D034E2-D2B3-284F-90AF-4024BD2FDB1F}"/>
+          <p:cNvPr id="5" name="Picture 4">
+            <a:extLst>
+              <a:ext uri="{FF2B5EF4-FFF2-40B4-BE49-F238E27FC236}">
+                <a16:creationId xmlns:a16="http://schemas.microsoft.com/office/drawing/2014/main" id="{5FAB5B62-1C6A-D84C-A699-DAAEFC356AD0}"/>
               </a:ext>
             </a:extLst>
           </p:cNvPr>
@@ -5063,8 +5608,8 @@
         </p:blipFill>
         <p:spPr>
           <a:xfrm>
-            <a:off x="4587240" y="1690688"/>
-            <a:ext cx="6766560" cy="4964112"/>
+            <a:off x="5756031" y="1570892"/>
+            <a:ext cx="5685691" cy="4606071"/>
           </a:xfrm>
           <a:prstGeom prst="rect">
             <a:avLst/>
@@ -5074,7 +5619,7 @@
     </p:spTree>
     <p:extLst>
       <p:ext uri="{BB962C8B-B14F-4D97-AF65-F5344CB8AC3E}">
-        <p14:creationId xmlns:p14="http://schemas.microsoft.com/office/powerpoint/2010/main" val="724281849"/>
+        <p14:creationId xmlns:p14="http://schemas.microsoft.com/office/powerpoint/2010/main" val="765170090"/>
       </p:ext>
     </p:extLst>
   </p:cSld>
@@ -5136,7 +5681,7 @@
             </a:r>
             <a:r>
               <a:rPr lang="en-US" sz="3300" b="1" dirty="0"/>
-              <a:t>: 11212</a:t>
+              <a:t>: 11218</a:t>
             </a:r>
             <a:br>
               <a:rPr lang="en-US" sz="2200" dirty="0"/>
@@ -5145,43 +5690,36 @@
               <a:rPr lang="en-US" sz="2200" dirty="0"/>
             </a:br>
             <a:r>
-              <a:rPr lang="en-US" sz="2200" dirty="0" err="1"/>
-              <a:t>roi</a:t>
-            </a:r>
-            <a:r>
               <a:rPr lang="en-US" sz="2200" dirty="0"/>
-              <a:t>                </a:t>
-            </a:r>
-            <a:r>
-              <a:rPr lang="en-US" sz="2200" dirty="0" err="1"/>
-              <a:t>roi_lower</a:t>
+              <a:t>ROI               1</a:t>
+            </a:r>
+            <a:r>
+              <a:rPr lang="en-US" sz="2200" baseline="30000" dirty="0"/>
+              <a:t>st</a:t>
             </a:r>
             <a:r>
               <a:rPr lang="en-US" sz="2200" dirty="0"/>
-              <a:t>       </a:t>
-            </a:r>
-            <a:r>
-              <a:rPr lang="en-US" sz="2200" dirty="0" err="1"/>
-              <a:t>roi_upper</a:t>
+              <a:t> yr.             3</a:t>
+            </a:r>
+            <a:r>
+              <a:rPr lang="en-US" sz="2200" baseline="30000" dirty="0"/>
+              <a:t>rd</a:t>
             </a:r>
             <a:r>
               <a:rPr lang="en-US" sz="2200" dirty="0"/>
-              <a:t> </a:t>
+              <a:t> yr. </a:t>
             </a:r>
             <a:br>
               <a:rPr lang="en-US" sz="2200" dirty="0"/>
             </a:br>
             <a:r>
               <a:rPr lang="en-US" sz="2200" dirty="0"/>
-              <a:t> 0.371624  -0.027713      0.77096</a:t>
+              <a:t> 0.378893   -0.144644     0.902429</a:t>
             </a:r>
             <a:br>
               <a:rPr lang="en-US" sz="2200" dirty="0"/>
             </a:br>
-            <a:br>
-              <a:rPr lang="en-US" sz="2200" dirty="0"/>
-            </a:br>
-            <a:endParaRPr lang="en-US" sz="2200" dirty="0"/>
+            <a:endParaRPr lang="en-US" dirty="0"/>
           </a:p>
         </p:txBody>
       </p:sp>
@@ -5213,13 +5751,35 @@
           <a:p>
             <a:r>
               <a:rPr lang="en-US" dirty="0"/>
-              <a:t>Average return 37%</a:t>
-            </a:r>
-          </a:p>
-          <a:p>
-            <a:r>
-              <a:rPr lang="en-US" dirty="0"/>
-              <a:t>Lower end -2%</a:t>
+              <a:t>Average ROI 38%</a:t>
+            </a:r>
+          </a:p>
+          <a:p>
+            <a:r>
+              <a:rPr lang="en-US" dirty="0"/>
+              <a:t>1</a:t>
+            </a:r>
+            <a:r>
+              <a:rPr lang="en-US" baseline="30000" dirty="0"/>
+              <a:t>st</a:t>
+            </a:r>
+            <a:r>
+              <a:rPr lang="en-US" dirty="0"/>
+              <a:t> yr.  -14%  </a:t>
+            </a:r>
+          </a:p>
+          <a:p>
+            <a:r>
+              <a:rPr lang="en-US" dirty="0"/>
+              <a:t>3</a:t>
+            </a:r>
+            <a:r>
+              <a:rPr lang="en-US" baseline="30000" dirty="0"/>
+              <a:t>rd</a:t>
+            </a:r>
+            <a:r>
+              <a:rPr lang="en-US" dirty="0"/>
+              <a:t> yr. 90%</a:t>
             </a:r>
           </a:p>
           <a:p>
@@ -5228,22 +5788,7 @@
             </a:pPr>
             <a:r>
               <a:rPr lang="en-US" dirty="0"/>
-              <a:t>   Around 2018</a:t>
-            </a:r>
-          </a:p>
-          <a:p>
-            <a:r>
-              <a:rPr lang="en-US" dirty="0"/>
-              <a:t>Upper end 77%</a:t>
-            </a:r>
-          </a:p>
-          <a:p>
-            <a:pPr marL="0" indent="0">
-              <a:buNone/>
-            </a:pPr>
-            <a:r>
-              <a:rPr lang="en-US" dirty="0"/>
-              <a:t>   Around 2021</a:t>
+              <a:t>   </a:t>
             </a:r>
           </a:p>
           <a:p>
@@ -5253,44 +5798,70 @@
             <a:endParaRPr lang="en-US" dirty="0"/>
           </a:p>
           <a:p>
-            <a:endParaRPr lang="en-US" dirty="0"/>
-          </a:p>
-        </p:txBody>
-      </p:sp>
-      <p:sp>
-        <p:nvSpPr>
-          <p:cNvPr id="4" name="Content Placeholder 3">
-            <a:extLst>
-              <a:ext uri="{FF2B5EF4-FFF2-40B4-BE49-F238E27FC236}">
-                <a16:creationId xmlns:a16="http://schemas.microsoft.com/office/drawing/2014/main" id="{2EB85BBF-B8E0-594E-AC07-6725C8C5E620}"/>
-              </a:ext>
-            </a:extLst>
-          </p:cNvPr>
-          <p:cNvSpPr>
-            <a:spLocks noGrp="1"/>
-          </p:cNvSpPr>
-          <p:nvPr>
-            <p:ph sz="half" idx="2"/>
-          </p:nvPr>
-        </p:nvSpPr>
-        <p:spPr/>
-        <p:txBody>
-          <a:bodyPr/>
-          <a:lstStyle/>
+            <a:r>
+              <a:rPr lang="en-US" dirty="0"/>
+              <a:t>1</a:t>
+            </a:r>
+            <a:r>
+              <a:rPr lang="en-US" baseline="30000" dirty="0"/>
+              <a:t>st</a:t>
+            </a:r>
+            <a:r>
+              <a:rPr lang="en-US" dirty="0"/>
+              <a:t>  for 3yr. investment</a:t>
+            </a:r>
+          </a:p>
           <a:p>
             <a:pPr marL="0" indent="0">
               <a:buNone/>
             </a:pPr>
             <a:endParaRPr lang="en-US" dirty="0"/>
           </a:p>
+          <a:p>
+            <a:pPr marL="0" indent="0">
+              <a:buNone/>
+            </a:pPr>
+            <a:endParaRPr lang="en-US" dirty="0"/>
+          </a:p>
+          <a:p>
+            <a:endParaRPr lang="en-US" dirty="0"/>
+          </a:p>
+        </p:txBody>
+      </p:sp>
+      <p:sp>
+        <p:nvSpPr>
+          <p:cNvPr id="4" name="Content Placeholder 3">
+            <a:extLst>
+              <a:ext uri="{FF2B5EF4-FFF2-40B4-BE49-F238E27FC236}">
+                <a16:creationId xmlns:a16="http://schemas.microsoft.com/office/drawing/2014/main" id="{2EB85BBF-B8E0-594E-AC07-6725C8C5E620}"/>
+              </a:ext>
+            </a:extLst>
+          </p:cNvPr>
+          <p:cNvSpPr>
+            <a:spLocks noGrp="1"/>
+          </p:cNvSpPr>
+          <p:nvPr>
+            <p:ph sz="half" idx="2"/>
+          </p:nvPr>
+        </p:nvSpPr>
+        <p:spPr/>
+        <p:txBody>
+          <a:bodyPr/>
+          <a:lstStyle/>
+          <a:p>
+            <a:pPr marL="0" indent="0">
+              <a:buNone/>
+            </a:pPr>
+            <a:endParaRPr lang="en-US" dirty="0"/>
+          </a:p>
         </p:txBody>
       </p:sp>
       <p:pic>
         <p:nvPicPr>
-          <p:cNvPr id="5" name="Picture 4">
-            <a:extLst>
-              <a:ext uri="{FF2B5EF4-FFF2-40B4-BE49-F238E27FC236}">
-                <a16:creationId xmlns:a16="http://schemas.microsoft.com/office/drawing/2014/main" id="{3A0918F8-C698-2A49-A810-956552C0FA08}"/>
+          <p:cNvPr id="6" name="Picture 5">
+            <a:extLst>
+              <a:ext uri="{FF2B5EF4-FFF2-40B4-BE49-F238E27FC236}">
+                <a16:creationId xmlns:a16="http://schemas.microsoft.com/office/drawing/2014/main" id="{409EAE05-E8BF-424B-9238-3FC1FF7633D4}"/>
               </a:ext>
             </a:extLst>
           </p:cNvPr>
@@ -5307,8 +5878,8 @@
         </p:blipFill>
         <p:spPr>
           <a:xfrm>
-            <a:off x="4000500" y="1690688"/>
-            <a:ext cx="7511946" cy="4674552"/>
+            <a:off x="5814645" y="1212851"/>
+            <a:ext cx="5660781" cy="4964112"/>
           </a:xfrm>
           <a:prstGeom prst="rect">
             <a:avLst/>
@@ -5318,7 +5889,7 @@
     </p:spTree>
     <p:extLst>
       <p:ext uri="{BB962C8B-B14F-4D97-AF65-F5344CB8AC3E}">
-        <p14:creationId xmlns:p14="http://schemas.microsoft.com/office/powerpoint/2010/main" val="2146623399"/>
+        <p14:creationId xmlns:p14="http://schemas.microsoft.com/office/powerpoint/2010/main" val="1012706562"/>
       </p:ext>
     </p:extLst>
   </p:cSld>
@@ -5350,7 +5921,7 @@
           <p:cNvPr id="2" name="Title 1">
             <a:extLst>
               <a:ext uri="{FF2B5EF4-FFF2-40B4-BE49-F238E27FC236}">
-                <a16:creationId xmlns:a16="http://schemas.microsoft.com/office/drawing/2014/main" id="{CAD467CA-FD46-EC46-A121-B14218D54329}"/>
+                <a16:creationId xmlns:a16="http://schemas.microsoft.com/office/drawing/2014/main" id="{89800C5F-571B-6345-942C-508BCBD85D88}"/>
               </a:ext>
             </a:extLst>
           </p:cNvPr>
@@ -5359,173 +5930,221 @@
           </p:cNvSpPr>
           <p:nvPr>
             <p:ph type="title"/>
+          </p:nvPr>
+        </p:nvSpPr>
+        <p:spPr/>
+        <p:txBody>
+          <a:bodyPr>
+            <a:normAutofit fontScale="90000"/>
+          </a:bodyPr>
+          <a:lstStyle/>
+          <a:p>
+            <a:br>
+              <a:rPr lang="en-US" sz="2200" dirty="0"/>
+            </a:br>
+            <a:br>
+              <a:rPr lang="en-US" sz="2200" dirty="0"/>
+            </a:br>
+            <a:r>
+              <a:rPr lang="en-US" sz="3300" b="1" dirty="0" err="1"/>
+              <a:t>Zipcode</a:t>
+            </a:r>
+            <a:r>
+              <a:rPr lang="en-US" sz="3300" b="1" dirty="0"/>
+              <a:t>: 11230</a:t>
+            </a:r>
+            <a:br>
+              <a:rPr lang="en-US" sz="2200" dirty="0"/>
+            </a:br>
+            <a:br>
+              <a:rPr lang="en-US" sz="2200" dirty="0"/>
+            </a:br>
+            <a:r>
+              <a:rPr lang="en-US" sz="2200" dirty="0"/>
+              <a:t>ROI               1</a:t>
+            </a:r>
+            <a:r>
+              <a:rPr lang="en-US" sz="2200" baseline="30000" dirty="0"/>
+              <a:t>st</a:t>
+            </a:r>
+            <a:r>
+              <a:rPr lang="en-US" sz="2200" dirty="0"/>
+              <a:t> yr.              3</a:t>
+            </a:r>
+            <a:r>
+              <a:rPr lang="en-US" sz="2200" baseline="30000" dirty="0"/>
+              <a:t>rd</a:t>
+            </a:r>
+            <a:r>
+              <a:rPr lang="en-US" sz="2200" dirty="0"/>
+              <a:t> yr. </a:t>
+            </a:r>
+            <a:br>
+              <a:rPr lang="en-US" sz="2200" dirty="0"/>
+            </a:br>
+            <a:r>
+              <a:rPr lang="en-US" sz="2200" dirty="0"/>
+              <a:t>0.378108    0.098586       0.657631 </a:t>
+            </a:r>
+            <a:br>
+              <a:rPr lang="en-US" sz="2200" dirty="0"/>
+            </a:br>
+            <a:br>
+              <a:rPr lang="en-US" sz="2200" dirty="0"/>
+            </a:br>
+            <a:endParaRPr lang="en-US" sz="2200" dirty="0"/>
+          </a:p>
+        </p:txBody>
+      </p:sp>
+      <p:sp>
+        <p:nvSpPr>
+          <p:cNvPr id="3" name="Content Placeholder 2">
+            <a:extLst>
+              <a:ext uri="{FF2B5EF4-FFF2-40B4-BE49-F238E27FC236}">
+                <a16:creationId xmlns:a16="http://schemas.microsoft.com/office/drawing/2014/main" id="{BDEB33CD-10F8-6241-A7A5-4DB3C979965F}"/>
+              </a:ext>
+            </a:extLst>
+          </p:cNvPr>
+          <p:cNvSpPr>
+            <a:spLocks noGrp="1"/>
+          </p:cNvSpPr>
+          <p:nvPr>
+            <p:ph sz="half" idx="1"/>
           </p:nvPr>
         </p:nvSpPr>
         <p:spPr>
           <a:xfrm>
-            <a:off x="838200" y="365125"/>
-            <a:ext cx="10515600" cy="854075"/>
+            <a:off x="838200" y="1825625"/>
+            <a:ext cx="4003623" cy="4351338"/>
           </a:xfrm>
         </p:spPr>
         <p:txBody>
           <a:bodyPr/>
           <a:lstStyle/>
           <a:p>
-            <a:pPr algn="ctr"/>
-            <a:r>
-              <a:rPr lang="en-US" b="1" dirty="0"/>
-              <a:t>Recommendations</a:t>
-            </a:r>
-          </a:p>
-        </p:txBody>
-      </p:sp>
-      <p:sp>
-        <p:nvSpPr>
-          <p:cNvPr id="3" name="Content Placeholder 2">
-            <a:extLst>
-              <a:ext uri="{FF2B5EF4-FFF2-40B4-BE49-F238E27FC236}">
-                <a16:creationId xmlns:a16="http://schemas.microsoft.com/office/drawing/2014/main" id="{7712C570-4AF5-0F4B-981A-6B3B7C16E3B0}"/>
-              </a:ext>
-            </a:extLst>
-          </p:cNvPr>
-          <p:cNvSpPr>
-            <a:spLocks noGrp="1"/>
-          </p:cNvSpPr>
-          <p:nvPr>
-            <p:ph idx="1"/>
-          </p:nvPr>
-        </p:nvSpPr>
+            <a:r>
+              <a:rPr lang="en-US" dirty="0"/>
+              <a:t>Average ROI 38%</a:t>
+            </a:r>
+          </a:p>
+          <a:p>
+            <a:r>
+              <a:rPr lang="en-US" dirty="0"/>
+              <a:t>1</a:t>
+            </a:r>
+            <a:r>
+              <a:rPr lang="en-US" baseline="30000" dirty="0"/>
+              <a:t>st</a:t>
+            </a:r>
+            <a:r>
+              <a:rPr lang="en-US" dirty="0"/>
+              <a:t> yr.  9% </a:t>
+            </a:r>
+          </a:p>
+          <a:p>
+            <a:r>
+              <a:rPr lang="en-US" dirty="0"/>
+              <a:t>3</a:t>
+            </a:r>
+            <a:r>
+              <a:rPr lang="en-US" baseline="30000" dirty="0"/>
+              <a:t>rd</a:t>
+            </a:r>
+            <a:r>
+              <a:rPr lang="en-US" dirty="0"/>
+              <a:t> yr. 66%</a:t>
+            </a:r>
+          </a:p>
+          <a:p>
+            <a:pPr marL="0" indent="0">
+              <a:buNone/>
+            </a:pPr>
+            <a:r>
+              <a:rPr lang="en-US" dirty="0"/>
+              <a:t>  </a:t>
+            </a:r>
+          </a:p>
+          <a:p>
+            <a:r>
+              <a:rPr lang="en-US" dirty="0"/>
+              <a:t>3</a:t>
+            </a:r>
+            <a:r>
+              <a:rPr lang="en-US" baseline="30000" dirty="0"/>
+              <a:t>rd</a:t>
+            </a:r>
+            <a:r>
+              <a:rPr lang="en-US" dirty="0"/>
+              <a:t> for 1 investment</a:t>
+            </a:r>
+          </a:p>
+          <a:p>
+            <a:endParaRPr lang="en-US" dirty="0"/>
+          </a:p>
+        </p:txBody>
+      </p:sp>
+      <p:sp>
+        <p:nvSpPr>
+          <p:cNvPr id="4" name="Content Placeholder 3">
+            <a:extLst>
+              <a:ext uri="{FF2B5EF4-FFF2-40B4-BE49-F238E27FC236}">
+                <a16:creationId xmlns:a16="http://schemas.microsoft.com/office/drawing/2014/main" id="{2EB85BBF-B8E0-594E-AC07-6725C8C5E620}"/>
+              </a:ext>
+            </a:extLst>
+          </p:cNvPr>
+          <p:cNvSpPr>
+            <a:spLocks noGrp="1"/>
+          </p:cNvSpPr>
+          <p:nvPr>
+            <p:ph sz="half" idx="2"/>
+          </p:nvPr>
+        </p:nvSpPr>
+        <p:spPr/>
+        <p:txBody>
+          <a:bodyPr/>
+          <a:lstStyle/>
+          <a:p>
+            <a:pPr marL="0" indent="0">
+              <a:buNone/>
+            </a:pPr>
+            <a:endParaRPr lang="en-US" dirty="0"/>
+          </a:p>
+        </p:txBody>
+      </p:sp>
+      <p:pic>
+        <p:nvPicPr>
+          <p:cNvPr id="5" name="Picture 4">
+            <a:extLst>
+              <a:ext uri="{FF2B5EF4-FFF2-40B4-BE49-F238E27FC236}">
+                <a16:creationId xmlns:a16="http://schemas.microsoft.com/office/drawing/2014/main" id="{9909995B-B412-844D-8BA3-5BA28CD4EBD2}"/>
+              </a:ext>
+            </a:extLst>
+          </p:cNvPr>
+          <p:cNvPicPr>
+            <a:picLocks noChangeAspect="1"/>
+          </p:cNvPicPr>
+          <p:nvPr/>
+        </p:nvPicPr>
+        <p:blipFill>
+          <a:blip r:embed="rId2"/>
+          <a:stretch>
+            <a:fillRect/>
+          </a:stretch>
+        </p:blipFill>
         <p:spPr>
           <a:xfrm>
-            <a:off x="838200" y="1219200"/>
-            <a:ext cx="10515600" cy="4957763"/>
+            <a:off x="5826368" y="1690688"/>
+            <a:ext cx="5527432" cy="4486275"/>
           </a:xfrm>
+          <a:prstGeom prst="rect">
+            <a:avLst/>
+          </a:prstGeom>
         </p:spPr>
-        <p:txBody>
-          <a:bodyPr>
-            <a:normAutofit/>
-          </a:bodyPr>
-          <a:lstStyle/>
-          <a:p>
-            <a:r>
-              <a:rPr lang="en-US" dirty="0"/>
-              <a:t>Top 5 </a:t>
-            </a:r>
-            <a:r>
-              <a:rPr lang="en-US" dirty="0" err="1"/>
-              <a:t>zipcodes</a:t>
-            </a:r>
-            <a:r>
-              <a:rPr lang="en-US" dirty="0"/>
-              <a:t> for ROI: 11226 (37%),  11233(43%),  11218(38%), 11230(38%),  11212(37%)</a:t>
-            </a:r>
-          </a:p>
-          <a:p>
-            <a:r>
-              <a:rPr lang="en-US" dirty="0"/>
-              <a:t>ROI w/in 1 yr. (low): 11217, 11238,11230, 11229, 11233</a:t>
-            </a:r>
-          </a:p>
-          <a:p>
-            <a:r>
-              <a:rPr lang="en-US" dirty="0"/>
-              <a:t>ROI w/in 3 </a:t>
-            </a:r>
-            <a:r>
-              <a:rPr lang="en-US" dirty="0" err="1"/>
-              <a:t>yrs</a:t>
-            </a:r>
-            <a:r>
-              <a:rPr lang="en-US" dirty="0"/>
-              <a:t> (upper): 11218, 11226, 11233, 11212, 11216</a:t>
-            </a:r>
-          </a:p>
-          <a:p>
-            <a:r>
-              <a:rPr lang="en-US" dirty="0"/>
-              <a:t>Winners: 11226, ranked 1</a:t>
-            </a:r>
-            <a:r>
-              <a:rPr lang="en-US" baseline="30000" dirty="0"/>
-              <a:t>st</a:t>
-            </a:r>
-            <a:r>
-              <a:rPr lang="en-US" dirty="0"/>
-              <a:t> on average &amp; w/in 3 </a:t>
-            </a:r>
-            <a:r>
-              <a:rPr lang="en-US" dirty="0" err="1"/>
-              <a:t>yrs</a:t>
-            </a:r>
-            <a:r>
-              <a:rPr lang="en-US" dirty="0"/>
-              <a:t> ROI is ranked 2</a:t>
-            </a:r>
-            <a:r>
-              <a:rPr lang="en-US" baseline="30000" dirty="0"/>
-              <a:t>nd</a:t>
-            </a:r>
-            <a:r>
-              <a:rPr lang="en-US" dirty="0"/>
-              <a:t> w/ROI 86% on upper end</a:t>
-            </a:r>
-          </a:p>
-          <a:p>
-            <a:pPr marL="0" indent="0">
-              <a:buNone/>
-            </a:pPr>
-            <a:r>
-              <a:rPr lang="en-US" dirty="0"/>
-              <a:t>   11230: ranked 3</a:t>
-            </a:r>
-            <a:r>
-              <a:rPr lang="en-US" baseline="30000" dirty="0"/>
-              <a:t>rd</a:t>
-            </a:r>
-            <a:r>
-              <a:rPr lang="en-US" dirty="0"/>
-              <a:t> for 1</a:t>
-            </a:r>
-            <a:r>
-              <a:rPr lang="en-US" baseline="30000" dirty="0"/>
-              <a:t>st</a:t>
-            </a:r>
-            <a:r>
-              <a:rPr lang="en-US" dirty="0"/>
-              <a:t> year;  11233 ranked for 3</a:t>
-            </a:r>
-            <a:r>
-              <a:rPr lang="en-US" baseline="30000" dirty="0"/>
-              <a:t>rd</a:t>
-            </a:r>
-            <a:r>
-              <a:rPr lang="en-US" dirty="0"/>
-              <a:t> yr. </a:t>
-            </a:r>
-          </a:p>
-          <a:p>
-            <a:r>
-              <a:rPr lang="en-US" dirty="0"/>
-              <a:t>Risk Assessment- only data from a </a:t>
-            </a:r>
-            <a:r>
-              <a:rPr lang="en-US" dirty="0" err="1"/>
-              <a:t>uni</a:t>
-            </a:r>
-            <a:r>
-              <a:rPr lang="en-US" dirty="0"/>
-              <a:t>-variate time series, means only considering the relationship between the average monthly home prices and  the date time points.  Not considering factors such income, geography etc. </a:t>
-            </a:r>
-          </a:p>
-          <a:p>
-            <a:endParaRPr lang="en-US" dirty="0"/>
-          </a:p>
-        </p:txBody>
-      </p:sp>
+      </p:pic>
     </p:spTree>
     <p:extLst>
       <p:ext uri="{BB962C8B-B14F-4D97-AF65-F5344CB8AC3E}">
-        <p14:creationId xmlns:p14="http://schemas.microsoft.com/office/powerpoint/2010/main" val="1644498437"/>
+        <p14:creationId xmlns:p14="http://schemas.microsoft.com/office/powerpoint/2010/main" val="724281849"/>
       </p:ext>
     </p:extLst>
   </p:cSld>

--- a/zillow_ts.pptx
+++ b/zillow_ts.pptx
@@ -274,7 +274,7 @@
           <a:p>
             <a:fld id="{A70138C3-DC66-AC46-BBED-5BC5CEF98FA7}" type="datetimeFigureOut">
               <a:rPr lang="en-US" smtClean="0"/>
-              <a:t>12/14/20</a:t>
+              <a:t>12/15/20</a:t>
             </a:fld>
             <a:endParaRPr lang="en-US"/>
           </a:p>
@@ -472,7 +472,7 @@
           <a:p>
             <a:fld id="{A70138C3-DC66-AC46-BBED-5BC5CEF98FA7}" type="datetimeFigureOut">
               <a:rPr lang="en-US" smtClean="0"/>
-              <a:t>12/14/20</a:t>
+              <a:t>12/15/20</a:t>
             </a:fld>
             <a:endParaRPr lang="en-US"/>
           </a:p>
@@ -680,7 +680,7 @@
           <a:p>
             <a:fld id="{A70138C3-DC66-AC46-BBED-5BC5CEF98FA7}" type="datetimeFigureOut">
               <a:rPr lang="en-US" smtClean="0"/>
-              <a:t>12/14/20</a:t>
+              <a:t>12/15/20</a:t>
             </a:fld>
             <a:endParaRPr lang="en-US"/>
           </a:p>
@@ -878,7 +878,7 @@
           <a:p>
             <a:fld id="{A70138C3-DC66-AC46-BBED-5BC5CEF98FA7}" type="datetimeFigureOut">
               <a:rPr lang="en-US" smtClean="0"/>
-              <a:t>12/14/20</a:t>
+              <a:t>12/15/20</a:t>
             </a:fld>
             <a:endParaRPr lang="en-US"/>
           </a:p>
@@ -1153,7 +1153,7 @@
           <a:p>
             <a:fld id="{A70138C3-DC66-AC46-BBED-5BC5CEF98FA7}" type="datetimeFigureOut">
               <a:rPr lang="en-US" smtClean="0"/>
-              <a:t>12/14/20</a:t>
+              <a:t>12/15/20</a:t>
             </a:fld>
             <a:endParaRPr lang="en-US"/>
           </a:p>
@@ -1418,7 +1418,7 @@
           <a:p>
             <a:fld id="{A70138C3-DC66-AC46-BBED-5BC5CEF98FA7}" type="datetimeFigureOut">
               <a:rPr lang="en-US" smtClean="0"/>
-              <a:t>12/14/20</a:t>
+              <a:t>12/15/20</a:t>
             </a:fld>
             <a:endParaRPr lang="en-US"/>
           </a:p>
@@ -1830,7 +1830,7 @@
           <a:p>
             <a:fld id="{A70138C3-DC66-AC46-BBED-5BC5CEF98FA7}" type="datetimeFigureOut">
               <a:rPr lang="en-US" smtClean="0"/>
-              <a:t>12/14/20</a:t>
+              <a:t>12/15/20</a:t>
             </a:fld>
             <a:endParaRPr lang="en-US"/>
           </a:p>
@@ -1971,7 +1971,7 @@
           <a:p>
             <a:fld id="{A70138C3-DC66-AC46-BBED-5BC5CEF98FA7}" type="datetimeFigureOut">
               <a:rPr lang="en-US" smtClean="0"/>
-              <a:t>12/14/20</a:t>
+              <a:t>12/15/20</a:t>
             </a:fld>
             <a:endParaRPr lang="en-US"/>
           </a:p>
@@ -2084,7 +2084,7 @@
           <a:p>
             <a:fld id="{A70138C3-DC66-AC46-BBED-5BC5CEF98FA7}" type="datetimeFigureOut">
               <a:rPr lang="en-US" smtClean="0"/>
-              <a:t>12/14/20</a:t>
+              <a:t>12/15/20</a:t>
             </a:fld>
             <a:endParaRPr lang="en-US"/>
           </a:p>
@@ -2395,7 +2395,7 @@
           <a:p>
             <a:fld id="{A70138C3-DC66-AC46-BBED-5BC5CEF98FA7}" type="datetimeFigureOut">
               <a:rPr lang="en-US" smtClean="0"/>
-              <a:t>12/14/20</a:t>
+              <a:t>12/15/20</a:t>
             </a:fld>
             <a:endParaRPr lang="en-US"/>
           </a:p>
@@ -2683,7 +2683,7 @@
           <a:p>
             <a:fld id="{A70138C3-DC66-AC46-BBED-5BC5CEF98FA7}" type="datetimeFigureOut">
               <a:rPr lang="en-US" smtClean="0"/>
-              <a:t>12/14/20</a:t>
+              <a:t>12/15/20</a:t>
             </a:fld>
             <a:endParaRPr lang="en-US"/>
           </a:p>
@@ -2924,7 +2924,7 @@
           <a:p>
             <a:fld id="{A70138C3-DC66-AC46-BBED-5BC5CEF98FA7}" type="datetimeFigureOut">
               <a:rPr lang="en-US" smtClean="0"/>
-              <a:t>12/14/20</a:t>
+              <a:t>12/15/20</a:t>
             </a:fld>
             <a:endParaRPr lang="en-US"/>
           </a:p>
@@ -3600,7 +3600,7 @@
             </a:r>
             <a:r>
               <a:rPr lang="en-US" dirty="0"/>
-              <a:t> yr. -2%</a:t>
+              <a:t> yr. -2.77%</a:t>
             </a:r>
           </a:p>
           <a:p>
@@ -3786,8 +3786,8 @@
         </p:nvSpPr>
         <p:spPr>
           <a:xfrm>
-            <a:off x="838200" y="1219200"/>
-            <a:ext cx="10515600" cy="4957763"/>
+            <a:off x="838200" y="1424066"/>
+            <a:ext cx="10515600" cy="4752897"/>
           </a:xfrm>
         </p:spPr>
         <p:txBody>
@@ -3796,6 +3796,9 @@
           </a:bodyPr>
           <a:lstStyle/>
           <a:p>
+            <a:pPr marL="0" indent="0">
+              <a:buNone/>
+            </a:pPr>
             <a:r>
               <a:rPr lang="en-US" dirty="0"/>
               <a:t>Top 5 </a:t>
@@ -3806,7 +3809,7 @@
             </a:r>
             <a:r>
               <a:rPr lang="en-US" dirty="0"/>
-              <a:t> for mean ROI: </a:t>
+              <a:t> with mean ROI: </a:t>
             </a:r>
           </a:p>
           <a:p>
@@ -4506,7 +4509,7 @@
             </a:r>
             <a:r>
               <a:rPr lang="en-US" dirty="0" err="1"/>
-              <a:t>xipcodes</a:t>
+              <a:t>zipcodes</a:t>
             </a:r>
             <a:r>
               <a:rPr lang="en-US" dirty="0"/>
@@ -4519,15 +4522,7 @@
             </a:pPr>
             <a:r>
               <a:rPr lang="en-US" dirty="0"/>
-              <a:t>Want to create models that consider other features besides average </a:t>
-            </a:r>
-            <a:r>
-              <a:rPr lang="en-US" dirty="0" err="1"/>
-              <a:t>montly</a:t>
-            </a:r>
-            <a:r>
-              <a:rPr lang="en-US" dirty="0"/>
-              <a:t> sales price.</a:t>
+              <a:t>Want to create models that consider other features besides average monthly sales price.</a:t>
             </a:r>
           </a:p>
         </p:txBody>
@@ -4583,9 +4578,14 @@
           <a:bodyPr/>
           <a:lstStyle/>
           <a:p>
-            <a:r>
-              <a:rPr lang="en-US" dirty="0"/>
-              <a:t>Background	</a:t>
+            <a:pPr algn="ctr"/>
+            <a:r>
+              <a:rPr lang="en-US" b="1" dirty="0"/>
+              <a:t>Background</a:t>
+            </a:r>
+            <a:r>
+              <a:rPr lang="en-US" dirty="0"/>
+              <a:t>	</a:t>
             </a:r>
           </a:p>
         </p:txBody>
@@ -4621,7 +4621,7 @@
             </a:r>
             <a:r>
               <a:rPr lang="en-US" dirty="0"/>
-              <a:t> to invest in in Brooklyn, NY based on investment time up to 3 years. </a:t>
+              <a:t> to invest in Brooklyn, NY based on investment time up to 3 years. </a:t>
             </a:r>
           </a:p>
           <a:p>
@@ -4636,6 +4636,12 @@
             <a:r>
               <a:rPr lang="en-US" dirty="0"/>
               <a:t> 4/1/1996 – 4/1/2018 </a:t>
+            </a:r>
+          </a:p>
+          <a:p>
+            <a:r>
+              <a:rPr lang="en-US" dirty="0"/>
+              <a:t>Forecasting period is 4/1/2018 to 4/1/2021</a:t>
             </a:r>
           </a:p>
         </p:txBody>
@@ -4736,7 +4742,7 @@
             </a:r>
             <a:r>
               <a:rPr lang="en-US" dirty="0"/>
-              <a:t> with ROI on average for investment period?</a:t>
+              <a:t> with mean ROI for investment period?</a:t>
             </a:r>
           </a:p>
           <a:p>
@@ -4750,7 +4756,7 @@
             </a:r>
             <a:r>
               <a:rPr lang="en-US" dirty="0"/>
-              <a:t> with ROI on average for 1 year?</a:t>
+              <a:t> with ROI on for 1 year?</a:t>
             </a:r>
           </a:p>
           <a:p>
@@ -4764,7 +4770,7 @@
             </a:r>
             <a:r>
               <a:rPr lang="en-US" dirty="0"/>
-              <a:t> with ROI on average for 3 years?</a:t>
+              <a:t> with ROI on for 3 years?</a:t>
             </a:r>
           </a:p>
         </p:txBody>
@@ -4863,33 +4869,33 @@
           <a:p>
             <a:r>
               <a:rPr lang="en-US" dirty="0"/>
-              <a:t>11217 (gray)       $3.66 million</a:t>
-            </a:r>
-          </a:p>
-          <a:p>
-            <a:r>
-              <a:rPr lang="en-US" dirty="0"/>
-              <a:t>11238 (brown)   $2.8 million</a:t>
-            </a:r>
-          </a:p>
-          <a:p>
-            <a:r>
-              <a:rPr lang="en-US" dirty="0"/>
-              <a:t>11215 (</a:t>
-            </a:r>
-            <a:r>
-              <a:rPr lang="en-US" dirty="0" err="1"/>
-              <a:t>acqua</a:t>
-            </a:r>
-            <a:r>
-              <a:rPr lang="en-US" dirty="0"/>
-              <a:t>)    $2.2 million</a:t>
-            </a:r>
-          </a:p>
-          <a:p>
-            <a:r>
-              <a:rPr lang="en-US" dirty="0"/>
-              <a:t>11212                   $428,400</a:t>
+              <a:t>11217 (blue)       $3.66 million</a:t>
+            </a:r>
+          </a:p>
+          <a:p>
+            <a:r>
+              <a:rPr lang="en-US" dirty="0"/>
+              <a:t>11238 (orange)   $2.8 million</a:t>
+            </a:r>
+          </a:p>
+          <a:p>
+            <a:r>
+              <a:rPr lang="en-US" dirty="0"/>
+              <a:t>11215 (green)    $2.2 million</a:t>
+            </a:r>
+          </a:p>
+          <a:p>
+            <a:r>
+              <a:rPr lang="en-US" dirty="0"/>
+              <a:t>11212  </a:t>
+            </a:r>
+            <a:r>
+              <a:rPr lang="en-US"/>
+              <a:t>(purple)  $</a:t>
+            </a:r>
+            <a:r>
+              <a:rPr lang="en-US" dirty="0"/>
+              <a:t>428,400</a:t>
             </a:r>
           </a:p>
           <a:p>
@@ -4938,10 +4944,10 @@
       </p:sp>
       <p:pic>
         <p:nvPicPr>
-          <p:cNvPr id="5" name="Picture 4">
-            <a:extLst>
-              <a:ext uri="{FF2B5EF4-FFF2-40B4-BE49-F238E27FC236}">
-                <a16:creationId xmlns:a16="http://schemas.microsoft.com/office/drawing/2014/main" id="{2847CD73-BEC9-EE49-9997-E13E84F99C1C}"/>
+          <p:cNvPr id="7" name="Picture 6">
+            <a:extLst>
+              <a:ext uri="{FF2B5EF4-FFF2-40B4-BE49-F238E27FC236}">
+                <a16:creationId xmlns:a16="http://schemas.microsoft.com/office/drawing/2014/main" id="{D3942F39-A2A1-5541-8179-0FE4CC99663C}"/>
               </a:ext>
             </a:extLst>
           </p:cNvPr>
@@ -4958,8 +4964,8 @@
         </p:blipFill>
         <p:spPr>
           <a:xfrm>
-            <a:off x="5436306" y="1580382"/>
-            <a:ext cx="5917494" cy="5277618"/>
+            <a:off x="5897216" y="1690688"/>
+            <a:ext cx="5450233" cy="4802187"/>
           </a:xfrm>
           <a:prstGeom prst="rect">
             <a:avLst/>
@@ -5057,7 +5063,7 @@
         <p:spPr>
           <a:xfrm>
             <a:off x="838200" y="1524000"/>
-            <a:ext cx="5181600" cy="4652963"/>
+            <a:ext cx="4528279" cy="4652963"/>
           </a:xfrm>
         </p:spPr>
         <p:txBody>
@@ -5066,7 +5072,7 @@
           <a:p>
             <a:r>
               <a:rPr lang="en-US" dirty="0"/>
-              <a:t>Highest mean ROI:</a:t>
+              <a:t>Top mean ROI:</a:t>
             </a:r>
           </a:p>
           <a:p>
@@ -5140,8 +5146,8 @@
         </p:blipFill>
         <p:spPr>
           <a:xfrm>
-            <a:off x="6019800" y="1523999"/>
-            <a:ext cx="4914900" cy="4208585"/>
+            <a:off x="4781862" y="1523999"/>
+            <a:ext cx="6152838" cy="4208585"/>
           </a:xfrm>
         </p:spPr>
       </p:pic>
@@ -5272,7 +5278,7 @@
           <a:p>
             <a:r>
               <a:rPr lang="en-US" dirty="0"/>
-              <a:t>Average ROI 59%</a:t>
+              <a:t>Mean ROI 59%</a:t>
             </a:r>
           </a:p>
           <a:p>
@@ -5289,13 +5295,13 @@
             </a:r>
             <a:r>
               <a:rPr lang="en-US" dirty="0"/>
-              <a:t> yr. -3%   </a:t>
-            </a:r>
-          </a:p>
-          <a:p>
-            <a:r>
-              <a:rPr lang="en-US" dirty="0"/>
-              <a:t>3</a:t>
+              <a:t> yr. -370%   </a:t>
+            </a:r>
+          </a:p>
+          <a:p>
+            <a:r>
+              <a:rPr lang="en-US" dirty="0"/>
+              <a:t> 3</a:t>
             </a:r>
             <a:r>
               <a:rPr lang="en-US" baseline="30000" dirty="0"/>
@@ -5303,7 +5309,7 @@
             </a:r>
             <a:r>
               <a:rPr lang="en-US" dirty="0"/>
-              <a:t> yr.  5%</a:t>
+              <a:t> yr.  489%</a:t>
             </a:r>
           </a:p>
           <a:p>
@@ -5481,7 +5487,7 @@
           <a:p>
             <a:r>
               <a:rPr lang="en-US" dirty="0"/>
-              <a:t>Average ROI 43%</a:t>
+              <a:t>Mean ROI 43%</a:t>
             </a:r>
           </a:p>
           <a:p>
@@ -5495,7 +5501,7 @@
             </a:r>
             <a:r>
               <a:rPr lang="en-US" dirty="0"/>
-              <a:t> yr.  6%  </a:t>
+              <a:t> yr.  6.2%  </a:t>
             </a:r>
           </a:p>
           <a:p>
@@ -5519,18 +5525,10 @@
             <a:endParaRPr lang="en-US" dirty="0"/>
           </a:p>
           <a:p>
-            <a:r>
-              <a:rPr lang="en-US" dirty="0"/>
-              <a:t>5</a:t>
-            </a:r>
-            <a:r>
-              <a:rPr lang="en-US" baseline="30000" dirty="0"/>
-              <a:t>th</a:t>
-            </a:r>
-            <a:r>
-              <a:rPr lang="en-US" dirty="0"/>
-              <a:t> for 1 yr. investment</a:t>
-            </a:r>
+            <a:pPr marL="0" indent="0">
+              <a:buNone/>
+            </a:pPr>
+            <a:endParaRPr lang="en-US" dirty="0"/>
           </a:p>
           <a:p>
             <a:pPr marL="0" indent="0">
@@ -5608,8 +5606,8 @@
         </p:blipFill>
         <p:spPr>
           <a:xfrm>
-            <a:off x="5756031" y="1570892"/>
-            <a:ext cx="5685691" cy="4606071"/>
+            <a:off x="4841823" y="1570892"/>
+            <a:ext cx="6599899" cy="4606071"/>
           </a:xfrm>
           <a:prstGeom prst="rect">
             <a:avLst/>
@@ -5662,7 +5660,12 @@
             <p:ph type="title"/>
           </p:nvPr>
         </p:nvSpPr>
-        <p:spPr/>
+        <p:spPr>
+          <a:xfrm>
+            <a:off x="838200" y="149903"/>
+            <a:ext cx="10515600" cy="1062948"/>
+          </a:xfrm>
+        </p:spPr>
         <p:txBody>
           <a:bodyPr>
             <a:normAutofit fontScale="90000"/>
@@ -5741,8 +5744,8 @@
         </p:nvSpPr>
         <p:spPr>
           <a:xfrm>
-            <a:off x="838200" y="1825625"/>
-            <a:ext cx="4003623" cy="4351338"/>
+            <a:off x="838200" y="1454046"/>
+            <a:ext cx="4003623" cy="4722917"/>
           </a:xfrm>
         </p:spPr>
         <p:txBody>
@@ -5751,7 +5754,7 @@
           <a:p>
             <a:r>
               <a:rPr lang="en-US" dirty="0"/>
-              <a:t>Average ROI 38%</a:t>
+              <a:t>Mean ROI 38%</a:t>
             </a:r>
           </a:p>
           <a:p>
@@ -5765,7 +5768,7 @@
             </a:r>
             <a:r>
               <a:rPr lang="en-US" dirty="0"/>
-              <a:t> yr.  -14%  </a:t>
+              <a:t> yr.   -14.4%  </a:t>
             </a:r>
           </a:p>
           <a:p>
@@ -5779,7 +5782,7 @@
             </a:r>
             <a:r>
               <a:rPr lang="en-US" dirty="0"/>
-              <a:t> yr. 90%</a:t>
+              <a:t> yr.   90%</a:t>
             </a:r>
           </a:p>
           <a:p>
@@ -5789,26 +5792,6 @@
             <a:r>
               <a:rPr lang="en-US" dirty="0"/>
               <a:t>   </a:t>
-            </a:r>
-          </a:p>
-          <a:p>
-            <a:pPr marL="0" indent="0">
-              <a:buNone/>
-            </a:pPr>
-            <a:endParaRPr lang="en-US" dirty="0"/>
-          </a:p>
-          <a:p>
-            <a:r>
-              <a:rPr lang="en-US" dirty="0"/>
-              <a:t>1</a:t>
-            </a:r>
-            <a:r>
-              <a:rPr lang="en-US" baseline="30000" dirty="0"/>
-              <a:t>st</a:t>
-            </a:r>
-            <a:r>
-              <a:rPr lang="en-US" dirty="0"/>
-              <a:t>  for 3yr. investment</a:t>
             </a:r>
           </a:p>
           <a:p>
@@ -5878,8 +5861,8 @@
         </p:blipFill>
         <p:spPr>
           <a:xfrm>
-            <a:off x="5814645" y="1212851"/>
-            <a:ext cx="5660781" cy="4964112"/>
+            <a:off x="5111647" y="1212851"/>
+            <a:ext cx="6363780" cy="4964112"/>
           </a:xfrm>
           <a:prstGeom prst="rect">
             <a:avLst/>
@@ -6024,7 +6007,7 @@
           <a:p>
             <a:r>
               <a:rPr lang="en-US" dirty="0"/>
-              <a:t>Average ROI 38%</a:t>
+              <a:t>Mean ROI 38%</a:t>
             </a:r>
           </a:p>
           <a:p>
@@ -6065,18 +6048,10 @@
             </a:r>
           </a:p>
           <a:p>
-            <a:r>
-              <a:rPr lang="en-US" dirty="0"/>
-              <a:t>3</a:t>
-            </a:r>
-            <a:r>
-              <a:rPr lang="en-US" baseline="30000" dirty="0"/>
-              <a:t>rd</a:t>
-            </a:r>
-            <a:r>
-              <a:rPr lang="en-US" dirty="0"/>
-              <a:t> for 1 investment</a:t>
-            </a:r>
+            <a:pPr marL="0" indent="0">
+              <a:buNone/>
+            </a:pPr>
+            <a:endParaRPr lang="en-US" dirty="0"/>
           </a:p>
           <a:p>
             <a:endParaRPr lang="en-US" dirty="0"/>
@@ -6133,8 +6108,8 @@
         </p:blipFill>
         <p:spPr>
           <a:xfrm>
-            <a:off x="5826368" y="1690688"/>
-            <a:ext cx="5527432" cy="4486275"/>
+            <a:off x="4841823" y="1690688"/>
+            <a:ext cx="6511977" cy="4486275"/>
           </a:xfrm>
           <a:prstGeom prst="rect">
             <a:avLst/>

--- a/zillow_ts.pptx
+++ b/zillow_ts.pptx
@@ -4852,7 +4852,7 @@
         <p:spPr>
           <a:xfrm>
             <a:off x="838200" y="1825625"/>
-            <a:ext cx="4800600" cy="4841824"/>
+            <a:ext cx="4800600" cy="4351338"/>
           </a:xfrm>
         </p:spPr>
         <p:txBody>
@@ -4875,7 +4875,7 @@
           <a:p>
             <a:r>
               <a:rPr lang="en-US" dirty="0"/>
-              <a:t>11238 (orange)   $2.8 million</a:t>
+              <a:t>11238 (green)    $2.8 million</a:t>
             </a:r>
           </a:p>
           <a:p>
@@ -4887,15 +4887,7 @@
           <a:p>
             <a:r>
               <a:rPr lang="en-US" dirty="0"/>
-              <a:t>11212  </a:t>
-            </a:r>
-            <a:r>
-              <a:rPr lang="en-US"/>
-              <a:t>(purple)  $</a:t>
-            </a:r>
-            <a:r>
-              <a:rPr lang="en-US" dirty="0"/>
-              <a:t>428,400</a:t>
+              <a:t>11212  (purple)  $428,400</a:t>
             </a:r>
           </a:p>
           <a:p>

--- a/zillow_ts.pptx
+++ b/zillow_ts.pptx
@@ -16,11 +16,8 @@
     <p:sldId id="262" r:id="rId10"/>
     <p:sldId id="263" r:id="rId11"/>
     <p:sldId id="258" r:id="rId12"/>
-    <p:sldId id="270" r:id="rId13"/>
-    <p:sldId id="271" r:id="rId14"/>
-    <p:sldId id="272" r:id="rId15"/>
-    <p:sldId id="265" r:id="rId16"/>
-    <p:sldId id="267" r:id="rId17"/>
+    <p:sldId id="265" r:id="rId13"/>
+    <p:sldId id="267" r:id="rId14"/>
   </p:sldIdLst>
   <p:sldSz cx="12192000" cy="6858000"/>
   <p:notesSz cx="6858000" cy="9144000"/>
@@ -274,7 +271,7 @@
           <a:p>
             <a:fld id="{A70138C3-DC66-AC46-BBED-5BC5CEF98FA7}" type="datetimeFigureOut">
               <a:rPr lang="en-US" smtClean="0"/>
-              <a:t>12/15/20</a:t>
+              <a:t>12/17/20</a:t>
             </a:fld>
             <a:endParaRPr lang="en-US"/>
           </a:p>
@@ -472,7 +469,7 @@
           <a:p>
             <a:fld id="{A70138C3-DC66-AC46-BBED-5BC5CEF98FA7}" type="datetimeFigureOut">
               <a:rPr lang="en-US" smtClean="0"/>
-              <a:t>12/15/20</a:t>
+              <a:t>12/17/20</a:t>
             </a:fld>
             <a:endParaRPr lang="en-US"/>
           </a:p>
@@ -680,7 +677,7 @@
           <a:p>
             <a:fld id="{A70138C3-DC66-AC46-BBED-5BC5CEF98FA7}" type="datetimeFigureOut">
               <a:rPr lang="en-US" smtClean="0"/>
-              <a:t>12/15/20</a:t>
+              <a:t>12/17/20</a:t>
             </a:fld>
             <a:endParaRPr lang="en-US"/>
           </a:p>
@@ -878,7 +875,7 @@
           <a:p>
             <a:fld id="{A70138C3-DC66-AC46-BBED-5BC5CEF98FA7}" type="datetimeFigureOut">
               <a:rPr lang="en-US" smtClean="0"/>
-              <a:t>12/15/20</a:t>
+              <a:t>12/17/20</a:t>
             </a:fld>
             <a:endParaRPr lang="en-US"/>
           </a:p>
@@ -1153,7 +1150,7 @@
           <a:p>
             <a:fld id="{A70138C3-DC66-AC46-BBED-5BC5CEF98FA7}" type="datetimeFigureOut">
               <a:rPr lang="en-US" smtClean="0"/>
-              <a:t>12/15/20</a:t>
+              <a:t>12/17/20</a:t>
             </a:fld>
             <a:endParaRPr lang="en-US"/>
           </a:p>
@@ -1418,7 +1415,7 @@
           <a:p>
             <a:fld id="{A70138C3-DC66-AC46-BBED-5BC5CEF98FA7}" type="datetimeFigureOut">
               <a:rPr lang="en-US" smtClean="0"/>
-              <a:t>12/15/20</a:t>
+              <a:t>12/17/20</a:t>
             </a:fld>
             <a:endParaRPr lang="en-US"/>
           </a:p>
@@ -1830,7 +1827,7 @@
           <a:p>
             <a:fld id="{A70138C3-DC66-AC46-BBED-5BC5CEF98FA7}" type="datetimeFigureOut">
               <a:rPr lang="en-US" smtClean="0"/>
-              <a:t>12/15/20</a:t>
+              <a:t>12/17/20</a:t>
             </a:fld>
             <a:endParaRPr lang="en-US"/>
           </a:p>
@@ -1971,7 +1968,7 @@
           <a:p>
             <a:fld id="{A70138C3-DC66-AC46-BBED-5BC5CEF98FA7}" type="datetimeFigureOut">
               <a:rPr lang="en-US" smtClean="0"/>
-              <a:t>12/15/20</a:t>
+              <a:t>12/17/20</a:t>
             </a:fld>
             <a:endParaRPr lang="en-US"/>
           </a:p>
@@ -2084,7 +2081,7 @@
           <a:p>
             <a:fld id="{A70138C3-DC66-AC46-BBED-5BC5CEF98FA7}" type="datetimeFigureOut">
               <a:rPr lang="en-US" smtClean="0"/>
-              <a:t>12/15/20</a:t>
+              <a:t>12/17/20</a:t>
             </a:fld>
             <a:endParaRPr lang="en-US"/>
           </a:p>
@@ -2395,7 +2392,7 @@
           <a:p>
             <a:fld id="{A70138C3-DC66-AC46-BBED-5BC5CEF98FA7}" type="datetimeFigureOut">
               <a:rPr lang="en-US" smtClean="0"/>
-              <a:t>12/15/20</a:t>
+              <a:t>12/17/20</a:t>
             </a:fld>
             <a:endParaRPr lang="en-US"/>
           </a:p>
@@ -2683,7 +2680,7 @@
           <a:p>
             <a:fld id="{A70138C3-DC66-AC46-BBED-5BC5CEF98FA7}" type="datetimeFigureOut">
               <a:rPr lang="en-US" smtClean="0"/>
-              <a:t>12/15/20</a:t>
+              <a:t>12/17/20</a:t>
             </a:fld>
             <a:endParaRPr lang="en-US"/>
           </a:p>
@@ -2924,7 +2921,7 @@
           <a:p>
             <a:fld id="{A70138C3-DC66-AC46-BBED-5BC5CEF98FA7}" type="datetimeFigureOut">
               <a:rPr lang="en-US" smtClean="0"/>
-              <a:t>12/15/20</a:t>
+              <a:t>12/17/20</a:t>
             </a:fld>
             <a:endParaRPr lang="en-US"/>
           </a:p>
@@ -3513,7 +3510,7 @@
             </a:r>
             <a:r>
               <a:rPr lang="en-US" sz="3300" b="1" dirty="0"/>
-              <a:t>: 11212</a:t>
+              <a:t>: 11233</a:t>
             </a:r>
             <a:br>
               <a:rPr lang="en-US" sz="2200" dirty="0"/>
@@ -3523,30 +3520,14 @@
             </a:br>
             <a:r>
               <a:rPr lang="en-US" sz="2200" dirty="0"/>
-              <a:t>ROI                1</a:t>
-            </a:r>
-            <a:r>
-              <a:rPr lang="en-US" sz="2200" baseline="30000" dirty="0"/>
-              <a:t>st</a:t>
-            </a:r>
-            <a:r>
-              <a:rPr lang="en-US" sz="2200" dirty="0"/>
-              <a:t> yr.              3</a:t>
-            </a:r>
-            <a:r>
-              <a:rPr lang="en-US" sz="2200" baseline="30000" dirty="0"/>
-              <a:t>rd</a:t>
-            </a:r>
-            <a:r>
-              <a:rPr lang="en-US" sz="2200" dirty="0"/>
-              <a:t> yr. </a:t>
+              <a:t>ROI                Low                  High</a:t>
             </a:r>
             <a:br>
               <a:rPr lang="en-US" sz="2200" dirty="0"/>
             </a:br>
             <a:r>
-              <a:rPr lang="en-US" sz="2200" dirty="0"/>
-              <a:t> 0.371624    -0.027713      0.77096</a:t>
+              <a:rPr lang="en-US" sz="2400" dirty="0"/>
+              <a:t>0.426736    0.053068     0.800404</a:t>
             </a:r>
             <a:br>
               <a:rPr lang="en-US" sz="2200" dirty="0"/>
@@ -3576,8 +3557,8 @@
         </p:nvSpPr>
         <p:spPr>
           <a:xfrm>
-            <a:off x="838200" y="1825625"/>
-            <a:ext cx="4003623" cy="4351338"/>
+            <a:off x="838200" y="2053651"/>
+            <a:ext cx="4003623" cy="4123311"/>
           </a:xfrm>
         </p:spPr>
         <p:txBody>
@@ -3586,44 +3567,13 @@
           <a:p>
             <a:r>
               <a:rPr lang="en-US" dirty="0"/>
-              <a:t>Average ROI 37%</a:t>
-            </a:r>
-          </a:p>
-          <a:p>
-            <a:r>
-              <a:rPr lang="en-US" dirty="0"/>
-              <a:t>1</a:t>
-            </a:r>
-            <a:r>
-              <a:rPr lang="en-US" baseline="30000" dirty="0"/>
-              <a:t>st</a:t>
-            </a:r>
-            <a:r>
-              <a:rPr lang="en-US" dirty="0"/>
-              <a:t> yr. -2.77%</a:t>
-            </a:r>
-          </a:p>
-          <a:p>
-            <a:r>
-              <a:rPr lang="en-US" dirty="0"/>
-              <a:t>3</a:t>
-            </a:r>
-            <a:r>
-              <a:rPr lang="en-US" baseline="30000" dirty="0"/>
-              <a:t>rd</a:t>
-            </a:r>
-            <a:r>
-              <a:rPr lang="en-US" dirty="0"/>
-              <a:t> yr. 77%</a:t>
-            </a:r>
-          </a:p>
-          <a:p>
-            <a:pPr marL="0" indent="0">
-              <a:buNone/>
-            </a:pPr>
-            <a:r>
-              <a:rPr lang="en-US" dirty="0"/>
-              <a:t>   </a:t>
+              <a:t>Predicted ROI 42%</a:t>
+            </a:r>
+          </a:p>
+          <a:p>
+            <a:r>
+              <a:rPr lang="en-US" dirty="0"/>
+              <a:t>W/ forecast of 3 yrs. ROI range of  5% to 80%</a:t>
             </a:r>
           </a:p>
           <a:p>
@@ -3667,10 +3617,10 @@
       </p:sp>
       <p:pic>
         <p:nvPicPr>
-          <p:cNvPr id="6" name="Picture 5">
-            <a:extLst>
-              <a:ext uri="{FF2B5EF4-FFF2-40B4-BE49-F238E27FC236}">
-                <a16:creationId xmlns:a16="http://schemas.microsoft.com/office/drawing/2014/main" id="{C5075A4D-0DB4-F146-9660-5C10ACE9393A}"/>
+          <p:cNvPr id="5" name="Picture 4">
+            <a:extLst>
+              <a:ext uri="{FF2B5EF4-FFF2-40B4-BE49-F238E27FC236}">
+                <a16:creationId xmlns:a16="http://schemas.microsoft.com/office/drawing/2014/main" id="{4B187B92-D1FD-2140-B35F-F946B4E06BD8}"/>
               </a:ext>
             </a:extLst>
           </p:cNvPr>
@@ -3687,8 +3637,8 @@
         </p:blipFill>
         <p:spPr>
           <a:xfrm>
-            <a:off x="5638800" y="1582616"/>
-            <a:ext cx="5715000" cy="5072184"/>
+            <a:off x="4841822" y="1690688"/>
+            <a:ext cx="6511977" cy="4802187"/>
           </a:xfrm>
           <a:prstGeom prst="rect">
             <a:avLst/>
@@ -3800,46 +3750,42 @@
               <a:buNone/>
             </a:pPr>
             <a:r>
-              <a:rPr lang="en-US" dirty="0"/>
-              <a:t>Top 5 </a:t>
-            </a:r>
-            <a:r>
               <a:rPr lang="en-US" dirty="0" err="1"/>
-              <a:t>zipcodes</a:t>
-            </a:r>
-            <a:r>
-              <a:rPr lang="en-US" dirty="0"/>
-              <a:t> with mean ROI: </a:t>
-            </a:r>
-          </a:p>
-          <a:p>
-            <a:r>
-              <a:rPr lang="en-US" dirty="0"/>
-              <a:t>11210  (60%) </a:t>
-            </a:r>
-          </a:p>
-          <a:p>
-            <a:r>
-              <a:rPr lang="en-US" dirty="0"/>
-              <a:t>11233  (43%)  </a:t>
-            </a:r>
-          </a:p>
-          <a:p>
-            <a:r>
-              <a:rPr lang="en-US" dirty="0"/>
-              <a:t>11218  (38%) </a:t>
-            </a:r>
-          </a:p>
-          <a:p>
-            <a:r>
-              <a:rPr lang="en-US" dirty="0"/>
-              <a:t>11230  (38%)  </a:t>
-            </a:r>
-          </a:p>
-          <a:p>
-            <a:r>
-              <a:rPr lang="en-US" dirty="0"/>
-              <a:t>11212  (37%)</a:t>
+              <a:t>Zipcodes</a:t>
+            </a:r>
+            <a:r>
+              <a:rPr lang="en-US" dirty="0"/>
+              <a:t> with Top 5 highest Predicted ROIs: </a:t>
+            </a:r>
+          </a:p>
+          <a:p>
+            <a:r>
+              <a:rPr lang="en-US" dirty="0"/>
+              <a:t>11223  (63%) </a:t>
+            </a:r>
+          </a:p>
+          <a:p>
+            <a:r>
+              <a:rPr lang="en-US" dirty="0"/>
+              <a:t>11210  (59%)  </a:t>
+            </a:r>
+          </a:p>
+          <a:p>
+            <a:r>
+              <a:rPr lang="en-US" dirty="0"/>
+              <a:t>11230  (46%) </a:t>
+            </a:r>
+          </a:p>
+          <a:p>
+            <a:r>
+              <a:rPr lang="en-US" dirty="0"/>
+              <a:t>11224  (45%)  </a:t>
+            </a:r>
+          </a:p>
+          <a:p>
+            <a:r>
+              <a:rPr lang="en-US" dirty="0"/>
+              <a:t>11233  (42%)</a:t>
             </a:r>
           </a:p>
         </p:txBody>
@@ -3879,491 +3825,6 @@
           <p:cNvPr id="2" name="Title 1">
             <a:extLst>
               <a:ext uri="{FF2B5EF4-FFF2-40B4-BE49-F238E27FC236}">
-                <a16:creationId xmlns:a16="http://schemas.microsoft.com/office/drawing/2014/main" id="{CAD467CA-FD46-EC46-A121-B14218D54329}"/>
-              </a:ext>
-            </a:extLst>
-          </p:cNvPr>
-          <p:cNvSpPr>
-            <a:spLocks noGrp="1"/>
-          </p:cNvSpPr>
-          <p:nvPr>
-            <p:ph type="title"/>
-          </p:nvPr>
-        </p:nvSpPr>
-        <p:spPr>
-          <a:xfrm>
-            <a:off x="838200" y="365125"/>
-            <a:ext cx="10515600" cy="854075"/>
-          </a:xfrm>
-        </p:spPr>
-        <p:txBody>
-          <a:bodyPr>
-            <a:normAutofit fontScale="90000"/>
-          </a:bodyPr>
-          <a:lstStyle/>
-          <a:p>
-            <a:pPr algn="ctr"/>
-            <a:r>
-              <a:rPr lang="en-US" b="1" dirty="0"/>
-              <a:t>Recommendations</a:t>
-            </a:r>
-            <a:br>
-              <a:rPr lang="en-US" b="1" dirty="0"/>
-            </a:br>
-            <a:r>
-              <a:rPr lang="en-US" sz="3300" b="1" dirty="0"/>
-              <a:t>1</a:t>
-            </a:r>
-            <a:r>
-              <a:rPr lang="en-US" sz="3300" b="1" baseline="30000" dirty="0"/>
-              <a:t>st</a:t>
-            </a:r>
-            <a:r>
-              <a:rPr lang="en-US" sz="3300" b="1" dirty="0"/>
-              <a:t> Year</a:t>
-            </a:r>
-          </a:p>
-        </p:txBody>
-      </p:sp>
-      <p:sp>
-        <p:nvSpPr>
-          <p:cNvPr id="3" name="Content Placeholder 2">
-            <a:extLst>
-              <a:ext uri="{FF2B5EF4-FFF2-40B4-BE49-F238E27FC236}">
-                <a16:creationId xmlns:a16="http://schemas.microsoft.com/office/drawing/2014/main" id="{7712C570-4AF5-0F4B-981A-6B3B7C16E3B0}"/>
-              </a:ext>
-            </a:extLst>
-          </p:cNvPr>
-          <p:cNvSpPr>
-            <a:spLocks noGrp="1"/>
-          </p:cNvSpPr>
-          <p:nvPr>
-            <p:ph idx="1"/>
-          </p:nvPr>
-        </p:nvSpPr>
-        <p:spPr>
-          <a:xfrm>
-            <a:off x="838200" y="1219200"/>
-            <a:ext cx="10515600" cy="4957763"/>
-          </a:xfrm>
-        </p:spPr>
-        <p:txBody>
-          <a:bodyPr>
-            <a:normAutofit/>
-          </a:bodyPr>
-          <a:lstStyle/>
-          <a:p>
-            <a:endParaRPr lang="en-US" dirty="0"/>
-          </a:p>
-          <a:p>
-            <a:r>
-              <a:rPr lang="en-US" dirty="0"/>
-              <a:t>ROI  around 1 yr.: </a:t>
-            </a:r>
-          </a:p>
-          <a:p>
-            <a:r>
-              <a:rPr lang="en-US" dirty="0"/>
-              <a:t>11238  (19%)</a:t>
-            </a:r>
-          </a:p>
-          <a:p>
-            <a:r>
-              <a:rPr lang="en-US" dirty="0"/>
-              <a:t>11217  (15%)</a:t>
-            </a:r>
-          </a:p>
-          <a:p>
-            <a:r>
-              <a:rPr lang="en-US" dirty="0"/>
-              <a:t>11220  (11%)</a:t>
-            </a:r>
-          </a:p>
-          <a:p>
-            <a:r>
-              <a:rPr lang="en-US" dirty="0"/>
-              <a:t>11230  (9.8%)</a:t>
-            </a:r>
-          </a:p>
-          <a:p>
-            <a:r>
-              <a:rPr lang="en-US" dirty="0"/>
-              <a:t>11224  (8.7%)</a:t>
-            </a:r>
-          </a:p>
-        </p:txBody>
-      </p:sp>
-    </p:spTree>
-    <p:extLst>
-      <p:ext uri="{BB962C8B-B14F-4D97-AF65-F5344CB8AC3E}">
-        <p14:creationId xmlns:p14="http://schemas.microsoft.com/office/powerpoint/2010/main" val="2672828733"/>
-      </p:ext>
-    </p:extLst>
-  </p:cSld>
-  <p:clrMapOvr>
-    <a:masterClrMapping/>
-  </p:clrMapOvr>
-</p:sld>
-</file>
-
-<file path=ppt/slides/slide13.xml><?xml version="1.0" encoding="utf-8"?>
-<p:sld xmlns:a="http://schemas.openxmlformats.org/drawingml/2006/main" xmlns:r="http://schemas.openxmlformats.org/officeDocument/2006/relationships" xmlns:p="http://schemas.openxmlformats.org/presentationml/2006/main">
-  <p:cSld>
-    <p:spTree>
-      <p:nvGrpSpPr>
-        <p:cNvPr id="1" name=""/>
-        <p:cNvGrpSpPr/>
-        <p:nvPr/>
-      </p:nvGrpSpPr>
-      <p:grpSpPr>
-        <a:xfrm>
-          <a:off x="0" y="0"/>
-          <a:ext cx="0" cy="0"/>
-          <a:chOff x="0" y="0"/>
-          <a:chExt cx="0" cy="0"/>
-        </a:xfrm>
-      </p:grpSpPr>
-      <p:sp>
-        <p:nvSpPr>
-          <p:cNvPr id="2" name="Title 1">
-            <a:extLst>
-              <a:ext uri="{FF2B5EF4-FFF2-40B4-BE49-F238E27FC236}">
-                <a16:creationId xmlns:a16="http://schemas.microsoft.com/office/drawing/2014/main" id="{CAD467CA-FD46-EC46-A121-B14218D54329}"/>
-              </a:ext>
-            </a:extLst>
-          </p:cNvPr>
-          <p:cNvSpPr>
-            <a:spLocks noGrp="1"/>
-          </p:cNvSpPr>
-          <p:nvPr>
-            <p:ph type="title"/>
-          </p:nvPr>
-        </p:nvSpPr>
-        <p:spPr>
-          <a:xfrm>
-            <a:off x="838200" y="365125"/>
-            <a:ext cx="10515600" cy="854075"/>
-          </a:xfrm>
-        </p:spPr>
-        <p:txBody>
-          <a:bodyPr>
-            <a:normAutofit fontScale="90000"/>
-          </a:bodyPr>
-          <a:lstStyle/>
-          <a:p>
-            <a:pPr algn="ctr"/>
-            <a:r>
-              <a:rPr lang="en-US" b="1" dirty="0"/>
-              <a:t>Recommendations</a:t>
-            </a:r>
-            <a:br>
-              <a:rPr lang="en-US" b="1" dirty="0"/>
-            </a:br>
-            <a:r>
-              <a:rPr lang="en-US" sz="3300" b="1" dirty="0"/>
-              <a:t>3</a:t>
-            </a:r>
-            <a:r>
-              <a:rPr lang="en-US" sz="3300" b="1" baseline="30000" dirty="0"/>
-              <a:t>rd</a:t>
-            </a:r>
-            <a:r>
-              <a:rPr lang="en-US" sz="3300" b="1" dirty="0"/>
-              <a:t> Year</a:t>
-            </a:r>
-          </a:p>
-        </p:txBody>
-      </p:sp>
-      <p:sp>
-        <p:nvSpPr>
-          <p:cNvPr id="3" name="Content Placeholder 2">
-            <a:extLst>
-              <a:ext uri="{FF2B5EF4-FFF2-40B4-BE49-F238E27FC236}">
-                <a16:creationId xmlns:a16="http://schemas.microsoft.com/office/drawing/2014/main" id="{7712C570-4AF5-0F4B-981A-6B3B7C16E3B0}"/>
-              </a:ext>
-            </a:extLst>
-          </p:cNvPr>
-          <p:cNvSpPr>
-            <a:spLocks noGrp="1"/>
-          </p:cNvSpPr>
-          <p:nvPr>
-            <p:ph idx="1"/>
-          </p:nvPr>
-        </p:nvSpPr>
-        <p:spPr>
-          <a:xfrm>
-            <a:off x="838200" y="1219200"/>
-            <a:ext cx="10515600" cy="4957763"/>
-          </a:xfrm>
-        </p:spPr>
-        <p:txBody>
-          <a:bodyPr>
-            <a:normAutofit/>
-          </a:bodyPr>
-          <a:lstStyle/>
-          <a:p>
-            <a:endParaRPr lang="en-US" dirty="0"/>
-          </a:p>
-          <a:p>
-            <a:r>
-              <a:rPr lang="en-US" dirty="0"/>
-              <a:t>ROI around 3 yrs.: </a:t>
-            </a:r>
-          </a:p>
-          <a:p>
-            <a:r>
-              <a:rPr lang="en-US" dirty="0"/>
-              <a:t>11210  (489%) </a:t>
-            </a:r>
-          </a:p>
-          <a:p>
-            <a:r>
-              <a:rPr lang="en-US" dirty="0"/>
-              <a:t>11221  (192%)</a:t>
-            </a:r>
-          </a:p>
-          <a:p>
-            <a:r>
-              <a:rPr lang="en-US" dirty="0"/>
-              <a:t>11218  (90%)</a:t>
-            </a:r>
-          </a:p>
-          <a:p>
-            <a:r>
-              <a:rPr lang="en-US" dirty="0"/>
-              <a:t>11233  (79%) </a:t>
-            </a:r>
-          </a:p>
-          <a:p>
-            <a:r>
-              <a:rPr lang="en-US" dirty="0"/>
-              <a:t>11212  (77%)</a:t>
-            </a:r>
-          </a:p>
-        </p:txBody>
-      </p:sp>
-    </p:spTree>
-    <p:extLst>
-      <p:ext uri="{BB962C8B-B14F-4D97-AF65-F5344CB8AC3E}">
-        <p14:creationId xmlns:p14="http://schemas.microsoft.com/office/powerpoint/2010/main" val="2309166535"/>
-      </p:ext>
-    </p:extLst>
-  </p:cSld>
-  <p:clrMapOvr>
-    <a:masterClrMapping/>
-  </p:clrMapOvr>
-</p:sld>
-</file>
-
-<file path=ppt/slides/slide14.xml><?xml version="1.0" encoding="utf-8"?>
-<p:sld xmlns:a="http://schemas.openxmlformats.org/drawingml/2006/main" xmlns:r="http://schemas.openxmlformats.org/officeDocument/2006/relationships" xmlns:p="http://schemas.openxmlformats.org/presentationml/2006/main">
-  <p:cSld>
-    <p:spTree>
-      <p:nvGrpSpPr>
-        <p:cNvPr id="1" name=""/>
-        <p:cNvGrpSpPr/>
-        <p:nvPr/>
-      </p:nvGrpSpPr>
-      <p:grpSpPr>
-        <a:xfrm>
-          <a:off x="0" y="0"/>
-          <a:ext cx="0" cy="0"/>
-          <a:chOff x="0" y="0"/>
-          <a:chExt cx="0" cy="0"/>
-        </a:xfrm>
-      </p:grpSpPr>
-      <p:sp>
-        <p:nvSpPr>
-          <p:cNvPr id="2" name="Title 1">
-            <a:extLst>
-              <a:ext uri="{FF2B5EF4-FFF2-40B4-BE49-F238E27FC236}">
-                <a16:creationId xmlns:a16="http://schemas.microsoft.com/office/drawing/2014/main" id="{CAD467CA-FD46-EC46-A121-B14218D54329}"/>
-              </a:ext>
-            </a:extLst>
-          </p:cNvPr>
-          <p:cNvSpPr>
-            <a:spLocks noGrp="1"/>
-          </p:cNvSpPr>
-          <p:nvPr>
-            <p:ph type="title"/>
-          </p:nvPr>
-        </p:nvSpPr>
-        <p:spPr>
-          <a:xfrm>
-            <a:off x="838200" y="365125"/>
-            <a:ext cx="10515600" cy="854075"/>
-          </a:xfrm>
-        </p:spPr>
-        <p:txBody>
-          <a:bodyPr>
-            <a:normAutofit fontScale="90000"/>
-          </a:bodyPr>
-          <a:lstStyle/>
-          <a:p>
-            <a:pPr algn="ctr"/>
-            <a:r>
-              <a:rPr lang="en-US" b="1" dirty="0"/>
-              <a:t>Recommendations</a:t>
-            </a:r>
-            <a:br>
-              <a:rPr lang="en-US" b="1" dirty="0"/>
-            </a:br>
-            <a:r>
-              <a:rPr lang="en-US" sz="3300" b="1" dirty="0"/>
-              <a:t>Winners</a:t>
-            </a:r>
-          </a:p>
-        </p:txBody>
-      </p:sp>
-      <p:sp>
-        <p:nvSpPr>
-          <p:cNvPr id="3" name="Content Placeholder 2">
-            <a:extLst>
-              <a:ext uri="{FF2B5EF4-FFF2-40B4-BE49-F238E27FC236}">
-                <a16:creationId xmlns:a16="http://schemas.microsoft.com/office/drawing/2014/main" id="{7712C570-4AF5-0F4B-981A-6B3B7C16E3B0}"/>
-              </a:ext>
-            </a:extLst>
-          </p:cNvPr>
-          <p:cNvSpPr>
-            <a:spLocks noGrp="1"/>
-          </p:cNvSpPr>
-          <p:nvPr>
-            <p:ph idx="1"/>
-          </p:nvPr>
-        </p:nvSpPr>
-        <p:spPr>
-          <a:xfrm>
-            <a:off x="838200" y="1219200"/>
-            <a:ext cx="10515600" cy="4957763"/>
-          </a:xfrm>
-        </p:spPr>
-        <p:txBody>
-          <a:bodyPr>
-            <a:normAutofit/>
-          </a:bodyPr>
-          <a:lstStyle/>
-          <a:p>
-            <a:endParaRPr lang="en-US" dirty="0"/>
-          </a:p>
-          <a:p>
-            <a:pPr marL="0" indent="0">
-              <a:buNone/>
-            </a:pPr>
-            <a:r>
-              <a:rPr lang="en-US" dirty="0"/>
-              <a:t>      </a:t>
-            </a:r>
-            <a:r>
-              <a:rPr lang="en-US" u="sng" dirty="0"/>
-              <a:t>Mean ROI</a:t>
-            </a:r>
-            <a:r>
-              <a:rPr lang="en-US" dirty="0"/>
-              <a:t>	            	</a:t>
-            </a:r>
-            <a:r>
-              <a:rPr lang="en-US" u="sng" dirty="0"/>
-              <a:t>1st yr.</a:t>
-            </a:r>
-            <a:r>
-              <a:rPr lang="en-US" dirty="0"/>
-              <a:t>		</a:t>
-            </a:r>
-            <a:r>
-              <a:rPr lang="en-US" u="sng" dirty="0"/>
-              <a:t>3</a:t>
-            </a:r>
-            <a:r>
-              <a:rPr lang="en-US" u="sng" baseline="30000" dirty="0"/>
-              <a:t>rd</a:t>
-            </a:r>
-            <a:r>
-              <a:rPr lang="en-US" u="sng" dirty="0"/>
-              <a:t> yr.</a:t>
-            </a:r>
-          </a:p>
-          <a:p>
-            <a:pPr marL="0" indent="0">
-              <a:buNone/>
-            </a:pPr>
-            <a:r>
-              <a:rPr lang="en-US" dirty="0"/>
-              <a:t>1.) 11210  (60%) 					11210    (489%) 1st</a:t>
-            </a:r>
-          </a:p>
-          <a:p>
-            <a:pPr marL="0" indent="0">
-              <a:buNone/>
-            </a:pPr>
-            <a:r>
-              <a:rPr lang="en-US" dirty="0"/>
-              <a:t>2.) 11233  (42.5%)                                      	11233    (79%)   4th</a:t>
-            </a:r>
-          </a:p>
-          <a:p>
-            <a:pPr marL="0" indent="0">
-              <a:buNone/>
-            </a:pPr>
-            <a:r>
-              <a:rPr lang="en-US" dirty="0"/>
-              <a:t>3.) 11218  (37.8%)                                      	11218    (90%)   3rd</a:t>
-            </a:r>
-          </a:p>
-          <a:p>
-            <a:pPr marL="0" indent="0">
-              <a:buNone/>
-            </a:pPr>
-            <a:r>
-              <a:rPr lang="en-US" dirty="0"/>
-              <a:t>4.) 11230  (37.8%)     	11230 (9.8%)  4th</a:t>
-            </a:r>
-          </a:p>
-          <a:p>
-            <a:pPr marL="0" indent="0">
-              <a:buNone/>
-            </a:pPr>
-            <a:r>
-              <a:rPr lang="en-US" dirty="0"/>
-              <a:t>5.) 11212  (37%) 					11212     (77%)  5th</a:t>
-            </a:r>
-          </a:p>
-        </p:txBody>
-      </p:sp>
-    </p:spTree>
-    <p:extLst>
-      <p:ext uri="{BB962C8B-B14F-4D97-AF65-F5344CB8AC3E}">
-        <p14:creationId xmlns:p14="http://schemas.microsoft.com/office/powerpoint/2010/main" val="4046421150"/>
-      </p:ext>
-    </p:extLst>
-  </p:cSld>
-  <p:clrMapOvr>
-    <a:masterClrMapping/>
-  </p:clrMapOvr>
-</p:sld>
-</file>
-
-<file path=ppt/slides/slide15.xml><?xml version="1.0" encoding="utf-8"?>
-<p:sld xmlns:a="http://schemas.openxmlformats.org/drawingml/2006/main" xmlns:r="http://schemas.openxmlformats.org/officeDocument/2006/relationships" xmlns:p="http://schemas.openxmlformats.org/presentationml/2006/main">
-  <p:cSld>
-    <p:spTree>
-      <p:nvGrpSpPr>
-        <p:cNvPr id="1" name=""/>
-        <p:cNvGrpSpPr/>
-        <p:nvPr/>
-      </p:nvGrpSpPr>
-      <p:grpSpPr>
-        <a:xfrm>
-          <a:off x="0" y="0"/>
-          <a:ext cx="0" cy="0"/>
-          <a:chOff x="0" y="0"/>
-          <a:chExt cx="0" cy="0"/>
-        </a:xfrm>
-      </p:grpSpPr>
-      <p:sp>
-        <p:nvSpPr>
-          <p:cNvPr id="2" name="Title 1">
-            <a:extLst>
-              <a:ext uri="{FF2B5EF4-FFF2-40B4-BE49-F238E27FC236}">
                 <a16:creationId xmlns:a16="http://schemas.microsoft.com/office/drawing/2014/main" id="{24A14185-530A-354E-863A-C7191BB1C17C}"/>
               </a:ext>
             </a:extLst>
@@ -4417,7 +3878,7 @@
 </p:sld>
 </file>
 
-<file path=ppt/slides/slide16.xml><?xml version="1.0" encoding="utf-8"?>
+<file path=ppt/slides/slide13.xml><?xml version="1.0" encoding="utf-8"?>
 <p:sld xmlns:a="http://schemas.openxmlformats.org/drawingml/2006/main" xmlns:r="http://schemas.openxmlformats.org/officeDocument/2006/relationships" xmlns:p="http://schemas.openxmlformats.org/presentationml/2006/main">
   <p:cSld>
     <p:spTree>
@@ -5022,16 +4483,12 @@
           <a:p>
             <a:pPr algn="ctr"/>
             <a:r>
-              <a:rPr lang="en-US" b="1" dirty="0"/>
-              <a:t>Top 5 </a:t>
-            </a:r>
-            <a:r>
               <a:rPr lang="en-US" b="1" dirty="0" err="1"/>
               <a:t>Zipcodes</a:t>
             </a:r>
             <a:r>
               <a:rPr lang="en-US" b="1" dirty="0"/>
-              <a:t> w/highest ROI</a:t>
+              <a:t> w/Top 5 highest ROIs</a:t>
             </a:r>
           </a:p>
         </p:txBody>
@@ -5064,7 +4521,7 @@
           <a:p>
             <a:r>
               <a:rPr lang="en-US" dirty="0"/>
-              <a:t>Top mean ROI:</a:t>
+              <a:t>Top 5 ROIs:</a:t>
             </a:r>
           </a:p>
           <a:p>
@@ -5073,6 +4530,15 @@
             </a:pPr>
             <a:r>
               <a:rPr lang="en-US" dirty="0"/>
+              <a:t>   11223</a:t>
+            </a:r>
+          </a:p>
+          <a:p>
+            <a:pPr marL="0" indent="0">
+              <a:buNone/>
+            </a:pPr>
+            <a:r>
+              <a:rPr lang="en-US" dirty="0"/>
               <a:t>   11210</a:t>
             </a:r>
           </a:p>
@@ -5082,44 +4548,35 @@
             </a:pPr>
             <a:r>
               <a:rPr lang="en-US" dirty="0"/>
+              <a:t>   11230</a:t>
+            </a:r>
+          </a:p>
+          <a:p>
+            <a:pPr marL="0" indent="0">
+              <a:buNone/>
+            </a:pPr>
+            <a:r>
+              <a:rPr lang="en-US" dirty="0"/>
+              <a:t>   11224</a:t>
+            </a:r>
+          </a:p>
+          <a:p>
+            <a:pPr marL="0" indent="0">
+              <a:buNone/>
+            </a:pPr>
+            <a:r>
+              <a:rPr lang="en-US" dirty="0"/>
               <a:t>   11233</a:t>
-            </a:r>
-          </a:p>
-          <a:p>
-            <a:pPr marL="0" indent="0">
-              <a:buNone/>
-            </a:pPr>
-            <a:r>
-              <a:rPr lang="en-US" dirty="0"/>
-              <a:t>   11218</a:t>
-            </a:r>
-          </a:p>
-          <a:p>
-            <a:pPr marL="0" indent="0">
-              <a:buNone/>
-            </a:pPr>
-            <a:r>
-              <a:rPr lang="en-US" dirty="0"/>
-              <a:t>   11230</a:t>
-            </a:r>
-          </a:p>
-          <a:p>
-            <a:pPr marL="0" indent="0">
-              <a:buNone/>
-            </a:pPr>
-            <a:r>
-              <a:rPr lang="en-US" dirty="0"/>
-              <a:t>   11212</a:t>
             </a:r>
           </a:p>
         </p:txBody>
       </p:sp>
       <p:pic>
         <p:nvPicPr>
-          <p:cNvPr id="10" name="Content Placeholder 9" descr="Table&#10;&#10;Description automatically generated">
-            <a:extLst>
-              <a:ext uri="{FF2B5EF4-FFF2-40B4-BE49-F238E27FC236}">
-                <a16:creationId xmlns:a16="http://schemas.microsoft.com/office/drawing/2014/main" id="{53A53B4D-3675-8141-9350-E3108F5BF772}"/>
+          <p:cNvPr id="7" name="Content Placeholder 6" descr="Table&#10;&#10;Description automatically generated">
+            <a:extLst>
+              <a:ext uri="{FF2B5EF4-FFF2-40B4-BE49-F238E27FC236}">
+                <a16:creationId xmlns:a16="http://schemas.microsoft.com/office/drawing/2014/main" id="{75FD8803-9499-5A4A-B065-5E2F680F2EBB}"/>
               </a:ext>
             </a:extLst>
           </p:cNvPr>
@@ -5138,8 +4595,8 @@
         </p:blipFill>
         <p:spPr>
           <a:xfrm>
-            <a:off x="4781862" y="1523999"/>
-            <a:ext cx="6152838" cy="4208585"/>
+            <a:off x="5111646" y="1523999"/>
+            <a:ext cx="5677004" cy="4202243"/>
           </a:xfrm>
         </p:spPr>
       </p:pic>
@@ -5208,7 +4665,7 @@
             </a:r>
             <a:r>
               <a:rPr lang="en-US" sz="3300" b="1" dirty="0"/>
-              <a:t>: 11210 </a:t>
+              <a:t>: 11223 </a:t>
             </a:r>
             <a:br>
               <a:rPr lang="en-US" sz="2200" dirty="0"/>
@@ -5218,22 +4675,14 @@
             </a:br>
             <a:r>
               <a:rPr lang="en-US" sz="2200" dirty="0"/>
-              <a:t>ROI                1st yr.           3</a:t>
-            </a:r>
-            <a:r>
-              <a:rPr lang="en-US" sz="2200" baseline="30000" dirty="0"/>
-              <a:t>rd</a:t>
-            </a:r>
-            <a:r>
-              <a:rPr lang="en-US" sz="2200" dirty="0"/>
-              <a:t> yr. </a:t>
+              <a:t>ROI                low                 high </a:t>
             </a:r>
             <a:br>
               <a:rPr lang="en-US" sz="2200" dirty="0"/>
             </a:br>
             <a:r>
-              <a:rPr lang="en-US" sz="2200" dirty="0"/>
-              <a:t>0.595686    -3.70768       4.899052</a:t>
+              <a:rPr lang="en-US" sz="2400" dirty="0"/>
+              <a:t>0.63287      0.162432   1.103308</a:t>
             </a:r>
             <a:br>
               <a:rPr lang="en-US" dirty="0"/>
@@ -5261,7 +4710,7 @@
         <p:spPr>
           <a:xfrm>
             <a:off x="838200" y="1825625"/>
-            <a:ext cx="4003623" cy="4351338"/>
+            <a:ext cx="4243466" cy="4351338"/>
           </a:xfrm>
         </p:spPr>
         <p:txBody>
@@ -5270,38 +4719,22 @@
           <a:p>
             <a:r>
               <a:rPr lang="en-US" dirty="0"/>
-              <a:t>Mean ROI 59%</a:t>
-            </a:r>
-          </a:p>
-          <a:p>
-            <a:endParaRPr lang="en-US" dirty="0"/>
-          </a:p>
-          <a:p>
-            <a:r>
-              <a:rPr lang="en-US" dirty="0"/>
-              <a:t> 1</a:t>
-            </a:r>
-            <a:r>
-              <a:rPr lang="en-US" baseline="30000" dirty="0"/>
-              <a:t>st</a:t>
-            </a:r>
-            <a:r>
-              <a:rPr lang="en-US" dirty="0"/>
-              <a:t> yr. -370%   </a:t>
-            </a:r>
-          </a:p>
-          <a:p>
-            <a:r>
-              <a:rPr lang="en-US" dirty="0"/>
-              <a:t> 3</a:t>
-            </a:r>
-            <a:r>
-              <a:rPr lang="en-US" baseline="30000" dirty="0"/>
-              <a:t>rd</a:t>
-            </a:r>
-            <a:r>
-              <a:rPr lang="en-US" dirty="0"/>
-              <a:t> yr.  489%</a:t>
+              <a:t>Model Predicted ROI: 63%</a:t>
+            </a:r>
+          </a:p>
+          <a:p>
+            <a:r>
+              <a:rPr lang="en-US" dirty="0"/>
+              <a:t>ROI forecast w/ 3yrs period:</a:t>
+            </a:r>
+          </a:p>
+          <a:p>
+            <a:pPr marL="0" indent="0">
+              <a:buNone/>
+            </a:pPr>
+            <a:r>
+              <a:rPr lang="en-US" dirty="0"/>
+              <a:t>   range 16% to 110.3%   </a:t>
             </a:r>
           </a:p>
           <a:p>
@@ -5315,21 +4748,44 @@
           </a:p>
         </p:txBody>
       </p:sp>
+      <p:sp>
+        <p:nvSpPr>
+          <p:cNvPr id="5" name="Content Placeholder 4">
+            <a:extLst>
+              <a:ext uri="{FF2B5EF4-FFF2-40B4-BE49-F238E27FC236}">
+                <a16:creationId xmlns:a16="http://schemas.microsoft.com/office/drawing/2014/main" id="{BB5539DD-D070-CC45-A671-FF39AE78CA43}"/>
+              </a:ext>
+            </a:extLst>
+          </p:cNvPr>
+          <p:cNvSpPr>
+            <a:spLocks noGrp="1"/>
+          </p:cNvSpPr>
+          <p:nvPr>
+            <p:ph sz="half" idx="2"/>
+          </p:nvPr>
+        </p:nvSpPr>
+        <p:spPr/>
+        <p:txBody>
+          <a:bodyPr/>
+          <a:lstStyle/>
+          <a:p>
+            <a:endParaRPr lang="en-US"/>
+          </a:p>
+        </p:txBody>
+      </p:sp>
       <p:pic>
         <p:nvPicPr>
-          <p:cNvPr id="7" name="Content Placeholder 6" descr="Chart, funnel chart&#10;&#10;Description automatically generated">
-            <a:extLst>
-              <a:ext uri="{FF2B5EF4-FFF2-40B4-BE49-F238E27FC236}">
-                <a16:creationId xmlns:a16="http://schemas.microsoft.com/office/drawing/2014/main" id="{709034A3-8174-D243-9702-D670C2E115CF}"/>
+          <p:cNvPr id="6" name="Picture 5">
+            <a:extLst>
+              <a:ext uri="{FF2B5EF4-FFF2-40B4-BE49-F238E27FC236}">
+                <a16:creationId xmlns:a16="http://schemas.microsoft.com/office/drawing/2014/main" id="{DBA986FB-B6B9-6A44-97F1-5791D25374B4}"/>
               </a:ext>
             </a:extLst>
           </p:cNvPr>
           <p:cNvPicPr>
-            <a:picLocks noGrp="1" noChangeAspect="1"/>
+            <a:picLocks noChangeAspect="1"/>
           </p:cNvPicPr>
-          <p:nvPr>
-            <p:ph sz="half" idx="2"/>
-          </p:nvPr>
+          <p:nvPr/>
         </p:nvPicPr>
         <p:blipFill>
           <a:blip r:embed="rId2"/>
@@ -5339,9 +4795,12 @@
         </p:blipFill>
         <p:spPr>
           <a:xfrm>
-            <a:off x="6172200" y="1690688"/>
-            <a:ext cx="5181600" cy="4229031"/>
+            <a:off x="5291528" y="1528997"/>
+            <a:ext cx="6062272" cy="5125802"/>
           </a:xfrm>
+          <a:prstGeom prst="rect">
+            <a:avLst/>
+          </a:prstGeom>
         </p:spPr>
       </p:pic>
     </p:spTree>
@@ -5409,7 +4868,7 @@
             </a:r>
             <a:r>
               <a:rPr lang="en-US" sz="3300" b="1" dirty="0"/>
-              <a:t>: 11233</a:t>
+              <a:t>: 11210</a:t>
             </a:r>
             <a:br>
               <a:rPr lang="en-US" sz="2200" dirty="0"/>
@@ -5419,30 +4878,14 @@
             </a:br>
             <a:r>
               <a:rPr lang="en-US" sz="2200" dirty="0"/>
-              <a:t>ROI               1</a:t>
-            </a:r>
-            <a:r>
-              <a:rPr lang="en-US" sz="2200" baseline="30000" dirty="0"/>
-              <a:t>st</a:t>
-            </a:r>
-            <a:r>
-              <a:rPr lang="en-US" sz="2200" dirty="0"/>
-              <a:t> yr.               3</a:t>
-            </a:r>
-            <a:r>
-              <a:rPr lang="en-US" sz="2200" baseline="30000" dirty="0"/>
-              <a:t>rd</a:t>
-            </a:r>
-            <a:r>
-              <a:rPr lang="en-US" sz="2200" dirty="0"/>
-              <a:t> yr. </a:t>
+              <a:t>ROI               low                 high </a:t>
             </a:r>
             <a:br>
               <a:rPr lang="en-US" sz="2200" dirty="0"/>
             </a:br>
             <a:r>
-              <a:rPr lang="en-US" sz="2200" dirty="0"/>
-              <a:t>0.425923    0.062776       0.78907</a:t>
+              <a:rPr lang="en-US" sz="2400" dirty="0"/>
+              <a:t>0.595686  -3.70768      4.899052</a:t>
             </a:r>
             <a:br>
               <a:rPr lang="en-US" sz="2200" dirty="0"/>
@@ -5479,35 +4922,13 @@
           <a:p>
             <a:r>
               <a:rPr lang="en-US" dirty="0"/>
-              <a:t>Mean ROI 43%</a:t>
-            </a:r>
-          </a:p>
-          <a:p>
-            <a:r>
-              <a:rPr lang="en-US" dirty="0"/>
-              <a:t>1</a:t>
-            </a:r>
-            <a:r>
-              <a:rPr lang="en-US" baseline="30000" dirty="0"/>
-              <a:t>st</a:t>
-            </a:r>
-            <a:r>
-              <a:rPr lang="en-US" dirty="0"/>
-              <a:t> yr.  6.2%  </a:t>
-            </a:r>
-          </a:p>
-          <a:p>
-            <a:r>
-              <a:rPr lang="en-US" dirty="0"/>
-              <a:t>3</a:t>
-            </a:r>
-            <a:r>
-              <a:rPr lang="en-US" baseline="30000" dirty="0"/>
-              <a:t>rd</a:t>
-            </a:r>
-            <a:r>
-              <a:rPr lang="en-US" dirty="0"/>
-              <a:t> yr. 79%</a:t>
+              <a:t>Predicted ROI 59%</a:t>
+            </a:r>
+          </a:p>
+          <a:p>
+            <a:r>
+              <a:rPr lang="en-US" dirty="0"/>
+              <a:t> W/ forecast of 3 yrs. ROI range of -370% to 489% </a:t>
             </a:r>
           </a:p>
           <a:p>
@@ -5578,10 +4999,10 @@
       </p:sp>
       <p:pic>
         <p:nvPicPr>
-          <p:cNvPr id="5" name="Picture 4">
-            <a:extLst>
-              <a:ext uri="{FF2B5EF4-FFF2-40B4-BE49-F238E27FC236}">
-                <a16:creationId xmlns:a16="http://schemas.microsoft.com/office/drawing/2014/main" id="{5FAB5B62-1C6A-D84C-A699-DAAEFC356AD0}"/>
+          <p:cNvPr id="6" name="Picture 5">
+            <a:extLst>
+              <a:ext uri="{FF2B5EF4-FFF2-40B4-BE49-F238E27FC236}">
+                <a16:creationId xmlns:a16="http://schemas.microsoft.com/office/drawing/2014/main" id="{D9509D28-E9F7-5942-ADC9-44C3FA543386}"/>
               </a:ext>
             </a:extLst>
           </p:cNvPr>
@@ -5598,8 +5019,8 @@
         </p:blipFill>
         <p:spPr>
           <a:xfrm>
-            <a:off x="4841823" y="1570892"/>
-            <a:ext cx="6599899" cy="4606071"/>
+            <a:off x="5381469" y="1573967"/>
+            <a:ext cx="5972332" cy="4918908"/>
           </a:xfrm>
           <a:prstGeom prst="rect">
             <a:avLst/>
@@ -5654,8 +5075,8 @@
         </p:nvSpPr>
         <p:spPr>
           <a:xfrm>
-            <a:off x="838200" y="149903"/>
-            <a:ext cx="10515600" cy="1062948"/>
+            <a:off x="838200" y="149902"/>
+            <a:ext cx="10515600" cy="1304143"/>
           </a:xfrm>
         </p:spPr>
         <p:txBody>
@@ -5676,7 +5097,7 @@
             </a:r>
             <a:r>
               <a:rPr lang="en-US" sz="3300" b="1" dirty="0"/>
-              <a:t>: 11218</a:t>
+              <a:t>: 11230</a:t>
             </a:r>
             <a:br>
               <a:rPr lang="en-US" sz="2200" dirty="0"/>
@@ -5686,30 +5107,14 @@
             </a:br>
             <a:r>
               <a:rPr lang="en-US" sz="2200" dirty="0"/>
-              <a:t>ROI               1</a:t>
-            </a:r>
-            <a:r>
-              <a:rPr lang="en-US" sz="2200" baseline="30000" dirty="0"/>
-              <a:t>st</a:t>
-            </a:r>
-            <a:r>
-              <a:rPr lang="en-US" sz="2200" dirty="0"/>
-              <a:t> yr.             3</a:t>
-            </a:r>
-            <a:r>
-              <a:rPr lang="en-US" sz="2200" baseline="30000" dirty="0"/>
-              <a:t>rd</a:t>
-            </a:r>
-            <a:r>
-              <a:rPr lang="en-US" sz="2200" dirty="0"/>
-              <a:t> yr. </a:t>
+              <a:t>ROI               low                  high </a:t>
             </a:r>
             <a:br>
               <a:rPr lang="en-US" sz="2200" dirty="0"/>
             </a:br>
             <a:r>
-              <a:rPr lang="en-US" sz="2200" dirty="0"/>
-              <a:t> 0.378893   -0.144644     0.902429</a:t>
+              <a:rPr lang="en-US" sz="2400" dirty="0"/>
+              <a:t>0.46778     0.120491    0.815069</a:t>
             </a:r>
             <a:br>
               <a:rPr lang="en-US" sz="2200" dirty="0"/>
@@ -5736,8 +5141,8 @@
         </p:nvSpPr>
         <p:spPr>
           <a:xfrm>
-            <a:off x="838200" y="1454046"/>
-            <a:ext cx="4003623" cy="4722917"/>
+            <a:off x="838200" y="1825625"/>
+            <a:ext cx="4003623" cy="4351338"/>
           </a:xfrm>
         </p:spPr>
         <p:txBody>
@@ -5746,44 +5151,13 @@
           <a:p>
             <a:r>
               <a:rPr lang="en-US" dirty="0"/>
-              <a:t>Mean ROI 38%</a:t>
-            </a:r>
-          </a:p>
-          <a:p>
-            <a:r>
-              <a:rPr lang="en-US" dirty="0"/>
-              <a:t>1</a:t>
-            </a:r>
-            <a:r>
-              <a:rPr lang="en-US" baseline="30000" dirty="0"/>
-              <a:t>st</a:t>
-            </a:r>
-            <a:r>
-              <a:rPr lang="en-US" dirty="0"/>
-              <a:t> yr.   -14.4%  </a:t>
-            </a:r>
-          </a:p>
-          <a:p>
-            <a:r>
-              <a:rPr lang="en-US" dirty="0"/>
-              <a:t>3</a:t>
-            </a:r>
-            <a:r>
-              <a:rPr lang="en-US" baseline="30000" dirty="0"/>
-              <a:t>rd</a:t>
-            </a:r>
-            <a:r>
-              <a:rPr lang="en-US" dirty="0"/>
-              <a:t> yr.   90%</a:t>
-            </a:r>
-          </a:p>
-          <a:p>
-            <a:pPr marL="0" indent="0">
-              <a:buNone/>
-            </a:pPr>
-            <a:r>
-              <a:rPr lang="en-US" dirty="0"/>
-              <a:t>   </a:t>
+              <a:t>Predicted ROI 46%</a:t>
+            </a:r>
+          </a:p>
+          <a:p>
+            <a:r>
+              <a:rPr lang="en-US" dirty="0"/>
+              <a:t>W/ forecast of 3 yrs. ROI range of 12% to 81%</a:t>
             </a:r>
           </a:p>
           <a:p>
@@ -5793,50 +5167,44 @@
             <a:endParaRPr lang="en-US" dirty="0"/>
           </a:p>
           <a:p>
+            <a:endParaRPr lang="en-US" dirty="0"/>
+          </a:p>
+        </p:txBody>
+      </p:sp>
+      <p:sp>
+        <p:nvSpPr>
+          <p:cNvPr id="4" name="Content Placeholder 3">
+            <a:extLst>
+              <a:ext uri="{FF2B5EF4-FFF2-40B4-BE49-F238E27FC236}">
+                <a16:creationId xmlns:a16="http://schemas.microsoft.com/office/drawing/2014/main" id="{2EB85BBF-B8E0-594E-AC07-6725C8C5E620}"/>
+              </a:ext>
+            </a:extLst>
+          </p:cNvPr>
+          <p:cNvSpPr>
+            <a:spLocks noGrp="1"/>
+          </p:cNvSpPr>
+          <p:nvPr>
+            <p:ph sz="half" idx="2"/>
+          </p:nvPr>
+        </p:nvSpPr>
+        <p:spPr/>
+        <p:txBody>
+          <a:bodyPr/>
+          <a:lstStyle/>
+          <a:p>
             <a:pPr marL="0" indent="0">
               <a:buNone/>
             </a:pPr>
             <a:endParaRPr lang="en-US" dirty="0"/>
           </a:p>
-          <a:p>
-            <a:endParaRPr lang="en-US" dirty="0"/>
-          </a:p>
-        </p:txBody>
-      </p:sp>
-      <p:sp>
-        <p:nvSpPr>
-          <p:cNvPr id="4" name="Content Placeholder 3">
-            <a:extLst>
-              <a:ext uri="{FF2B5EF4-FFF2-40B4-BE49-F238E27FC236}">
-                <a16:creationId xmlns:a16="http://schemas.microsoft.com/office/drawing/2014/main" id="{2EB85BBF-B8E0-594E-AC07-6725C8C5E620}"/>
-              </a:ext>
-            </a:extLst>
-          </p:cNvPr>
-          <p:cNvSpPr>
-            <a:spLocks noGrp="1"/>
-          </p:cNvSpPr>
-          <p:nvPr>
-            <p:ph sz="half" idx="2"/>
-          </p:nvPr>
-        </p:nvSpPr>
-        <p:spPr/>
-        <p:txBody>
-          <a:bodyPr/>
-          <a:lstStyle/>
-          <a:p>
-            <a:pPr marL="0" indent="0">
-              <a:buNone/>
-            </a:pPr>
-            <a:endParaRPr lang="en-US" dirty="0"/>
-          </a:p>
         </p:txBody>
       </p:sp>
       <p:pic>
         <p:nvPicPr>
-          <p:cNvPr id="6" name="Picture 5">
-            <a:extLst>
-              <a:ext uri="{FF2B5EF4-FFF2-40B4-BE49-F238E27FC236}">
-                <a16:creationId xmlns:a16="http://schemas.microsoft.com/office/drawing/2014/main" id="{409EAE05-E8BF-424B-9238-3FC1FF7633D4}"/>
+          <p:cNvPr id="5" name="Picture 4">
+            <a:extLst>
+              <a:ext uri="{FF2B5EF4-FFF2-40B4-BE49-F238E27FC236}">
+                <a16:creationId xmlns:a16="http://schemas.microsoft.com/office/drawing/2014/main" id="{464871CF-14D5-E24D-8ED0-D3AD2363D75A}"/>
               </a:ext>
             </a:extLst>
           </p:cNvPr>
@@ -5853,8 +5221,8 @@
         </p:blipFill>
         <p:spPr>
           <a:xfrm>
-            <a:off x="5111647" y="1212851"/>
-            <a:ext cx="6363780" cy="4964112"/>
+            <a:off x="5816184" y="1454046"/>
+            <a:ext cx="5537616" cy="5200754"/>
           </a:xfrm>
           <a:prstGeom prst="rect">
             <a:avLst/>
@@ -5926,7 +5294,7 @@
             </a:r>
             <a:r>
               <a:rPr lang="en-US" sz="3300" b="1" dirty="0"/>
-              <a:t>: 11230</a:t>
+              <a:t>: 11224</a:t>
             </a:r>
             <a:br>
               <a:rPr lang="en-US" sz="2200" dirty="0"/>
@@ -5936,30 +5304,14 @@
             </a:br>
             <a:r>
               <a:rPr lang="en-US" sz="2200" dirty="0"/>
-              <a:t>ROI               1</a:t>
-            </a:r>
-            <a:r>
-              <a:rPr lang="en-US" sz="2200" baseline="30000" dirty="0"/>
-              <a:t>st</a:t>
-            </a:r>
-            <a:r>
-              <a:rPr lang="en-US" sz="2200" dirty="0"/>
-              <a:t> yr.              3</a:t>
-            </a:r>
-            <a:r>
-              <a:rPr lang="en-US" sz="2200" baseline="30000" dirty="0"/>
-              <a:t>rd</a:t>
-            </a:r>
-            <a:r>
-              <a:rPr lang="en-US" sz="2200" dirty="0"/>
-              <a:t> yr. </a:t>
+              <a:t>ROI               low                  high </a:t>
             </a:r>
             <a:br>
               <a:rPr lang="en-US" sz="2200" dirty="0"/>
             </a:br>
             <a:r>
-              <a:rPr lang="en-US" sz="2200" dirty="0"/>
-              <a:t>0.378108    0.098586       0.657631 </a:t>
+              <a:rPr lang="en-US" sz="2400" dirty="0"/>
+              <a:t>0.456346   -0.574688   1.48738</a:t>
             </a:r>
             <a:br>
               <a:rPr lang="en-US" sz="2200" dirty="0"/>
@@ -5989,8 +5341,8 @@
         </p:nvSpPr>
         <p:spPr>
           <a:xfrm>
-            <a:off x="838200" y="1825625"/>
-            <a:ext cx="4003623" cy="4351338"/>
+            <a:off x="838200" y="2008681"/>
+            <a:ext cx="4003623" cy="4168281"/>
           </a:xfrm>
         </p:spPr>
         <p:txBody>
@@ -5999,44 +5351,13 @@
           <a:p>
             <a:r>
               <a:rPr lang="en-US" dirty="0"/>
-              <a:t>Mean ROI 38%</a:t>
-            </a:r>
-          </a:p>
-          <a:p>
-            <a:r>
-              <a:rPr lang="en-US" dirty="0"/>
-              <a:t>1</a:t>
-            </a:r>
-            <a:r>
-              <a:rPr lang="en-US" baseline="30000" dirty="0"/>
-              <a:t>st</a:t>
-            </a:r>
-            <a:r>
-              <a:rPr lang="en-US" dirty="0"/>
-              <a:t> yr.  9% </a:t>
-            </a:r>
-          </a:p>
-          <a:p>
-            <a:r>
-              <a:rPr lang="en-US" dirty="0"/>
-              <a:t>3</a:t>
-            </a:r>
-            <a:r>
-              <a:rPr lang="en-US" baseline="30000" dirty="0"/>
-              <a:t>rd</a:t>
-            </a:r>
-            <a:r>
-              <a:rPr lang="en-US" dirty="0"/>
-              <a:t> yr. 66%</a:t>
-            </a:r>
-          </a:p>
-          <a:p>
-            <a:pPr marL="0" indent="0">
-              <a:buNone/>
-            </a:pPr>
-            <a:r>
-              <a:rPr lang="en-US" dirty="0"/>
-              <a:t>  </a:t>
+              <a:t>Predicted ROI 45%</a:t>
+            </a:r>
+          </a:p>
+          <a:p>
+            <a:r>
+              <a:rPr lang="en-US" dirty="0"/>
+              <a:t>W/ forecast of 3 yrs. ROI range of -57% to 148%</a:t>
             </a:r>
           </a:p>
           <a:p>
@@ -6080,10 +5401,10 @@
       </p:sp>
       <p:pic>
         <p:nvPicPr>
-          <p:cNvPr id="5" name="Picture 4">
-            <a:extLst>
-              <a:ext uri="{FF2B5EF4-FFF2-40B4-BE49-F238E27FC236}">
-                <a16:creationId xmlns:a16="http://schemas.microsoft.com/office/drawing/2014/main" id="{9909995B-B412-844D-8BA3-5BA28CD4EBD2}"/>
+          <p:cNvPr id="6" name="Picture 5">
+            <a:extLst>
+              <a:ext uri="{FF2B5EF4-FFF2-40B4-BE49-F238E27FC236}">
+                <a16:creationId xmlns:a16="http://schemas.microsoft.com/office/drawing/2014/main" id="{0F4A26E5-6B26-1742-9C06-C71D4361B745}"/>
               </a:ext>
             </a:extLst>
           </p:cNvPr>
@@ -6100,8 +5421,8 @@
         </p:blipFill>
         <p:spPr>
           <a:xfrm>
-            <a:off x="4841823" y="1690688"/>
-            <a:ext cx="6511977" cy="4486275"/>
+            <a:off x="4841822" y="1690688"/>
+            <a:ext cx="6511977" cy="4919975"/>
           </a:xfrm>
           <a:prstGeom prst="rect">
             <a:avLst/>
